--- a/Project/Documentation/IOT-SMART-HOME-Firebot-and-Device-Automation.pptx
+++ b/Project/Documentation/IOT-SMART-HOME-Firebot-and-Device-Automation.pptx
@@ -2068,8 +2068,8 @@
     <dgm:cxn modelId="{B234560F-DCC6-4C2B-912B-3AFC20390007}" srcId="{79550698-E5E1-4236-826F-FC9843C59BE4}" destId="{EDAFAEAD-A953-40D9-8EFB-CB21DD1C3618}" srcOrd="0" destOrd="0" parTransId="{29A47A24-2C5C-4BC0-8F3A-A67CFDA6A61D}" sibTransId="{F98CF3DA-0F5B-4E56-B493-EBFAA66FF6AC}"/>
     <dgm:cxn modelId="{8BD0589E-D5C9-4A16-86DE-F48026016930}" type="presOf" srcId="{57B71C3F-0CBD-4B9C-B399-7815E2252CFE}" destId="{957174C0-641B-486C-981C-D3D50D796F87}" srcOrd="0" destOrd="0" presId="urn:microsoft.com/office/officeart/2005/8/layout/process5"/>
     <dgm:cxn modelId="{8758221A-91F1-42E7-AFE9-1F78EED6F09D}" type="presOf" srcId="{9DF9B6C0-9ADB-4F96-9762-79685057A34B}" destId="{FEF8AE67-254E-4138-9C61-EDD3879FCBF5}" srcOrd="0" destOrd="0" presId="urn:microsoft.com/office/officeart/2005/8/layout/process5"/>
+    <dgm:cxn modelId="{13CB620E-406C-4FCC-B1A5-8095C355F526}" type="presOf" srcId="{FF01715B-F40D-4183-9A9F-0AF17A3F9929}" destId="{B4D1E3F1-9ABF-4904-83A9-AAB8A5CE19B5}" srcOrd="0" destOrd="0" presId="urn:microsoft.com/office/officeart/2005/8/layout/process5"/>
     <dgm:cxn modelId="{BDD5BD61-9FE4-462B-BC86-B9D0EBEBC6EB}" type="presOf" srcId="{E75C62E8-C86E-4DDF-98BB-95E2925BC518}" destId="{29E92719-BAF7-4D77-A3C3-AADB5F9AD43A}" srcOrd="0" destOrd="0" presId="urn:microsoft.com/office/officeart/2005/8/layout/process5"/>
-    <dgm:cxn modelId="{13CB620E-406C-4FCC-B1A5-8095C355F526}" type="presOf" srcId="{FF01715B-F40D-4183-9A9F-0AF17A3F9929}" destId="{B4D1E3F1-9ABF-4904-83A9-AAB8A5CE19B5}" srcOrd="0" destOrd="0" presId="urn:microsoft.com/office/officeart/2005/8/layout/process5"/>
     <dgm:cxn modelId="{F776759B-773D-4B3D-8EA2-171F83E6DC14}" type="presOf" srcId="{F98CF3DA-0F5B-4E56-B493-EBFAA66FF6AC}" destId="{78A3DC04-3497-4902-AF98-68282BC6C03A}" srcOrd="0" destOrd="0" presId="urn:microsoft.com/office/officeart/2005/8/layout/process5"/>
     <dgm:cxn modelId="{0E5FDC8B-25CF-41DD-B372-6E0D69B82892}" srcId="{79550698-E5E1-4236-826F-FC9843C59BE4}" destId="{DA1B01F4-8B0B-43C5-A4C6-F4619D499AEE}" srcOrd="2" destOrd="0" parTransId="{5F2B4C44-9ED6-4637-A567-DEF526A66C58}" sibTransId="{D935C3DF-04A6-4603-94DA-B3E8CE33C220}"/>
     <dgm:cxn modelId="{46176A04-9B83-4031-8A19-AFFC0BA6B225}" srcId="{79550698-E5E1-4236-826F-FC9843C59BE4}" destId="{E75C62E8-C86E-4DDF-98BB-95E2925BC518}" srcOrd="3" destOrd="0" parTransId="{4DAD7412-04B0-4A89-A94F-08022B0E7BF4}" sibTransId="{5119C2EA-ED5B-4414-9879-EDC73AA366F9}"/>
@@ -13590,7 +13590,7 @@
           </p:cNvPicPr>
           <p:nvPr/>
         </p:nvPicPr>
-        <p:blipFill>
+        <p:blipFill rotWithShape="1">
           <a:blip r:embed="rId2">
             <a:extLst>
               <a:ext uri="{28A0092B-C50C-407E-A947-70E740481C1C}">
@@ -13598,14 +13598,13 @@
               </a:ext>
             </a:extLst>
           </a:blip>
-          <a:stretch>
-            <a:fillRect/>
-          </a:stretch>
+          <a:srcRect b="10815"/>
+          <a:stretch/>
         </p:blipFill>
         <p:spPr>
           <a:xfrm>
-            <a:off x="6276995" y="1417625"/>
-            <a:ext cx="4011848" cy="2841578"/>
+            <a:off x="5501932" y="1528331"/>
+            <a:ext cx="4011848" cy="2534253"/>
           </a:xfrm>
           <a:prstGeom prst="rect">
             <a:avLst/>
@@ -13790,7 +13789,7 @@
         </p:blipFill>
         <p:spPr>
           <a:xfrm>
-            <a:off x="1260062" y="1539195"/>
+            <a:off x="397913" y="1561671"/>
             <a:ext cx="4770261" cy="2500913"/>
           </a:xfrm>
           <a:prstGeom prst="rect">
@@ -13852,6 +13851,36 @@
           <a:xfrm>
             <a:off x="10801350" y="266523"/>
             <a:ext cx="1246363" cy="550303"/>
+          </a:xfrm>
+          <a:prstGeom prst="rect">
+            <a:avLst/>
+          </a:prstGeom>
+        </p:spPr>
+      </p:pic>
+      <p:pic>
+        <p:nvPicPr>
+          <p:cNvPr id="4" name="Picture 3"/>
+          <p:cNvPicPr>
+            <a:picLocks noChangeAspect="1"/>
+          </p:cNvPicPr>
+          <p:nvPr/>
+        </p:nvPicPr>
+        <p:blipFill>
+          <a:blip r:embed="rId5" cstate="hqprint">
+            <a:extLst>
+              <a:ext uri="{28A0092B-C50C-407E-A947-70E740481C1C}">
+                <a14:useLocalDpi xmlns:a14="http://schemas.microsoft.com/office/drawing/2010/main" val="0"/>
+              </a:ext>
+            </a:extLst>
+          </a:blip>
+          <a:stretch>
+            <a:fillRect/>
+          </a:stretch>
+        </p:blipFill>
+        <p:spPr>
+          <a:xfrm>
+            <a:off x="9846423" y="1271813"/>
+            <a:ext cx="1824098" cy="3119472"/>
           </a:xfrm>
           <a:prstGeom prst="rect">
             <a:avLst/>
@@ -13946,7 +13975,7 @@
         </p:spPr>
         <p:txBody>
           <a:bodyPr>
-            <a:normAutofit/>
+            <a:normAutofit fontScale="92500"/>
           </a:bodyPr>
           <a:lstStyle/>
           <a:p>
@@ -14014,8 +14043,23 @@
             </a:pPr>
             <a:r>
               <a:rPr lang="en-US" sz="2400" dirty="0"/>
-              <a:t>Controlling the AC, fans, lights in a MIT app inventor android application.</a:t>
+              <a:t>Controlling the AC, fans, lights in a MIT app inventor android application</a:t>
             </a:r>
+            <a:r>
+              <a:rPr lang="en-US" sz="2400" dirty="0" smtClean="0"/>
+              <a:t>.</a:t>
+            </a:r>
+          </a:p>
+          <a:p>
+            <a:pPr>
+              <a:buFont typeface="Wingdings" panose="05000000000000000000" pitchFamily="2" charset="2"/>
+              <a:buChar char="Ø"/>
+            </a:pPr>
+            <a:r>
+              <a:rPr lang="en-US" dirty="0"/>
+              <a:t>Using a NAO robot which can say the weather condition at home and also can describe the fire situation if there is any.</a:t>
+            </a:r>
+            <a:endParaRPr lang="en-US" sz="2400" dirty="0"/>
           </a:p>
           <a:p>
             <a:pPr>

--- a/Project/Documentation/IOT-SMART-HOME-Firebot-and-Device-Automation.pptx
+++ b/Project/Documentation/IOT-SMART-HOME-Firebot-and-Device-Automation.pptx
@@ -6,10 +6,24 @@
   </p:sldMasterIdLst>
   <p:sldIdLst>
     <p:sldId id="256" r:id="rId2"/>
-    <p:sldId id="257" r:id="rId3"/>
-    <p:sldId id="260" r:id="rId4"/>
-    <p:sldId id="261" r:id="rId5"/>
-    <p:sldId id="262" r:id="rId6"/>
+    <p:sldId id="270" r:id="rId3"/>
+    <p:sldId id="280" r:id="rId4"/>
+    <p:sldId id="260" r:id="rId5"/>
+    <p:sldId id="264" r:id="rId6"/>
+    <p:sldId id="268" r:id="rId7"/>
+    <p:sldId id="265" r:id="rId8"/>
+    <p:sldId id="275" r:id="rId9"/>
+    <p:sldId id="269" r:id="rId10"/>
+    <p:sldId id="266" r:id="rId11"/>
+    <p:sldId id="261" r:id="rId12"/>
+    <p:sldId id="274" r:id="rId13"/>
+    <p:sldId id="271" r:id="rId14"/>
+    <p:sldId id="272" r:id="rId15"/>
+    <p:sldId id="273" r:id="rId16"/>
+    <p:sldId id="276" r:id="rId17"/>
+    <p:sldId id="277" r:id="rId18"/>
+    <p:sldId id="278" r:id="rId19"/>
+    <p:sldId id="279" r:id="rId20"/>
   </p:sldIdLst>
   <p:sldSz cx="12192000" cy="6858000"/>
   <p:notesSz cx="6858000" cy="9144000"/>
@@ -1812,10 +1826,9 @@
         <a:lstStyle/>
         <a:p>
           <a:r>
-            <a:rPr lang="en-IN" dirty="0" smtClean="0"/>
+            <a:rPr lang="en-IN" dirty="0"/>
             <a:t>NAO Robot</a:t>
           </a:r>
-          <a:endParaRPr lang="en-IN" dirty="0"/>
         </a:p>
       </dgm:t>
     </dgm:pt>
@@ -1849,13 +1862,6 @@
         </dgm:presLayoutVars>
       </dgm:prSet>
       <dgm:spPr/>
-      <dgm:t>
-        <a:bodyPr/>
-        <a:lstStyle/>
-        <a:p>
-          <a:endParaRPr lang="en-US"/>
-        </a:p>
-      </dgm:t>
     </dgm:pt>
     <dgm:pt modelId="{BC167AEB-6EDA-439B-96BE-07A483E43487}" type="pres">
       <dgm:prSet presAssocID="{EDAFAEAD-A953-40D9-8EFB-CB21DD1C3618}" presName="node" presStyleLbl="node1" presStyleIdx="0" presStyleCnt="6" custLinFactNeighborX="-59440" custLinFactNeighborY="8926">
@@ -1864,35 +1870,14 @@
         </dgm:presLayoutVars>
       </dgm:prSet>
       <dgm:spPr/>
-      <dgm:t>
-        <a:bodyPr/>
-        <a:lstStyle/>
-        <a:p>
-          <a:endParaRPr lang="en-US"/>
-        </a:p>
-      </dgm:t>
     </dgm:pt>
     <dgm:pt modelId="{78A3DC04-3497-4902-AF98-68282BC6C03A}" type="pres">
       <dgm:prSet presAssocID="{F98CF3DA-0F5B-4E56-B493-EBFAA66FF6AC}" presName="sibTrans" presStyleLbl="sibTrans2D1" presStyleIdx="0" presStyleCnt="5"/>
       <dgm:spPr/>
-      <dgm:t>
-        <a:bodyPr/>
-        <a:lstStyle/>
-        <a:p>
-          <a:endParaRPr lang="en-US"/>
-        </a:p>
-      </dgm:t>
     </dgm:pt>
     <dgm:pt modelId="{E7DC1036-F1BE-4C9F-871B-29AEF0003E78}" type="pres">
       <dgm:prSet presAssocID="{F98CF3DA-0F5B-4E56-B493-EBFAA66FF6AC}" presName="connectorText" presStyleLbl="sibTrans2D1" presStyleIdx="0" presStyleCnt="5"/>
       <dgm:spPr/>
-      <dgm:t>
-        <a:bodyPr/>
-        <a:lstStyle/>
-        <a:p>
-          <a:endParaRPr lang="en-US"/>
-        </a:p>
-      </dgm:t>
     </dgm:pt>
     <dgm:pt modelId="{95E11F7A-C38A-4480-9BAE-3842FA5B6BAD}" type="pres">
       <dgm:prSet presAssocID="{5DA5B7E1-9B4D-441B-8671-CFE1670B1D47}" presName="node" presStyleLbl="node1" presStyleIdx="1" presStyleCnt="6" custLinFactNeighborX="-67603" custLinFactNeighborY="9690">
@@ -1901,13 +1886,6 @@
         </dgm:presLayoutVars>
       </dgm:prSet>
       <dgm:spPr/>
-      <dgm:t>
-        <a:bodyPr/>
-        <a:lstStyle/>
-        <a:p>
-          <a:endParaRPr lang="en-US"/>
-        </a:p>
-      </dgm:t>
     </dgm:pt>
     <dgm:pt modelId="{FEF8AE67-254E-4138-9C61-EDD3879FCBF5}" type="pres">
       <dgm:prSet presAssocID="{9DF9B6C0-9ADB-4F96-9762-79685057A34B}" presName="sibTrans" presStyleLbl="sibTrans2D1" presStyleIdx="1" presStyleCnt="5" custScaleX="181172"/>
@@ -1916,24 +1894,10 @@
           <a:avLst/>
         </a:prstGeom>
       </dgm:spPr>
-      <dgm:t>
-        <a:bodyPr/>
-        <a:lstStyle/>
-        <a:p>
-          <a:endParaRPr lang="en-US"/>
-        </a:p>
-      </dgm:t>
     </dgm:pt>
     <dgm:pt modelId="{BE3087A1-0449-4776-AB81-EA9893A91C18}" type="pres">
       <dgm:prSet presAssocID="{9DF9B6C0-9ADB-4F96-9762-79685057A34B}" presName="connectorText" presStyleLbl="sibTrans2D1" presStyleIdx="1" presStyleCnt="5"/>
       <dgm:spPr/>
-      <dgm:t>
-        <a:bodyPr/>
-        <a:lstStyle/>
-        <a:p>
-          <a:endParaRPr lang="en-US"/>
-        </a:p>
-      </dgm:t>
     </dgm:pt>
     <dgm:pt modelId="{FC588FA0-AA79-428B-8EAA-D7370F1945C1}" type="pres">
       <dgm:prSet presAssocID="{DA1B01F4-8B0B-43C5-A4C6-F4619D499AEE}" presName="node" presStyleLbl="node1" presStyleIdx="2" presStyleCnt="6" custLinFactNeighborX="-67603" custLinFactNeighborY="9690">
@@ -1942,35 +1906,14 @@
         </dgm:presLayoutVars>
       </dgm:prSet>
       <dgm:spPr/>
-      <dgm:t>
-        <a:bodyPr/>
-        <a:lstStyle/>
-        <a:p>
-          <a:endParaRPr lang="en-US"/>
-        </a:p>
-      </dgm:t>
     </dgm:pt>
     <dgm:pt modelId="{F14C4CE9-8C36-4338-979F-695F59B79844}" type="pres">
       <dgm:prSet presAssocID="{D935C3DF-04A6-4603-94DA-B3E8CE33C220}" presName="sibTrans" presStyleLbl="sibTrans2D1" presStyleIdx="2" presStyleCnt="5"/>
       <dgm:spPr/>
-      <dgm:t>
-        <a:bodyPr/>
-        <a:lstStyle/>
-        <a:p>
-          <a:endParaRPr lang="en-US"/>
-        </a:p>
-      </dgm:t>
     </dgm:pt>
     <dgm:pt modelId="{6A316665-6D1A-4C54-993C-29BA200DB135}" type="pres">
       <dgm:prSet presAssocID="{D935C3DF-04A6-4603-94DA-B3E8CE33C220}" presName="connectorText" presStyleLbl="sibTrans2D1" presStyleIdx="2" presStyleCnt="5"/>
       <dgm:spPr/>
-      <dgm:t>
-        <a:bodyPr/>
-        <a:lstStyle/>
-        <a:p>
-          <a:endParaRPr lang="en-US"/>
-        </a:p>
-      </dgm:t>
     </dgm:pt>
     <dgm:pt modelId="{29E92719-BAF7-4D77-A3C3-AADB5F9AD43A}" type="pres">
       <dgm:prSet presAssocID="{E75C62E8-C86E-4DDF-98BB-95E2925BC518}" presName="node" presStyleLbl="node1" presStyleIdx="3" presStyleCnt="6" custLinFactNeighborX="-59440" custLinFactNeighborY="8926">
@@ -1979,35 +1922,14 @@
         </dgm:presLayoutVars>
       </dgm:prSet>
       <dgm:spPr/>
-      <dgm:t>
-        <a:bodyPr/>
-        <a:lstStyle/>
-        <a:p>
-          <a:endParaRPr lang="en-US"/>
-        </a:p>
-      </dgm:t>
     </dgm:pt>
     <dgm:pt modelId="{C98B66A3-B538-4755-8E9C-8FBBD957AF3C}" type="pres">
       <dgm:prSet presAssocID="{5119C2EA-ED5B-4414-9879-EDC73AA366F9}" presName="sibTrans" presStyleLbl="sibTrans2D1" presStyleIdx="3" presStyleCnt="5" custAng="14106145" custFlipHor="1" custScaleX="91635" custScaleY="89531" custLinFactX="100000" custLinFactNeighborX="101923" custLinFactNeighborY="2158"/>
       <dgm:spPr/>
-      <dgm:t>
-        <a:bodyPr/>
-        <a:lstStyle/>
-        <a:p>
-          <a:endParaRPr lang="en-US"/>
-        </a:p>
-      </dgm:t>
     </dgm:pt>
     <dgm:pt modelId="{B4BA6359-A867-4DDA-B369-5480781F9223}" type="pres">
       <dgm:prSet presAssocID="{5119C2EA-ED5B-4414-9879-EDC73AA366F9}" presName="connectorText" presStyleLbl="sibTrans2D1" presStyleIdx="3" presStyleCnt="5"/>
       <dgm:spPr/>
-      <dgm:t>
-        <a:bodyPr/>
-        <a:lstStyle/>
-        <a:p>
-          <a:endParaRPr lang="en-US"/>
-        </a:p>
-      </dgm:t>
     </dgm:pt>
     <dgm:pt modelId="{EE8DAAE9-044C-456D-A7E7-47C43183E8FA}" type="pres">
       <dgm:prSet presAssocID="{330425D8-D1F4-45F9-B881-6BA4E8C30549}" presName="node" presStyleLbl="node1" presStyleIdx="4" presStyleCnt="6" custLinFactNeighborX="75840" custLinFactNeighborY="967">
@@ -2016,35 +1938,14 @@
         </dgm:presLayoutVars>
       </dgm:prSet>
       <dgm:spPr/>
-      <dgm:t>
-        <a:bodyPr/>
-        <a:lstStyle/>
-        <a:p>
-          <a:endParaRPr lang="en-US"/>
-        </a:p>
-      </dgm:t>
     </dgm:pt>
     <dgm:pt modelId="{957174C0-641B-486C-981C-D3D50D796F87}" type="pres">
       <dgm:prSet presAssocID="{57B71C3F-0CBD-4B9C-B399-7815E2252CFE}" presName="sibTrans" presStyleLbl="sibTrans2D1" presStyleIdx="4" presStyleCnt="5" custAng="2365656" custScaleX="46146" custLinFactY="-79129" custLinFactNeighborX="5251" custLinFactNeighborY="-100000"/>
       <dgm:spPr/>
-      <dgm:t>
-        <a:bodyPr/>
-        <a:lstStyle/>
-        <a:p>
-          <a:endParaRPr lang="en-US"/>
-        </a:p>
-      </dgm:t>
     </dgm:pt>
     <dgm:pt modelId="{3E8CBEEE-7950-4892-B6C9-6E183FABFFC5}" type="pres">
       <dgm:prSet presAssocID="{57B71C3F-0CBD-4B9C-B399-7815E2252CFE}" presName="connectorText" presStyleLbl="sibTrans2D1" presStyleIdx="4" presStyleCnt="5"/>
       <dgm:spPr/>
-      <dgm:t>
-        <a:bodyPr/>
-        <a:lstStyle/>
-        <a:p>
-          <a:endParaRPr lang="en-US"/>
-        </a:p>
-      </dgm:t>
     </dgm:pt>
     <dgm:pt modelId="{B4D1E3F1-9ABF-4904-83A9-AAB8A5CE19B5}" type="pres">
       <dgm:prSet presAssocID="{FF01715B-F40D-4183-9A9F-0AF17A3F9929}" presName="node" presStyleLbl="node1" presStyleIdx="5" presStyleCnt="6" custLinFactY="-61335" custLinFactNeighborX="68959" custLinFactNeighborY="-100000">
@@ -2053,39 +1954,32 @@
         </dgm:presLayoutVars>
       </dgm:prSet>
       <dgm:spPr/>
-      <dgm:t>
-        <a:bodyPr/>
-        <a:lstStyle/>
-        <a:p>
-          <a:endParaRPr lang="en-US"/>
-        </a:p>
-      </dgm:t>
     </dgm:pt>
   </dgm:ptLst>
   <dgm:cxnLst>
-    <dgm:cxn modelId="{CE9ED2E9-17CD-4C0B-90EA-1DA1B1E4146B}" type="presOf" srcId="{79550698-E5E1-4236-826F-FC9843C59BE4}" destId="{1DA59C19-2015-4A68-AB5B-CE0E3FB4A72A}" srcOrd="0" destOrd="0" presId="urn:microsoft.com/office/officeart/2005/8/layout/process5"/>
+    <dgm:cxn modelId="{46176A04-9B83-4031-8A19-AFFC0BA6B225}" srcId="{79550698-E5E1-4236-826F-FC9843C59BE4}" destId="{E75C62E8-C86E-4DDF-98BB-95E2925BC518}" srcOrd="3" destOrd="0" parTransId="{4DAD7412-04B0-4A89-A94F-08022B0E7BF4}" sibTransId="{5119C2EA-ED5B-4414-9879-EDC73AA366F9}"/>
+    <dgm:cxn modelId="{E6D2490C-85C7-4EE7-B0A9-D1593D6000FB}" type="presOf" srcId="{D935C3DF-04A6-4603-94DA-B3E8CE33C220}" destId="{6A316665-6D1A-4C54-993C-29BA200DB135}" srcOrd="1" destOrd="0" presId="urn:microsoft.com/office/officeart/2005/8/layout/process5"/>
+    <dgm:cxn modelId="{13CB620E-406C-4FCC-B1A5-8095C355F526}" type="presOf" srcId="{FF01715B-F40D-4183-9A9F-0AF17A3F9929}" destId="{B4D1E3F1-9ABF-4904-83A9-AAB8A5CE19B5}" srcOrd="0" destOrd="0" presId="urn:microsoft.com/office/officeart/2005/8/layout/process5"/>
+    <dgm:cxn modelId="{B234560F-DCC6-4C2B-912B-3AFC20390007}" srcId="{79550698-E5E1-4236-826F-FC9843C59BE4}" destId="{EDAFAEAD-A953-40D9-8EFB-CB21DD1C3618}" srcOrd="0" destOrd="0" parTransId="{29A47A24-2C5C-4BC0-8F3A-A67CFDA6A61D}" sibTransId="{F98CF3DA-0F5B-4E56-B493-EBFAA66FF6AC}"/>
+    <dgm:cxn modelId="{8758221A-91F1-42E7-AFE9-1F78EED6F09D}" type="presOf" srcId="{9DF9B6C0-9ADB-4F96-9762-79685057A34B}" destId="{FEF8AE67-254E-4138-9C61-EDD3879FCBF5}" srcOrd="0" destOrd="0" presId="urn:microsoft.com/office/officeart/2005/8/layout/process5"/>
+    <dgm:cxn modelId="{D299961B-1476-4868-B622-AF29845FF321}" type="presOf" srcId="{EDAFAEAD-A953-40D9-8EFB-CB21DD1C3618}" destId="{BC167AEB-6EDA-439B-96BE-07A483E43487}" srcOrd="0" destOrd="0" presId="urn:microsoft.com/office/officeart/2005/8/layout/process5"/>
     <dgm:cxn modelId="{3D603221-1748-475F-B6F6-947A747C9F84}" type="presOf" srcId="{5119C2EA-ED5B-4414-9879-EDC73AA366F9}" destId="{C98B66A3-B538-4755-8E9C-8FBBD957AF3C}" srcOrd="0" destOrd="0" presId="urn:microsoft.com/office/officeart/2005/8/layout/process5"/>
-    <dgm:cxn modelId="{B234560F-DCC6-4C2B-912B-3AFC20390007}" srcId="{79550698-E5E1-4236-826F-FC9843C59BE4}" destId="{EDAFAEAD-A953-40D9-8EFB-CB21DD1C3618}" srcOrd="0" destOrd="0" parTransId="{29A47A24-2C5C-4BC0-8F3A-A67CFDA6A61D}" sibTransId="{F98CF3DA-0F5B-4E56-B493-EBFAA66FF6AC}"/>
+    <dgm:cxn modelId="{B4D0A22C-B13C-4F56-95EF-006BDBB84084}" type="presOf" srcId="{D935C3DF-04A6-4603-94DA-B3E8CE33C220}" destId="{F14C4CE9-8C36-4338-979F-695F59B79844}" srcOrd="0" destOrd="0" presId="urn:microsoft.com/office/officeart/2005/8/layout/process5"/>
+    <dgm:cxn modelId="{BDD5BD61-9FE4-462B-BC86-B9D0EBEBC6EB}" type="presOf" srcId="{E75C62E8-C86E-4DDF-98BB-95E2925BC518}" destId="{29E92719-BAF7-4D77-A3C3-AADB5F9AD43A}" srcOrd="0" destOrd="0" presId="urn:microsoft.com/office/officeart/2005/8/layout/process5"/>
+    <dgm:cxn modelId="{3ED7D880-903D-4C65-8B6C-EB95C99BC659}" srcId="{79550698-E5E1-4236-826F-FC9843C59BE4}" destId="{330425D8-D1F4-45F9-B881-6BA4E8C30549}" srcOrd="4" destOrd="0" parTransId="{46F8E9C1-9407-484A-941F-D70E6CC51BB2}" sibTransId="{57B71C3F-0CBD-4B9C-B399-7815E2252CFE}"/>
+    <dgm:cxn modelId="{190DDE85-AAB0-44D5-953B-EE83E48A88EB}" type="presOf" srcId="{5119C2EA-ED5B-4414-9879-EDC73AA366F9}" destId="{B4BA6359-A867-4DDA-B369-5480781F9223}" srcOrd="1" destOrd="0" presId="urn:microsoft.com/office/officeart/2005/8/layout/process5"/>
+    <dgm:cxn modelId="{BF91DD89-A4BD-499D-8DD6-CE2329BA5811}" type="presOf" srcId="{330425D8-D1F4-45F9-B881-6BA4E8C30549}" destId="{EE8DAAE9-044C-456D-A7E7-47C43183E8FA}" srcOrd="0" destOrd="0" presId="urn:microsoft.com/office/officeart/2005/8/layout/process5"/>
+    <dgm:cxn modelId="{0E5FDC8B-25CF-41DD-B372-6E0D69B82892}" srcId="{79550698-E5E1-4236-826F-FC9843C59BE4}" destId="{DA1B01F4-8B0B-43C5-A4C6-F4619D499AEE}" srcOrd="2" destOrd="0" parTransId="{5F2B4C44-9ED6-4637-A567-DEF526A66C58}" sibTransId="{D935C3DF-04A6-4603-94DA-B3E8CE33C220}"/>
+    <dgm:cxn modelId="{F776759B-773D-4B3D-8EA2-171F83E6DC14}" type="presOf" srcId="{F98CF3DA-0F5B-4E56-B493-EBFAA66FF6AC}" destId="{78A3DC04-3497-4902-AF98-68282BC6C03A}" srcOrd="0" destOrd="0" presId="urn:microsoft.com/office/officeart/2005/8/layout/process5"/>
+    <dgm:cxn modelId="{5AA8E49C-9C60-4B76-B493-BB7745D6CBF8}" srcId="{79550698-E5E1-4236-826F-FC9843C59BE4}" destId="{5DA5B7E1-9B4D-441B-8671-CFE1670B1D47}" srcOrd="1" destOrd="0" parTransId="{53A8F51E-1A7A-47E9-B0D4-BA7C829C9228}" sibTransId="{9DF9B6C0-9ADB-4F96-9762-79685057A34B}"/>
     <dgm:cxn modelId="{8BD0589E-D5C9-4A16-86DE-F48026016930}" type="presOf" srcId="{57B71C3F-0CBD-4B9C-B399-7815E2252CFE}" destId="{957174C0-641B-486C-981C-D3D50D796F87}" srcOrd="0" destOrd="0" presId="urn:microsoft.com/office/officeart/2005/8/layout/process5"/>
-    <dgm:cxn modelId="{8758221A-91F1-42E7-AFE9-1F78EED6F09D}" type="presOf" srcId="{9DF9B6C0-9ADB-4F96-9762-79685057A34B}" destId="{FEF8AE67-254E-4138-9C61-EDD3879FCBF5}" srcOrd="0" destOrd="0" presId="urn:microsoft.com/office/officeart/2005/8/layout/process5"/>
-    <dgm:cxn modelId="{13CB620E-406C-4FCC-B1A5-8095C355F526}" type="presOf" srcId="{FF01715B-F40D-4183-9A9F-0AF17A3F9929}" destId="{B4D1E3F1-9ABF-4904-83A9-AAB8A5CE19B5}" srcOrd="0" destOrd="0" presId="urn:microsoft.com/office/officeart/2005/8/layout/process5"/>
-    <dgm:cxn modelId="{BDD5BD61-9FE4-462B-BC86-B9D0EBEBC6EB}" type="presOf" srcId="{E75C62E8-C86E-4DDF-98BB-95E2925BC518}" destId="{29E92719-BAF7-4D77-A3C3-AADB5F9AD43A}" srcOrd="0" destOrd="0" presId="urn:microsoft.com/office/officeart/2005/8/layout/process5"/>
-    <dgm:cxn modelId="{F776759B-773D-4B3D-8EA2-171F83E6DC14}" type="presOf" srcId="{F98CF3DA-0F5B-4E56-B493-EBFAA66FF6AC}" destId="{78A3DC04-3497-4902-AF98-68282BC6C03A}" srcOrd="0" destOrd="0" presId="urn:microsoft.com/office/officeart/2005/8/layout/process5"/>
-    <dgm:cxn modelId="{0E5FDC8B-25CF-41DD-B372-6E0D69B82892}" srcId="{79550698-E5E1-4236-826F-FC9843C59BE4}" destId="{DA1B01F4-8B0B-43C5-A4C6-F4619D499AEE}" srcOrd="2" destOrd="0" parTransId="{5F2B4C44-9ED6-4637-A567-DEF526A66C58}" sibTransId="{D935C3DF-04A6-4603-94DA-B3E8CE33C220}"/>
-    <dgm:cxn modelId="{46176A04-9B83-4031-8A19-AFFC0BA6B225}" srcId="{79550698-E5E1-4236-826F-FC9843C59BE4}" destId="{E75C62E8-C86E-4DDF-98BB-95E2925BC518}" srcOrd="3" destOrd="0" parTransId="{4DAD7412-04B0-4A89-A94F-08022B0E7BF4}" sibTransId="{5119C2EA-ED5B-4414-9879-EDC73AA366F9}"/>
-    <dgm:cxn modelId="{190DDE85-AAB0-44D5-953B-EE83E48A88EB}" type="presOf" srcId="{5119C2EA-ED5B-4414-9879-EDC73AA366F9}" destId="{B4BA6359-A867-4DDA-B369-5480781F9223}" srcOrd="1" destOrd="0" presId="urn:microsoft.com/office/officeart/2005/8/layout/process5"/>
-    <dgm:cxn modelId="{B4D0A22C-B13C-4F56-95EF-006BDBB84084}" type="presOf" srcId="{D935C3DF-04A6-4603-94DA-B3E8CE33C220}" destId="{F14C4CE9-8C36-4338-979F-695F59B79844}" srcOrd="0" destOrd="0" presId="urn:microsoft.com/office/officeart/2005/8/layout/process5"/>
-    <dgm:cxn modelId="{3ED7D880-903D-4C65-8B6C-EB95C99BC659}" srcId="{79550698-E5E1-4236-826F-FC9843C59BE4}" destId="{330425D8-D1F4-45F9-B881-6BA4E8C30549}" srcOrd="4" destOrd="0" parTransId="{46F8E9C1-9407-484A-941F-D70E6CC51BB2}" sibTransId="{57B71C3F-0CBD-4B9C-B399-7815E2252CFE}"/>
+    <dgm:cxn modelId="{20D770B0-70D2-4933-A568-85475232FDD3}" type="presOf" srcId="{DA1B01F4-8B0B-43C5-A4C6-F4619D499AEE}" destId="{FC588FA0-AA79-428B-8EAA-D7370F1945C1}" srcOrd="0" destOrd="0" presId="urn:microsoft.com/office/officeart/2005/8/layout/process5"/>
+    <dgm:cxn modelId="{0C57CAC0-4B6F-4D20-9AEF-270B5F0212C5}" type="presOf" srcId="{5DA5B7E1-9B4D-441B-8671-CFE1670B1D47}" destId="{95E11F7A-C38A-4480-9BAE-3842FA5B6BAD}" srcOrd="0" destOrd="0" presId="urn:microsoft.com/office/officeart/2005/8/layout/process5"/>
     <dgm:cxn modelId="{D00C3BCD-89F9-4CDD-AC44-56D16961CC64}" type="presOf" srcId="{9DF9B6C0-9ADB-4F96-9762-79685057A34B}" destId="{BE3087A1-0449-4776-AB81-EA9893A91C18}" srcOrd="1" destOrd="0" presId="urn:microsoft.com/office/officeart/2005/8/layout/process5"/>
     <dgm:cxn modelId="{8F6558D3-3BCA-468B-841E-28518288495E}" type="presOf" srcId="{57B71C3F-0CBD-4B9C-B399-7815E2252CFE}" destId="{3E8CBEEE-7950-4892-B6C9-6E183FABFFC5}" srcOrd="1" destOrd="0" presId="urn:microsoft.com/office/officeart/2005/8/layout/process5"/>
-    <dgm:cxn modelId="{E6D2490C-85C7-4EE7-B0A9-D1593D6000FB}" type="presOf" srcId="{D935C3DF-04A6-4603-94DA-B3E8CE33C220}" destId="{6A316665-6D1A-4C54-993C-29BA200DB135}" srcOrd="1" destOrd="0" presId="urn:microsoft.com/office/officeart/2005/8/layout/process5"/>
+    <dgm:cxn modelId="{2CFC0EDB-000F-48F8-9227-1EE211AFFF73}" srcId="{79550698-E5E1-4236-826F-FC9843C59BE4}" destId="{FF01715B-F40D-4183-9A9F-0AF17A3F9929}" srcOrd="5" destOrd="0" parTransId="{D275FB19-478B-47DA-979A-26669BE45ECC}" sibTransId="{8D4A74AB-6C99-4BE7-93F5-845B88697519}"/>
+    <dgm:cxn modelId="{CE9ED2E9-17CD-4C0B-90EA-1DA1B1E4146B}" type="presOf" srcId="{79550698-E5E1-4236-826F-FC9843C59BE4}" destId="{1DA59C19-2015-4A68-AB5B-CE0E3FB4A72A}" srcOrd="0" destOrd="0" presId="urn:microsoft.com/office/officeart/2005/8/layout/process5"/>
     <dgm:cxn modelId="{871871FA-D726-4604-B478-6CE6B3F2C058}" type="presOf" srcId="{F98CF3DA-0F5B-4E56-B493-EBFAA66FF6AC}" destId="{E7DC1036-F1BE-4C9F-871B-29AEF0003E78}" srcOrd="1" destOrd="0" presId="urn:microsoft.com/office/officeart/2005/8/layout/process5"/>
-    <dgm:cxn modelId="{2CFC0EDB-000F-48F8-9227-1EE211AFFF73}" srcId="{79550698-E5E1-4236-826F-FC9843C59BE4}" destId="{FF01715B-F40D-4183-9A9F-0AF17A3F9929}" srcOrd="5" destOrd="0" parTransId="{D275FB19-478B-47DA-979A-26669BE45ECC}" sibTransId="{8D4A74AB-6C99-4BE7-93F5-845B88697519}"/>
-    <dgm:cxn modelId="{D299961B-1476-4868-B622-AF29845FF321}" type="presOf" srcId="{EDAFAEAD-A953-40D9-8EFB-CB21DD1C3618}" destId="{BC167AEB-6EDA-439B-96BE-07A483E43487}" srcOrd="0" destOrd="0" presId="urn:microsoft.com/office/officeart/2005/8/layout/process5"/>
-    <dgm:cxn modelId="{BF91DD89-A4BD-499D-8DD6-CE2329BA5811}" type="presOf" srcId="{330425D8-D1F4-45F9-B881-6BA4E8C30549}" destId="{EE8DAAE9-044C-456D-A7E7-47C43183E8FA}" srcOrd="0" destOrd="0" presId="urn:microsoft.com/office/officeart/2005/8/layout/process5"/>
-    <dgm:cxn modelId="{5AA8E49C-9C60-4B76-B493-BB7745D6CBF8}" srcId="{79550698-E5E1-4236-826F-FC9843C59BE4}" destId="{5DA5B7E1-9B4D-441B-8671-CFE1670B1D47}" srcOrd="1" destOrd="0" parTransId="{53A8F51E-1A7A-47E9-B0D4-BA7C829C9228}" sibTransId="{9DF9B6C0-9ADB-4F96-9762-79685057A34B}"/>
-    <dgm:cxn modelId="{0C57CAC0-4B6F-4D20-9AEF-270B5F0212C5}" type="presOf" srcId="{5DA5B7E1-9B4D-441B-8671-CFE1670B1D47}" destId="{95E11F7A-C38A-4480-9BAE-3842FA5B6BAD}" srcOrd="0" destOrd="0" presId="urn:microsoft.com/office/officeart/2005/8/layout/process5"/>
-    <dgm:cxn modelId="{20D770B0-70D2-4933-A568-85475232FDD3}" type="presOf" srcId="{DA1B01F4-8B0B-43C5-A4C6-F4619D499AEE}" destId="{FC588FA0-AA79-428B-8EAA-D7370F1945C1}" srcOrd="0" destOrd="0" presId="urn:microsoft.com/office/officeart/2005/8/layout/process5"/>
     <dgm:cxn modelId="{6E1F23CD-16D4-47B0-AFE9-96AD640DFF00}" type="presParOf" srcId="{1DA59C19-2015-4A68-AB5B-CE0E3FB4A72A}" destId="{BC167AEB-6EDA-439B-96BE-07A483E43487}" srcOrd="0" destOrd="0" presId="urn:microsoft.com/office/officeart/2005/8/layout/process5"/>
     <dgm:cxn modelId="{A8A18762-F296-404B-B88D-06512E47FE1C}" type="presParOf" srcId="{1DA59C19-2015-4A68-AB5B-CE0E3FB4A72A}" destId="{78A3DC04-3497-4902-AF98-68282BC6C03A}" srcOrd="1" destOrd="0" presId="urn:microsoft.com/office/officeart/2005/8/layout/process5"/>
     <dgm:cxn modelId="{CF34BD4F-43D3-43E6-8723-4BFEFF0FF74D}" type="presParOf" srcId="{78A3DC04-3497-4902-AF98-68282BC6C03A}" destId="{E7DC1036-F1BE-4C9F-871B-29AEF0003E78}" srcOrd="0" destOrd="0" presId="urn:microsoft.com/office/officeart/2005/8/layout/process5"/>
@@ -2323,7 +2217,7 @@
         <a:lstStyle/>
         <a:p>
           <a:r>
-            <a:rPr lang="en-IN" dirty="0" err="1" smtClean="0"/>
+            <a:rPr lang="en-IN" dirty="0" err="1"/>
             <a:t>Choregraphe</a:t>
           </a:r>
           <a:endParaRPr lang="en-IN" dirty="0"/>
@@ -2360,13 +2254,6 @@
         </dgm:presLayoutVars>
       </dgm:prSet>
       <dgm:spPr/>
-      <dgm:t>
-        <a:bodyPr/>
-        <a:lstStyle/>
-        <a:p>
-          <a:endParaRPr lang="en-US"/>
-        </a:p>
-      </dgm:t>
     </dgm:pt>
     <dgm:pt modelId="{DF71B0B5-F1F5-4037-9A3E-DB772AE969DD}" type="pres">
       <dgm:prSet presAssocID="{FF4DF19A-FCDF-4319-87B8-58D2FC6B82B0}" presName="node" presStyleLbl="node1" presStyleIdx="0" presStyleCnt="6">
@@ -2375,35 +2262,14 @@
         </dgm:presLayoutVars>
       </dgm:prSet>
       <dgm:spPr/>
-      <dgm:t>
-        <a:bodyPr/>
-        <a:lstStyle/>
-        <a:p>
-          <a:endParaRPr lang="en-US"/>
-        </a:p>
-      </dgm:t>
     </dgm:pt>
     <dgm:pt modelId="{FB522A7B-EB00-4BF4-B524-962474973FDB}" type="pres">
       <dgm:prSet presAssocID="{8EDC1B79-E251-4ABF-BDCF-32D39A02632B}" presName="sibTrans" presStyleLbl="sibTrans2D1" presStyleIdx="0" presStyleCnt="5"/>
       <dgm:spPr/>
-      <dgm:t>
-        <a:bodyPr/>
-        <a:lstStyle/>
-        <a:p>
-          <a:endParaRPr lang="en-US"/>
-        </a:p>
-      </dgm:t>
     </dgm:pt>
     <dgm:pt modelId="{EE7757F6-B714-4AA4-ABB6-9E91B712416B}" type="pres">
       <dgm:prSet presAssocID="{8EDC1B79-E251-4ABF-BDCF-32D39A02632B}" presName="connectorText" presStyleLbl="sibTrans2D1" presStyleIdx="0" presStyleCnt="5"/>
       <dgm:spPr/>
-      <dgm:t>
-        <a:bodyPr/>
-        <a:lstStyle/>
-        <a:p>
-          <a:endParaRPr lang="en-US"/>
-        </a:p>
-      </dgm:t>
     </dgm:pt>
     <dgm:pt modelId="{3A759FEB-66EA-4934-8F5C-9D882CCAFFAB}" type="pres">
       <dgm:prSet presAssocID="{2545D250-BFD5-481F-BA1D-7BEF6BBF1427}" presName="node" presStyleLbl="node1" presStyleIdx="1" presStyleCnt="6">
@@ -2412,13 +2278,6 @@
         </dgm:presLayoutVars>
       </dgm:prSet>
       <dgm:spPr/>
-      <dgm:t>
-        <a:bodyPr/>
-        <a:lstStyle/>
-        <a:p>
-          <a:endParaRPr lang="en-US"/>
-        </a:p>
-      </dgm:t>
     </dgm:pt>
     <dgm:pt modelId="{97821F69-0B45-448C-8E8A-AC4B1E272707}" type="pres">
       <dgm:prSet presAssocID="{12D9B701-D2CD-464B-9D29-BAC82825D3CD}" presName="sibTrans" presStyleLbl="sibTrans2D1" presStyleIdx="1" presStyleCnt="5" custScaleX="191334"/>
@@ -2427,24 +2286,10 @@
           <a:avLst/>
         </a:prstGeom>
       </dgm:spPr>
-      <dgm:t>
-        <a:bodyPr/>
-        <a:lstStyle/>
-        <a:p>
-          <a:endParaRPr lang="en-US"/>
-        </a:p>
-      </dgm:t>
     </dgm:pt>
     <dgm:pt modelId="{FC04ADFA-67FA-4BC8-A7D8-70E550CB8A67}" type="pres">
       <dgm:prSet presAssocID="{12D9B701-D2CD-464B-9D29-BAC82825D3CD}" presName="connectorText" presStyleLbl="sibTrans2D1" presStyleIdx="1" presStyleCnt="5"/>
       <dgm:spPr/>
-      <dgm:t>
-        <a:bodyPr/>
-        <a:lstStyle/>
-        <a:p>
-          <a:endParaRPr lang="en-US"/>
-        </a:p>
-      </dgm:t>
     </dgm:pt>
     <dgm:pt modelId="{5F0E0E36-B9D5-411F-A2EE-4A9D831C3336}" type="pres">
       <dgm:prSet presAssocID="{764764F7-A762-4109-B812-E29F8A565B9D}" presName="node" presStyleLbl="node1" presStyleIdx="2" presStyleCnt="6" custScaleX="110335">
@@ -2453,13 +2298,6 @@
         </dgm:presLayoutVars>
       </dgm:prSet>
       <dgm:spPr/>
-      <dgm:t>
-        <a:bodyPr/>
-        <a:lstStyle/>
-        <a:p>
-          <a:endParaRPr lang="en-US"/>
-        </a:p>
-      </dgm:t>
     </dgm:pt>
     <dgm:pt modelId="{E4AC00EC-9833-426E-AF4D-E6ACF6FAC684}" type="pres">
       <dgm:prSet presAssocID="{54B9D642-A167-49B2-B247-39C75D612B7E}" presName="sibTrans" presStyleLbl="sibTrans2D1" presStyleIdx="2" presStyleCnt="5" custScaleX="189725"/>
@@ -2468,24 +2306,10 @@
           <a:avLst/>
         </a:prstGeom>
       </dgm:spPr>
-      <dgm:t>
-        <a:bodyPr/>
-        <a:lstStyle/>
-        <a:p>
-          <a:endParaRPr lang="en-US"/>
-        </a:p>
-      </dgm:t>
     </dgm:pt>
     <dgm:pt modelId="{B61DA4DE-C906-4EF6-AFBD-6841F91C0EC5}" type="pres">
       <dgm:prSet presAssocID="{54B9D642-A167-49B2-B247-39C75D612B7E}" presName="connectorText" presStyleLbl="sibTrans2D1" presStyleIdx="2" presStyleCnt="5"/>
       <dgm:spPr/>
-      <dgm:t>
-        <a:bodyPr/>
-        <a:lstStyle/>
-        <a:p>
-          <a:endParaRPr lang="en-US"/>
-        </a:p>
-      </dgm:t>
     </dgm:pt>
     <dgm:pt modelId="{440967BF-7E77-4A6F-AD1B-25AC45CD6984}" type="pres">
       <dgm:prSet presAssocID="{45A47992-5E65-49C5-8D70-7678C1439A23}" presName="node" presStyleLbl="node1" presStyleIdx="3" presStyleCnt="6">
@@ -2494,35 +2318,14 @@
         </dgm:presLayoutVars>
       </dgm:prSet>
       <dgm:spPr/>
-      <dgm:t>
-        <a:bodyPr/>
-        <a:lstStyle/>
-        <a:p>
-          <a:endParaRPr lang="en-US"/>
-        </a:p>
-      </dgm:t>
     </dgm:pt>
     <dgm:pt modelId="{B2F8FA17-094F-42A5-95F0-2A5CC0E058D0}" type="pres">
       <dgm:prSet presAssocID="{EEC904FD-F7BE-4A92-88CF-F406158E05A6}" presName="sibTrans" presStyleLbl="sibTrans2D1" presStyleIdx="3" presStyleCnt="5"/>
       <dgm:spPr/>
-      <dgm:t>
-        <a:bodyPr/>
-        <a:lstStyle/>
-        <a:p>
-          <a:endParaRPr lang="en-US"/>
-        </a:p>
-      </dgm:t>
     </dgm:pt>
     <dgm:pt modelId="{9EDB90A7-E885-447F-927A-7F256777EA5C}" type="pres">
       <dgm:prSet presAssocID="{EEC904FD-F7BE-4A92-88CF-F406158E05A6}" presName="connectorText" presStyleLbl="sibTrans2D1" presStyleIdx="3" presStyleCnt="5"/>
       <dgm:spPr/>
-      <dgm:t>
-        <a:bodyPr/>
-        <a:lstStyle/>
-        <a:p>
-          <a:endParaRPr lang="en-US"/>
-        </a:p>
-      </dgm:t>
     </dgm:pt>
     <dgm:pt modelId="{CB515CC1-4F4E-406F-AAA9-F02F78BD4112}" type="pres">
       <dgm:prSet presAssocID="{F7BA1A21-A494-47FA-9D2E-53C350DDDAB5}" presName="node" presStyleLbl="node1" presStyleIdx="4" presStyleCnt="6">
@@ -2531,35 +2334,14 @@
         </dgm:presLayoutVars>
       </dgm:prSet>
       <dgm:spPr/>
-      <dgm:t>
-        <a:bodyPr/>
-        <a:lstStyle/>
-        <a:p>
-          <a:endParaRPr lang="en-US"/>
-        </a:p>
-      </dgm:t>
     </dgm:pt>
     <dgm:pt modelId="{7D1618D0-880C-4268-BBE5-00EABDFCF7E3}" type="pres">
       <dgm:prSet presAssocID="{7E216E5F-152A-41FF-B069-CEE7A9F8FA39}" presName="sibTrans" presStyleLbl="sibTrans2D1" presStyleIdx="4" presStyleCnt="5" custAng="5396607" custLinFactX="100000" custLinFactY="-86974" custLinFactNeighborX="142246" custLinFactNeighborY="-100000"/>
       <dgm:spPr/>
-      <dgm:t>
-        <a:bodyPr/>
-        <a:lstStyle/>
-        <a:p>
-          <a:endParaRPr lang="en-US"/>
-        </a:p>
-      </dgm:t>
     </dgm:pt>
     <dgm:pt modelId="{37C1264D-9FE5-4B1F-A720-54EBBD0E6BC6}" type="pres">
       <dgm:prSet presAssocID="{7E216E5F-152A-41FF-B069-CEE7A9F8FA39}" presName="connectorText" presStyleLbl="sibTrans2D1" presStyleIdx="4" presStyleCnt="5"/>
       <dgm:spPr/>
-      <dgm:t>
-        <a:bodyPr/>
-        <a:lstStyle/>
-        <a:p>
-          <a:endParaRPr lang="en-US"/>
-        </a:p>
-      </dgm:t>
     </dgm:pt>
     <dgm:pt modelId="{45B11E2A-5706-4DF3-893D-CEA359852919}" type="pres">
       <dgm:prSet presAssocID="{6AF22FEC-1317-4E39-BC9F-FD1BD2EA49BC}" presName="node" presStyleLbl="node1" presStyleIdx="5" presStyleCnt="6" custLinFactNeighborX="11375" custLinFactNeighborY="1402">
@@ -2568,39 +2350,32 @@
         </dgm:presLayoutVars>
       </dgm:prSet>
       <dgm:spPr/>
-      <dgm:t>
-        <a:bodyPr/>
-        <a:lstStyle/>
-        <a:p>
-          <a:endParaRPr lang="en-US"/>
-        </a:p>
-      </dgm:t>
     </dgm:pt>
   </dgm:ptLst>
   <dgm:cxnLst>
+    <dgm:cxn modelId="{4CCE8C07-AB2A-44BD-AAAF-E80F7F008CFC}" type="presOf" srcId="{6AF22FEC-1317-4E39-BC9F-FD1BD2EA49BC}" destId="{45B11E2A-5706-4DF3-893D-CEA359852919}" srcOrd="0" destOrd="0" presId="urn:microsoft.com/office/officeart/2005/8/layout/process5"/>
+    <dgm:cxn modelId="{92DF6613-C0AA-4E88-80E9-31F154B9687C}" srcId="{9A8C17B2-EF29-4D75-BBE0-BDB76371A160}" destId="{6AF22FEC-1317-4E39-BC9F-FD1BD2EA49BC}" srcOrd="5" destOrd="0" parTransId="{8E7FCE7F-AE84-465D-A23D-F966EB825243}" sibTransId="{DD2E30F7-DBE4-4CD6-8659-5FA77FC9614B}"/>
+    <dgm:cxn modelId="{F003761A-CA9C-4AC4-9BAE-E32D864BC96C}" type="presOf" srcId="{45A47992-5E65-49C5-8D70-7678C1439A23}" destId="{440967BF-7E77-4A6F-AD1B-25AC45CD6984}" srcOrd="0" destOrd="0" presId="urn:microsoft.com/office/officeart/2005/8/layout/process5"/>
+    <dgm:cxn modelId="{874C1826-7151-4951-A688-7C8E06E53DC9}" srcId="{9A8C17B2-EF29-4D75-BBE0-BDB76371A160}" destId="{2545D250-BFD5-481F-BA1D-7BEF6BBF1427}" srcOrd="1" destOrd="0" parTransId="{6A730C6B-D8C0-4050-A29C-3C0D1EFDFD99}" sibTransId="{12D9B701-D2CD-464B-9D29-BAC82825D3CD}"/>
+    <dgm:cxn modelId="{8EB3D031-B447-4FFB-972C-6FFE5FF31DFB}" type="presOf" srcId="{54B9D642-A167-49B2-B247-39C75D612B7E}" destId="{B61DA4DE-C906-4EF6-AFBD-6841F91C0EC5}" srcOrd="1" destOrd="0" presId="urn:microsoft.com/office/officeart/2005/8/layout/process5"/>
+    <dgm:cxn modelId="{477BAD32-D9E3-4266-AA84-2E6BBD4239BC}" type="presOf" srcId="{EEC904FD-F7BE-4A92-88CF-F406158E05A6}" destId="{9EDB90A7-E885-447F-927A-7F256777EA5C}" srcOrd="1" destOrd="0" presId="urn:microsoft.com/office/officeart/2005/8/layout/process5"/>
+    <dgm:cxn modelId="{0497E535-2965-4F3D-A3E3-90F47B42135A}" type="presOf" srcId="{FF4DF19A-FCDF-4319-87B8-58D2FC6B82B0}" destId="{DF71B0B5-F1F5-4037-9A3E-DB772AE969DD}" srcOrd="0" destOrd="0" presId="urn:microsoft.com/office/officeart/2005/8/layout/process5"/>
+    <dgm:cxn modelId="{38FD3045-0C0B-41D4-B710-D8390DC9D886}" type="presOf" srcId="{12D9B701-D2CD-464B-9D29-BAC82825D3CD}" destId="{97821F69-0B45-448C-8E8A-AC4B1E272707}" srcOrd="0" destOrd="0" presId="urn:microsoft.com/office/officeart/2005/8/layout/process5"/>
+    <dgm:cxn modelId="{622AFF4E-70E3-4700-85D5-9BA48A8973CB}" type="presOf" srcId="{54B9D642-A167-49B2-B247-39C75D612B7E}" destId="{E4AC00EC-9833-426E-AF4D-E6ACF6FAC684}" srcOrd="0" destOrd="0" presId="urn:microsoft.com/office/officeart/2005/8/layout/process5"/>
     <dgm:cxn modelId="{81E6054F-581D-4130-9A03-A9EFBD721B96}" type="presOf" srcId="{8EDC1B79-E251-4ABF-BDCF-32D39A02632B}" destId="{FB522A7B-EB00-4BF4-B524-962474973FDB}" srcOrd="0" destOrd="0" presId="urn:microsoft.com/office/officeart/2005/8/layout/process5"/>
+    <dgm:cxn modelId="{EB74F46F-FDF3-454C-94C4-5507E2A5593B}" type="presOf" srcId="{7E216E5F-152A-41FF-B069-CEE7A9F8FA39}" destId="{7D1618D0-880C-4268-BBE5-00EABDFCF7E3}" srcOrd="0" destOrd="0" presId="urn:microsoft.com/office/officeart/2005/8/layout/process5"/>
+    <dgm:cxn modelId="{88CD6971-C527-4572-83B8-549BC10E215F}" type="presOf" srcId="{764764F7-A762-4109-B812-E29F8A565B9D}" destId="{5F0E0E36-B9D5-411F-A2EE-4A9D831C3336}" srcOrd="0" destOrd="0" presId="urn:microsoft.com/office/officeart/2005/8/layout/process5"/>
+    <dgm:cxn modelId="{4CD0F675-7979-4C1C-BE89-8EB01166A73A}" type="presOf" srcId="{12D9B701-D2CD-464B-9D29-BAC82825D3CD}" destId="{FC04ADFA-67FA-4BC8-A7D8-70E550CB8A67}" srcOrd="1" destOrd="0" presId="urn:microsoft.com/office/officeart/2005/8/layout/process5"/>
+    <dgm:cxn modelId="{4667DE7C-36A2-46B5-B22B-19713C6FC003}" srcId="{9A8C17B2-EF29-4D75-BBE0-BDB76371A160}" destId="{764764F7-A762-4109-B812-E29F8A565B9D}" srcOrd="2" destOrd="0" parTransId="{776AF645-BCB2-406B-AC77-246336B5C8D8}" sibTransId="{54B9D642-A167-49B2-B247-39C75D612B7E}"/>
+    <dgm:cxn modelId="{D0A8FF8F-14A0-4142-B9C0-DABB360E769B}" type="presOf" srcId="{EEC904FD-F7BE-4A92-88CF-F406158E05A6}" destId="{B2F8FA17-094F-42A5-95F0-2A5CC0E058D0}" srcOrd="0" destOrd="0" presId="urn:microsoft.com/office/officeart/2005/8/layout/process5"/>
+    <dgm:cxn modelId="{3ECA749E-D478-47F8-BD7F-3E34DCB33EB9}" type="presOf" srcId="{F7BA1A21-A494-47FA-9D2E-53C350DDDAB5}" destId="{CB515CC1-4F4E-406F-AAA9-F02F78BD4112}" srcOrd="0" destOrd="0" presId="urn:microsoft.com/office/officeart/2005/8/layout/process5"/>
+    <dgm:cxn modelId="{18129BAB-42EB-42E7-92C9-F36CCCF12000}" type="presOf" srcId="{8EDC1B79-E251-4ABF-BDCF-32D39A02632B}" destId="{EE7757F6-B714-4AA4-ABB6-9E91B712416B}" srcOrd="1" destOrd="0" presId="urn:microsoft.com/office/officeart/2005/8/layout/process5"/>
+    <dgm:cxn modelId="{239B11AC-C12E-4289-9C6C-8B79A7482D7A}" srcId="{9A8C17B2-EF29-4D75-BBE0-BDB76371A160}" destId="{FF4DF19A-FCDF-4319-87B8-58D2FC6B82B0}" srcOrd="0" destOrd="0" parTransId="{C97EC9C2-5F3A-4D20-A5CF-A2CF9599BC65}" sibTransId="{8EDC1B79-E251-4ABF-BDCF-32D39A02632B}"/>
+    <dgm:cxn modelId="{4F7AB6B1-35EE-47DE-AC7B-3C66BBA3260B}" srcId="{9A8C17B2-EF29-4D75-BBE0-BDB76371A160}" destId="{F7BA1A21-A494-47FA-9D2E-53C350DDDAB5}" srcOrd="4" destOrd="0" parTransId="{8D1F684F-DEFD-44A5-A776-F0FAA9CC2A98}" sibTransId="{7E216E5F-152A-41FF-B069-CEE7A9F8FA39}"/>
+    <dgm:cxn modelId="{07A313BE-63AE-4348-AF2F-B9C555E0AE16}" type="presOf" srcId="{7E216E5F-152A-41FF-B069-CEE7A9F8FA39}" destId="{37C1264D-9FE5-4B1F-A720-54EBBD0E6BC6}" srcOrd="1" destOrd="0" presId="urn:microsoft.com/office/officeart/2005/8/layout/process5"/>
+    <dgm:cxn modelId="{8E8996CE-0A38-4B0D-BD9A-5AD6E05C838D}" type="presOf" srcId="{9A8C17B2-EF29-4D75-BBE0-BDB76371A160}" destId="{66BDE385-0E61-4B15-8EBE-069F767CD3F8}" srcOrd="0" destOrd="0" presId="urn:microsoft.com/office/officeart/2005/8/layout/process5"/>
+    <dgm:cxn modelId="{6D4FA3E7-D04C-45E8-8586-BCFA392A3E46}" srcId="{9A8C17B2-EF29-4D75-BBE0-BDB76371A160}" destId="{45A47992-5E65-49C5-8D70-7678C1439A23}" srcOrd="3" destOrd="0" parTransId="{090C0F8C-868D-40FD-8072-041A136D9133}" sibTransId="{EEC904FD-F7BE-4A92-88CF-F406158E05A6}"/>
     <dgm:cxn modelId="{C7CC93FE-6621-458F-BAF9-0C149D2504AB}" type="presOf" srcId="{2545D250-BFD5-481F-BA1D-7BEF6BBF1427}" destId="{3A759FEB-66EA-4934-8F5C-9D882CCAFFAB}" srcOrd="0" destOrd="0" presId="urn:microsoft.com/office/officeart/2005/8/layout/process5"/>
-    <dgm:cxn modelId="{4667DE7C-36A2-46B5-B22B-19713C6FC003}" srcId="{9A8C17B2-EF29-4D75-BBE0-BDB76371A160}" destId="{764764F7-A762-4109-B812-E29F8A565B9D}" srcOrd="2" destOrd="0" parTransId="{776AF645-BCB2-406B-AC77-246336B5C8D8}" sibTransId="{54B9D642-A167-49B2-B247-39C75D612B7E}"/>
-    <dgm:cxn modelId="{239B11AC-C12E-4289-9C6C-8B79A7482D7A}" srcId="{9A8C17B2-EF29-4D75-BBE0-BDB76371A160}" destId="{FF4DF19A-FCDF-4319-87B8-58D2FC6B82B0}" srcOrd="0" destOrd="0" parTransId="{C97EC9C2-5F3A-4D20-A5CF-A2CF9599BC65}" sibTransId="{8EDC1B79-E251-4ABF-BDCF-32D39A02632B}"/>
-    <dgm:cxn modelId="{8E8996CE-0A38-4B0D-BD9A-5AD6E05C838D}" type="presOf" srcId="{9A8C17B2-EF29-4D75-BBE0-BDB76371A160}" destId="{66BDE385-0E61-4B15-8EBE-069F767CD3F8}" srcOrd="0" destOrd="0" presId="urn:microsoft.com/office/officeart/2005/8/layout/process5"/>
-    <dgm:cxn modelId="{92DF6613-C0AA-4E88-80E9-31F154B9687C}" srcId="{9A8C17B2-EF29-4D75-BBE0-BDB76371A160}" destId="{6AF22FEC-1317-4E39-BC9F-FD1BD2EA49BC}" srcOrd="5" destOrd="0" parTransId="{8E7FCE7F-AE84-465D-A23D-F966EB825243}" sibTransId="{DD2E30F7-DBE4-4CD6-8659-5FA77FC9614B}"/>
-    <dgm:cxn modelId="{4F7AB6B1-35EE-47DE-AC7B-3C66BBA3260B}" srcId="{9A8C17B2-EF29-4D75-BBE0-BDB76371A160}" destId="{F7BA1A21-A494-47FA-9D2E-53C350DDDAB5}" srcOrd="4" destOrd="0" parTransId="{8D1F684F-DEFD-44A5-A776-F0FAA9CC2A98}" sibTransId="{7E216E5F-152A-41FF-B069-CEE7A9F8FA39}"/>
-    <dgm:cxn modelId="{EB74F46F-FDF3-454C-94C4-5507E2A5593B}" type="presOf" srcId="{7E216E5F-152A-41FF-B069-CEE7A9F8FA39}" destId="{7D1618D0-880C-4268-BBE5-00EABDFCF7E3}" srcOrd="0" destOrd="0" presId="urn:microsoft.com/office/officeart/2005/8/layout/process5"/>
-    <dgm:cxn modelId="{477BAD32-D9E3-4266-AA84-2E6BBD4239BC}" type="presOf" srcId="{EEC904FD-F7BE-4A92-88CF-F406158E05A6}" destId="{9EDB90A7-E885-447F-927A-7F256777EA5C}" srcOrd="1" destOrd="0" presId="urn:microsoft.com/office/officeart/2005/8/layout/process5"/>
-    <dgm:cxn modelId="{D0A8FF8F-14A0-4142-B9C0-DABB360E769B}" type="presOf" srcId="{EEC904FD-F7BE-4A92-88CF-F406158E05A6}" destId="{B2F8FA17-094F-42A5-95F0-2A5CC0E058D0}" srcOrd="0" destOrd="0" presId="urn:microsoft.com/office/officeart/2005/8/layout/process5"/>
-    <dgm:cxn modelId="{07A313BE-63AE-4348-AF2F-B9C555E0AE16}" type="presOf" srcId="{7E216E5F-152A-41FF-B069-CEE7A9F8FA39}" destId="{37C1264D-9FE5-4B1F-A720-54EBBD0E6BC6}" srcOrd="1" destOrd="0" presId="urn:microsoft.com/office/officeart/2005/8/layout/process5"/>
-    <dgm:cxn modelId="{4CD0F675-7979-4C1C-BE89-8EB01166A73A}" type="presOf" srcId="{12D9B701-D2CD-464B-9D29-BAC82825D3CD}" destId="{FC04ADFA-67FA-4BC8-A7D8-70E550CB8A67}" srcOrd="1" destOrd="0" presId="urn:microsoft.com/office/officeart/2005/8/layout/process5"/>
-    <dgm:cxn modelId="{38FD3045-0C0B-41D4-B710-D8390DC9D886}" type="presOf" srcId="{12D9B701-D2CD-464B-9D29-BAC82825D3CD}" destId="{97821F69-0B45-448C-8E8A-AC4B1E272707}" srcOrd="0" destOrd="0" presId="urn:microsoft.com/office/officeart/2005/8/layout/process5"/>
-    <dgm:cxn modelId="{88CD6971-C527-4572-83B8-549BC10E215F}" type="presOf" srcId="{764764F7-A762-4109-B812-E29F8A565B9D}" destId="{5F0E0E36-B9D5-411F-A2EE-4A9D831C3336}" srcOrd="0" destOrd="0" presId="urn:microsoft.com/office/officeart/2005/8/layout/process5"/>
-    <dgm:cxn modelId="{3ECA749E-D478-47F8-BD7F-3E34DCB33EB9}" type="presOf" srcId="{F7BA1A21-A494-47FA-9D2E-53C350DDDAB5}" destId="{CB515CC1-4F4E-406F-AAA9-F02F78BD4112}" srcOrd="0" destOrd="0" presId="urn:microsoft.com/office/officeart/2005/8/layout/process5"/>
-    <dgm:cxn modelId="{622AFF4E-70E3-4700-85D5-9BA48A8973CB}" type="presOf" srcId="{54B9D642-A167-49B2-B247-39C75D612B7E}" destId="{E4AC00EC-9833-426E-AF4D-E6ACF6FAC684}" srcOrd="0" destOrd="0" presId="urn:microsoft.com/office/officeart/2005/8/layout/process5"/>
-    <dgm:cxn modelId="{4CCE8C07-AB2A-44BD-AAAF-E80F7F008CFC}" type="presOf" srcId="{6AF22FEC-1317-4E39-BC9F-FD1BD2EA49BC}" destId="{45B11E2A-5706-4DF3-893D-CEA359852919}" srcOrd="0" destOrd="0" presId="urn:microsoft.com/office/officeart/2005/8/layout/process5"/>
-    <dgm:cxn modelId="{8EB3D031-B447-4FFB-972C-6FFE5FF31DFB}" type="presOf" srcId="{54B9D642-A167-49B2-B247-39C75D612B7E}" destId="{B61DA4DE-C906-4EF6-AFBD-6841F91C0EC5}" srcOrd="1" destOrd="0" presId="urn:microsoft.com/office/officeart/2005/8/layout/process5"/>
-    <dgm:cxn modelId="{874C1826-7151-4951-A688-7C8E06E53DC9}" srcId="{9A8C17B2-EF29-4D75-BBE0-BDB76371A160}" destId="{2545D250-BFD5-481F-BA1D-7BEF6BBF1427}" srcOrd="1" destOrd="0" parTransId="{6A730C6B-D8C0-4050-A29C-3C0D1EFDFD99}" sibTransId="{12D9B701-D2CD-464B-9D29-BAC82825D3CD}"/>
-    <dgm:cxn modelId="{F003761A-CA9C-4AC4-9BAE-E32D864BC96C}" type="presOf" srcId="{45A47992-5E65-49C5-8D70-7678C1439A23}" destId="{440967BF-7E77-4A6F-AD1B-25AC45CD6984}" srcOrd="0" destOrd="0" presId="urn:microsoft.com/office/officeart/2005/8/layout/process5"/>
-    <dgm:cxn modelId="{6D4FA3E7-D04C-45E8-8586-BCFA392A3E46}" srcId="{9A8C17B2-EF29-4D75-BBE0-BDB76371A160}" destId="{45A47992-5E65-49C5-8D70-7678C1439A23}" srcOrd="3" destOrd="0" parTransId="{090C0F8C-868D-40FD-8072-041A136D9133}" sibTransId="{EEC904FD-F7BE-4A92-88CF-F406158E05A6}"/>
-    <dgm:cxn modelId="{0497E535-2965-4F3D-A3E3-90F47B42135A}" type="presOf" srcId="{FF4DF19A-FCDF-4319-87B8-58D2FC6B82B0}" destId="{DF71B0B5-F1F5-4037-9A3E-DB772AE969DD}" srcOrd="0" destOrd="0" presId="urn:microsoft.com/office/officeart/2005/8/layout/process5"/>
-    <dgm:cxn modelId="{18129BAB-42EB-42E7-92C9-F36CCCF12000}" type="presOf" srcId="{8EDC1B79-E251-4ABF-BDCF-32D39A02632B}" destId="{EE7757F6-B714-4AA4-ABB6-9E91B712416B}" srcOrd="1" destOrd="0" presId="urn:microsoft.com/office/officeart/2005/8/layout/process5"/>
     <dgm:cxn modelId="{673EB01B-B5C0-45F3-B81F-938D518F60B5}" type="presParOf" srcId="{66BDE385-0E61-4B15-8EBE-069F767CD3F8}" destId="{DF71B0B5-F1F5-4037-9A3E-DB772AE969DD}" srcOrd="0" destOrd="0" presId="urn:microsoft.com/office/officeart/2005/8/layout/process5"/>
     <dgm:cxn modelId="{5A47608E-41A5-4029-B8D0-7B68E49149EA}" type="presParOf" srcId="{66BDE385-0E61-4B15-8EBE-069F767CD3F8}" destId="{FB522A7B-EB00-4BF4-B524-962474973FDB}" srcOrd="1" destOrd="0" presId="urn:microsoft.com/office/officeart/2005/8/layout/process5"/>
     <dgm:cxn modelId="{B209CEC7-CFEB-49D1-8992-6AA17F2A52B8}" type="presParOf" srcId="{FB522A7B-EB00-4BF4-B524-962474973FDB}" destId="{EE7757F6-B714-4AA4-ABB6-9E91B712416B}" srcOrd="0" destOrd="0" presId="urn:microsoft.com/office/officeart/2005/8/layout/process5"/>
@@ -2716,7 +2491,7 @@
         </a:bodyPr>
         <a:lstStyle/>
         <a:p>
-          <a:pPr lvl="0" algn="ctr" defTabSz="977900">
+          <a:pPr marL="0" lvl="0" indent="0" algn="ctr" defTabSz="977900">
             <a:lnSpc>
               <a:spcPct val="90000"/>
             </a:lnSpc>
@@ -2726,6 +2501,7 @@
             <a:spcAft>
               <a:spcPct val="35000"/>
             </a:spcAft>
+            <a:buNone/>
           </a:pPr>
           <a:r>
             <a:rPr lang="en-IN" sz="2200" kern="1200" dirty="0"/>
@@ -2802,7 +2578,7 @@
         </a:bodyPr>
         <a:lstStyle/>
         <a:p>
-          <a:pPr lvl="0" algn="ctr" defTabSz="755650">
+          <a:pPr marL="0" lvl="0" indent="0" algn="ctr" defTabSz="755650">
             <a:lnSpc>
               <a:spcPct val="90000"/>
             </a:lnSpc>
@@ -2812,6 +2588,7 @@
             <a:spcAft>
               <a:spcPct val="35000"/>
             </a:spcAft>
+            <a:buNone/>
           </a:pPr>
           <a:endParaRPr lang="en-IN" sz="1700" kern="1200"/>
         </a:p>
@@ -2899,7 +2676,7 @@
         </a:bodyPr>
         <a:lstStyle/>
         <a:p>
-          <a:pPr lvl="0" algn="ctr" defTabSz="977900">
+          <a:pPr marL="0" lvl="0" indent="0" algn="ctr" defTabSz="977900">
             <a:lnSpc>
               <a:spcPct val="90000"/>
             </a:lnSpc>
@@ -2909,6 +2686,7 @@
             <a:spcAft>
               <a:spcPct val="35000"/>
             </a:spcAft>
+            <a:buNone/>
           </a:pPr>
           <a:r>
             <a:rPr lang="en-IN" sz="2200" kern="1200" dirty="0"/>
@@ -2982,7 +2760,7 @@
         </a:bodyPr>
         <a:lstStyle/>
         <a:p>
-          <a:pPr lvl="0" algn="ctr" defTabSz="889000">
+          <a:pPr marL="0" lvl="0" indent="0" algn="ctr" defTabSz="889000">
             <a:lnSpc>
               <a:spcPct val="90000"/>
             </a:lnSpc>
@@ -2992,6 +2770,7 @@
             <a:spcAft>
               <a:spcPct val="35000"/>
             </a:spcAft>
+            <a:buNone/>
           </a:pPr>
           <a:endParaRPr lang="en-IN" sz="2000" kern="1200"/>
         </a:p>
@@ -3079,7 +2858,7 @@
         </a:bodyPr>
         <a:lstStyle/>
         <a:p>
-          <a:pPr lvl="0" algn="ctr" defTabSz="1111250">
+          <a:pPr marL="0" lvl="0" indent="0" algn="ctr" defTabSz="1111250">
             <a:lnSpc>
               <a:spcPct val="90000"/>
             </a:lnSpc>
@@ -3089,6 +2868,7 @@
             <a:spcAft>
               <a:spcPct val="35000"/>
             </a:spcAft>
+            <a:buNone/>
           </a:pPr>
           <a:r>
             <a:rPr lang="en-IN" sz="2500" kern="1200" dirty="0"/>
@@ -3165,7 +2945,7 @@
         </a:bodyPr>
         <a:lstStyle/>
         <a:p>
-          <a:pPr lvl="0" algn="ctr" defTabSz="755650">
+          <a:pPr marL="0" lvl="0" indent="0" algn="ctr" defTabSz="755650">
             <a:lnSpc>
               <a:spcPct val="90000"/>
             </a:lnSpc>
@@ -3175,6 +2955,7 @@
             <a:spcAft>
               <a:spcPct val="35000"/>
             </a:spcAft>
+            <a:buNone/>
           </a:pPr>
           <a:endParaRPr lang="en-IN" sz="1700" kern="1200"/>
         </a:p>
@@ -3262,7 +3043,7 @@
         </a:bodyPr>
         <a:lstStyle/>
         <a:p>
-          <a:pPr lvl="0" algn="ctr" defTabSz="977900">
+          <a:pPr marL="0" lvl="0" indent="0" algn="ctr" defTabSz="977900">
             <a:lnSpc>
               <a:spcPct val="90000"/>
             </a:lnSpc>
@@ -3272,6 +3053,7 @@
             <a:spcAft>
               <a:spcPct val="35000"/>
             </a:spcAft>
+            <a:buNone/>
           </a:pPr>
           <a:r>
             <a:rPr lang="en-US" sz="2200" kern="1200" dirty="0"/>
@@ -3348,7 +3130,7 @@
         </a:bodyPr>
         <a:lstStyle/>
         <a:p>
-          <a:pPr lvl="0" algn="ctr" defTabSz="666750">
+          <a:pPr marL="0" lvl="0" indent="0" algn="ctr" defTabSz="666750">
             <a:lnSpc>
               <a:spcPct val="90000"/>
             </a:lnSpc>
@@ -3358,6 +3140,7 @@
             <a:spcAft>
               <a:spcPct val="35000"/>
             </a:spcAft>
+            <a:buNone/>
           </a:pPr>
           <a:endParaRPr lang="en-US" sz="1500" kern="1200"/>
         </a:p>
@@ -3445,7 +3228,7 @@
         </a:bodyPr>
         <a:lstStyle/>
         <a:p>
-          <a:pPr lvl="0" algn="ctr" defTabSz="1111250">
+          <a:pPr marL="0" lvl="0" indent="0" algn="ctr" defTabSz="1111250">
             <a:lnSpc>
               <a:spcPct val="90000"/>
             </a:lnSpc>
@@ -3455,6 +3238,7 @@
             <a:spcAft>
               <a:spcPct val="35000"/>
             </a:spcAft>
+            <a:buNone/>
           </a:pPr>
           <a:r>
             <a:rPr lang="en-IN" sz="2500" kern="1200" dirty="0"/>
@@ -3531,7 +3315,7 @@
         </a:bodyPr>
         <a:lstStyle/>
         <a:p>
-          <a:pPr lvl="0" algn="ctr" defTabSz="755650">
+          <a:pPr marL="0" lvl="0" indent="0" algn="ctr" defTabSz="755650">
             <a:lnSpc>
               <a:spcPct val="90000"/>
             </a:lnSpc>
@@ -3541,6 +3325,7 @@
             <a:spcAft>
               <a:spcPct val="35000"/>
             </a:spcAft>
+            <a:buNone/>
           </a:pPr>
           <a:endParaRPr lang="en-IN" sz="1700" kern="1200"/>
         </a:p>
@@ -3628,7 +3413,7 @@
         </a:bodyPr>
         <a:lstStyle/>
         <a:p>
-          <a:pPr lvl="0" algn="ctr" defTabSz="1111250">
+          <a:pPr marL="0" lvl="0" indent="0" algn="ctr" defTabSz="1111250">
             <a:lnSpc>
               <a:spcPct val="90000"/>
             </a:lnSpc>
@@ -3638,12 +3423,12 @@
             <a:spcAft>
               <a:spcPct val="35000"/>
             </a:spcAft>
+            <a:buNone/>
           </a:pPr>
           <a:r>
-            <a:rPr lang="en-IN" sz="2500" kern="1200" dirty="0" smtClean="0"/>
+            <a:rPr lang="en-IN" sz="2500" kern="1200" dirty="0"/>
             <a:t>NAO Robot</a:t>
           </a:r>
-          <a:endParaRPr lang="en-IN" sz="2500" kern="1200" dirty="0"/>
         </a:p>
       </dsp:txBody>
       <dsp:txXfrm>
@@ -3741,7 +3526,7 @@
         </a:bodyPr>
         <a:lstStyle/>
         <a:p>
-          <a:pPr lvl="0" algn="ctr" defTabSz="977900">
+          <a:pPr marL="0" lvl="0" indent="0" algn="ctr" defTabSz="977900">
             <a:lnSpc>
               <a:spcPct val="90000"/>
             </a:lnSpc>
@@ -3751,6 +3536,7 @@
             <a:spcAft>
               <a:spcPct val="35000"/>
             </a:spcAft>
+            <a:buNone/>
           </a:pPr>
           <a:r>
             <a:rPr lang="en-IN" sz="2200" kern="1200" dirty="0"/>
@@ -3827,7 +3613,7 @@
         </a:bodyPr>
         <a:lstStyle/>
         <a:p>
-          <a:pPr lvl="0" algn="ctr" defTabSz="977900">
+          <a:pPr marL="0" lvl="0" indent="0" algn="ctr" defTabSz="977900">
             <a:lnSpc>
               <a:spcPct val="90000"/>
             </a:lnSpc>
@@ -3837,6 +3623,7 @@
             <a:spcAft>
               <a:spcPct val="35000"/>
             </a:spcAft>
+            <a:buNone/>
           </a:pPr>
           <a:endParaRPr lang="en-IN" sz="2200" kern="1200"/>
         </a:p>
@@ -3924,7 +3711,7 @@
         </a:bodyPr>
         <a:lstStyle/>
         <a:p>
-          <a:pPr lvl="0" algn="ctr" defTabSz="977900">
+          <a:pPr marL="0" lvl="0" indent="0" algn="ctr" defTabSz="977900">
             <a:lnSpc>
               <a:spcPct val="90000"/>
             </a:lnSpc>
@@ -3934,6 +3721,7 @@
             <a:spcAft>
               <a:spcPct val="35000"/>
             </a:spcAft>
+            <a:buNone/>
           </a:pPr>
           <a:r>
             <a:rPr lang="en-IN" sz="2200" kern="1200" dirty="0"/>
@@ -4007,7 +3795,7 @@
         </a:bodyPr>
         <a:lstStyle/>
         <a:p>
-          <a:pPr lvl="0" algn="ctr" defTabSz="977900">
+          <a:pPr marL="0" lvl="0" indent="0" algn="ctr" defTabSz="977900">
             <a:lnSpc>
               <a:spcPct val="90000"/>
             </a:lnSpc>
@@ -4017,6 +3805,7 @@
             <a:spcAft>
               <a:spcPct val="35000"/>
             </a:spcAft>
+            <a:buNone/>
           </a:pPr>
           <a:endParaRPr lang="en-IN" sz="2200" kern="1200"/>
         </a:p>
@@ -4104,7 +3893,7 @@
         </a:bodyPr>
         <a:lstStyle/>
         <a:p>
-          <a:pPr lvl="0" algn="ctr" defTabSz="977900">
+          <a:pPr marL="0" lvl="0" indent="0" algn="ctr" defTabSz="977900">
             <a:lnSpc>
               <a:spcPct val="90000"/>
             </a:lnSpc>
@@ -4114,6 +3903,7 @@
             <a:spcAft>
               <a:spcPct val="35000"/>
             </a:spcAft>
+            <a:buNone/>
           </a:pPr>
           <a:r>
             <a:rPr lang="en-IN" sz="2200" kern="1200" dirty="0"/>
@@ -4187,7 +3977,7 @@
         </a:bodyPr>
         <a:lstStyle/>
         <a:p>
-          <a:pPr lvl="0" algn="ctr" defTabSz="977900">
+          <a:pPr marL="0" lvl="0" indent="0" algn="ctr" defTabSz="977900">
             <a:lnSpc>
               <a:spcPct val="90000"/>
             </a:lnSpc>
@@ -4197,6 +3987,7 @@
             <a:spcAft>
               <a:spcPct val="35000"/>
             </a:spcAft>
+            <a:buNone/>
           </a:pPr>
           <a:endParaRPr lang="en-IN" sz="2200" kern="1200"/>
         </a:p>
@@ -4284,7 +4075,7 @@
         </a:bodyPr>
         <a:lstStyle/>
         <a:p>
-          <a:pPr lvl="0" algn="ctr" defTabSz="977900">
+          <a:pPr marL="0" lvl="0" indent="0" algn="ctr" defTabSz="977900">
             <a:lnSpc>
               <a:spcPct val="90000"/>
             </a:lnSpc>
@@ -4294,6 +4085,7 @@
             <a:spcAft>
               <a:spcPct val="35000"/>
             </a:spcAft>
+            <a:buNone/>
           </a:pPr>
           <a:r>
             <a:rPr lang="en-IN" sz="2200" kern="1200" dirty="0"/>
@@ -4370,7 +4162,7 @@
         </a:bodyPr>
         <a:lstStyle/>
         <a:p>
-          <a:pPr lvl="0" algn="ctr" defTabSz="977900">
+          <a:pPr marL="0" lvl="0" indent="0" algn="ctr" defTabSz="977900">
             <a:lnSpc>
               <a:spcPct val="90000"/>
             </a:lnSpc>
@@ -4380,6 +4172,7 @@
             <a:spcAft>
               <a:spcPct val="35000"/>
             </a:spcAft>
+            <a:buNone/>
           </a:pPr>
           <a:endParaRPr lang="en-IN" sz="2200" kern="1200"/>
         </a:p>
@@ -4467,7 +4260,7 @@
         </a:bodyPr>
         <a:lstStyle/>
         <a:p>
-          <a:pPr lvl="0" algn="ctr" defTabSz="977900">
+          <a:pPr marL="0" lvl="0" indent="0" algn="ctr" defTabSz="977900">
             <a:lnSpc>
               <a:spcPct val="90000"/>
             </a:lnSpc>
@@ -4477,6 +4270,7 @@
             <a:spcAft>
               <a:spcPct val="35000"/>
             </a:spcAft>
+            <a:buNone/>
           </a:pPr>
           <a:r>
             <a:rPr lang="en-IN" sz="2200" kern="1200" dirty="0"/>
@@ -4561,7 +4355,7 @@
         </a:bodyPr>
         <a:lstStyle/>
         <a:p>
-          <a:pPr lvl="0" algn="ctr" defTabSz="666750">
+          <a:pPr marL="0" lvl="0" indent="0" algn="ctr" defTabSz="666750">
             <a:lnSpc>
               <a:spcPct val="90000"/>
             </a:lnSpc>
@@ -4571,6 +4365,7 @@
             <a:spcAft>
               <a:spcPct val="35000"/>
             </a:spcAft>
+            <a:buNone/>
           </a:pPr>
           <a:endParaRPr lang="en-IN" sz="1500" kern="1200"/>
         </a:p>
@@ -4658,7 +4453,7 @@
         </a:bodyPr>
         <a:lstStyle/>
         <a:p>
-          <a:pPr lvl="0" algn="ctr" defTabSz="844550">
+          <a:pPr marL="0" lvl="0" indent="0" algn="ctr" defTabSz="844550">
             <a:lnSpc>
               <a:spcPct val="90000"/>
             </a:lnSpc>
@@ -4668,9 +4463,10 @@
             <a:spcAft>
               <a:spcPct val="35000"/>
             </a:spcAft>
+            <a:buNone/>
           </a:pPr>
           <a:r>
-            <a:rPr lang="en-IN" sz="1900" kern="1200" dirty="0" err="1" smtClean="0"/>
+            <a:rPr lang="en-IN" sz="1900" kern="1200" dirty="0" err="1"/>
             <a:t>Choregraphe</a:t>
           </a:r>
           <a:endParaRPr lang="en-IN" sz="1900" kern="1200" dirty="0"/>
@@ -8053,7 +7849,7 @@
           <a:p>
             <a:fld id="{F1E0E487-B63A-4AEA-92B6-7087F2C7175D}" type="datetimeFigureOut">
               <a:rPr lang="en-IN" smtClean="0"/>
-              <a:t>02-12-2018</a:t>
+              <a:t>03-12-2018</a:t>
             </a:fld>
             <a:endParaRPr lang="en-IN"/>
           </a:p>
@@ -8349,7 +8145,7 @@
           <a:p>
             <a:fld id="{F1E0E487-B63A-4AEA-92B6-7087F2C7175D}" type="datetimeFigureOut">
               <a:rPr lang="en-IN" smtClean="0"/>
-              <a:t>02-12-2018</a:t>
+              <a:t>03-12-2018</a:t>
             </a:fld>
             <a:endParaRPr lang="en-IN"/>
           </a:p>
@@ -8597,7 +8393,7 @@
           <a:p>
             <a:fld id="{F1E0E487-B63A-4AEA-92B6-7087F2C7175D}" type="datetimeFigureOut">
               <a:rPr lang="en-IN" smtClean="0"/>
-              <a:t>02-12-2018</a:t>
+              <a:t>03-12-2018</a:t>
             </a:fld>
             <a:endParaRPr lang="en-IN"/>
           </a:p>
@@ -9137,7 +8933,7 @@
           <a:p>
             <a:fld id="{F1E0E487-B63A-4AEA-92B6-7087F2C7175D}" type="datetimeFigureOut">
               <a:rPr lang="en-IN" smtClean="0"/>
-              <a:t>02-12-2018</a:t>
+              <a:t>03-12-2018</a:t>
             </a:fld>
             <a:endParaRPr lang="en-IN"/>
           </a:p>
@@ -9385,7 +9181,7 @@
           <a:p>
             <a:fld id="{F1E0E487-B63A-4AEA-92B6-7087F2C7175D}" type="datetimeFigureOut">
               <a:rPr lang="en-IN" smtClean="0"/>
-              <a:t>02-12-2018</a:t>
+              <a:t>03-12-2018</a:t>
             </a:fld>
             <a:endParaRPr lang="en-IN"/>
           </a:p>
@@ -9917,7 +9713,7 @@
           <a:p>
             <a:fld id="{F1E0E487-B63A-4AEA-92B6-7087F2C7175D}" type="datetimeFigureOut">
               <a:rPr lang="en-IN" smtClean="0"/>
-              <a:t>02-12-2018</a:t>
+              <a:t>03-12-2018</a:t>
             </a:fld>
             <a:endParaRPr lang="en-IN"/>
           </a:p>
@@ -10214,7 +10010,7 @@
           <a:p>
             <a:fld id="{F1E0E487-B63A-4AEA-92B6-7087F2C7175D}" type="datetimeFigureOut">
               <a:rPr lang="en-IN" smtClean="0"/>
-              <a:t>02-12-2018</a:t>
+              <a:t>03-12-2018</a:t>
             </a:fld>
             <a:endParaRPr lang="en-IN"/>
           </a:p>
@@ -10388,7 +10184,7 @@
           <a:p>
             <a:fld id="{F1E0E487-B63A-4AEA-92B6-7087F2C7175D}" type="datetimeFigureOut">
               <a:rPr lang="en-IN" smtClean="0"/>
-              <a:t>02-12-2018</a:t>
+              <a:t>03-12-2018</a:t>
             </a:fld>
             <a:endParaRPr lang="en-IN"/>
           </a:p>
@@ -10568,7 +10364,7 @@
           <a:p>
             <a:fld id="{F1E0E487-B63A-4AEA-92B6-7087F2C7175D}" type="datetimeFigureOut">
               <a:rPr lang="en-IN" smtClean="0"/>
-              <a:t>02-12-2018</a:t>
+              <a:t>03-12-2018</a:t>
             </a:fld>
             <a:endParaRPr lang="en-IN"/>
           </a:p>
@@ -10738,7 +10534,7 @@
           <a:p>
             <a:fld id="{F1E0E487-B63A-4AEA-92B6-7087F2C7175D}" type="datetimeFigureOut">
               <a:rPr lang="en-IN" smtClean="0"/>
-              <a:t>02-12-2018</a:t>
+              <a:t>03-12-2018</a:t>
             </a:fld>
             <a:endParaRPr lang="en-IN"/>
           </a:p>
@@ -10989,7 +10785,7 @@
           <a:p>
             <a:fld id="{F1E0E487-B63A-4AEA-92B6-7087F2C7175D}" type="datetimeFigureOut">
               <a:rPr lang="en-IN" smtClean="0"/>
-              <a:t>02-12-2018</a:t>
+              <a:t>03-12-2018</a:t>
             </a:fld>
             <a:endParaRPr lang="en-IN"/>
           </a:p>
@@ -11286,7 +11082,7 @@
           <a:p>
             <a:fld id="{F1E0E487-B63A-4AEA-92B6-7087F2C7175D}" type="datetimeFigureOut">
               <a:rPr lang="en-IN" smtClean="0"/>
-              <a:t>02-12-2018</a:t>
+              <a:t>03-12-2018</a:t>
             </a:fld>
             <a:endParaRPr lang="en-IN"/>
           </a:p>
@@ -11728,7 +11524,7 @@
           <a:p>
             <a:fld id="{F1E0E487-B63A-4AEA-92B6-7087F2C7175D}" type="datetimeFigureOut">
               <a:rPr lang="en-IN" smtClean="0"/>
-              <a:t>02-12-2018</a:t>
+              <a:t>03-12-2018</a:t>
             </a:fld>
             <a:endParaRPr lang="en-IN"/>
           </a:p>
@@ -11846,7 +11642,7 @@
           <a:p>
             <a:fld id="{F1E0E487-B63A-4AEA-92B6-7087F2C7175D}" type="datetimeFigureOut">
               <a:rPr lang="en-IN" smtClean="0"/>
-              <a:t>02-12-2018</a:t>
+              <a:t>03-12-2018</a:t>
             </a:fld>
             <a:endParaRPr lang="en-IN"/>
           </a:p>
@@ -11941,7 +11737,7 @@
           <a:p>
             <a:fld id="{F1E0E487-B63A-4AEA-92B6-7087F2C7175D}" type="datetimeFigureOut">
               <a:rPr lang="en-IN" smtClean="0"/>
-              <a:t>02-12-2018</a:t>
+              <a:t>03-12-2018</a:t>
             </a:fld>
             <a:endParaRPr lang="en-IN"/>
           </a:p>
@@ -12224,7 +12020,7 @@
           <a:p>
             <a:fld id="{F1E0E487-B63A-4AEA-92B6-7087F2C7175D}" type="datetimeFigureOut">
               <a:rPr lang="en-IN" smtClean="0"/>
-              <a:t>02-12-2018</a:t>
+              <a:t>03-12-2018</a:t>
             </a:fld>
             <a:endParaRPr lang="en-IN"/>
           </a:p>
@@ -12515,7 +12311,7 @@
           <a:p>
             <a:fld id="{F1E0E487-B63A-4AEA-92B6-7087F2C7175D}" type="datetimeFigureOut">
               <a:rPr lang="en-IN" smtClean="0"/>
-              <a:t>02-12-2018</a:t>
+              <a:t>03-12-2018</a:t>
             </a:fld>
             <a:endParaRPr lang="en-IN"/>
           </a:p>
@@ -13045,7 +12841,7 @@
           <a:p>
             <a:fld id="{F1E0E487-B63A-4AEA-92B6-7087F2C7175D}" type="datetimeFigureOut">
               <a:rPr lang="en-IN" smtClean="0"/>
-              <a:t>02-12-2018</a:t>
+              <a:t>03-12-2018</a:t>
             </a:fld>
             <a:endParaRPr lang="en-IN"/>
           </a:p>
@@ -13603,8 +13399,8 @@
         </p:blipFill>
         <p:spPr>
           <a:xfrm>
-            <a:off x="5501932" y="1528331"/>
-            <a:ext cx="4011848" cy="2534253"/>
+            <a:off x="6096000" y="1996362"/>
+            <a:ext cx="2571928" cy="1624666"/>
           </a:xfrm>
           <a:prstGeom prst="rect">
             <a:avLst/>
@@ -13630,7 +13426,7 @@
         </p:nvSpPr>
         <p:spPr>
           <a:xfrm>
-            <a:off x="643855" y="4345577"/>
+            <a:off x="1670015" y="4345577"/>
             <a:ext cx="10293799" cy="725074"/>
           </a:xfrm>
         </p:spPr>
@@ -13789,8 +13585,8 @@
         </p:blipFill>
         <p:spPr>
           <a:xfrm>
-            <a:off x="397913" y="1561671"/>
-            <a:ext cx="4770261" cy="2500913"/>
+            <a:off x="2600960" y="1983926"/>
+            <a:ext cx="3073692" cy="1611450"/>
           </a:xfrm>
           <a:prstGeom prst="rect">
             <a:avLst/>
@@ -13822,7 +13618,7 @@
           <a:p>
             <a:r>
               <a:rPr lang="en-US" sz="3600" b="1" dirty="0"/>
-              <a:t>UMKC Hackathon, Fall, 2018</a:t>
+              <a:t>IOT Group 2 Final Project</a:t>
             </a:r>
           </a:p>
         </p:txBody>
@@ -13879,7 +13675,7 @@
         </p:blipFill>
         <p:spPr>
           <a:xfrm>
-            <a:off x="9846423" y="1271813"/>
+            <a:off x="9008033" y="1248959"/>
             <a:ext cx="1824098" cy="3119472"/>
           </a:xfrm>
           <a:prstGeom prst="rect">
@@ -13900,7 +13696,150 @@
 </p:sld>
 </file>
 
-<file path=ppt/slides/slide2.xml><?xml version="1.0" encoding="utf-8"?>
+<file path=ppt/slides/slide10.xml><?xml version="1.0" encoding="utf-8"?>
+<p:sld xmlns:a="http://schemas.openxmlformats.org/drawingml/2006/main" xmlns:r="http://schemas.openxmlformats.org/officeDocument/2006/relationships" xmlns:p="http://schemas.openxmlformats.org/presentationml/2006/main">
+  <p:cSld>
+    <p:spTree>
+      <p:nvGrpSpPr>
+        <p:cNvPr id="1" name=""/>
+        <p:cNvGrpSpPr/>
+        <p:nvPr/>
+      </p:nvGrpSpPr>
+      <p:grpSpPr>
+        <a:xfrm>
+          <a:off x="0" y="0"/>
+          <a:ext cx="0" cy="0"/>
+          <a:chOff x="0" y="0"/>
+          <a:chExt cx="0" cy="0"/>
+        </a:xfrm>
+      </p:grpSpPr>
+      <p:sp>
+        <p:nvSpPr>
+          <p:cNvPr id="2" name="Title 1">
+            <a:extLst>
+              <a:ext uri="{FF2B5EF4-FFF2-40B4-BE49-F238E27FC236}">
+                <a16:creationId xmlns:a16="http://schemas.microsoft.com/office/drawing/2014/main" id="{CC643E5B-EE6A-4BEE-A22C-0ADD93658B04}"/>
+              </a:ext>
+            </a:extLst>
+          </p:cNvPr>
+          <p:cNvSpPr>
+            <a:spLocks noGrp="1"/>
+          </p:cNvSpPr>
+          <p:nvPr>
+            <p:ph type="title"/>
+          </p:nvPr>
+        </p:nvSpPr>
+        <p:spPr>
+          <a:xfrm>
+            <a:off x="1484312" y="-91378"/>
+            <a:ext cx="10018713" cy="1752599"/>
+          </a:xfrm>
+        </p:spPr>
+        <p:txBody>
+          <a:bodyPr/>
+          <a:lstStyle/>
+          <a:p>
+            <a:r>
+              <a:rPr lang="en-US" dirty="0"/>
+              <a:t>App – Controlling Hardware</a:t>
+            </a:r>
+          </a:p>
+        </p:txBody>
+      </p:sp>
+      <p:sp>
+        <p:nvSpPr>
+          <p:cNvPr id="3" name="Content Placeholder 2">
+            <a:extLst>
+              <a:ext uri="{FF2B5EF4-FFF2-40B4-BE49-F238E27FC236}">
+                <a16:creationId xmlns:a16="http://schemas.microsoft.com/office/drawing/2014/main" id="{597BCE5A-F582-4D80-9EF9-D9ABCCD84095}"/>
+              </a:ext>
+            </a:extLst>
+          </p:cNvPr>
+          <p:cNvSpPr>
+            <a:spLocks noGrp="1"/>
+          </p:cNvSpPr>
+          <p:nvPr>
+            <p:ph sz="half" idx="1"/>
+          </p:nvPr>
+        </p:nvSpPr>
+        <p:spPr>
+          <a:xfrm>
+            <a:off x="3174023" y="5437504"/>
+            <a:ext cx="6874852" cy="1295400"/>
+          </a:xfrm>
+        </p:spPr>
+        <p:txBody>
+          <a:bodyPr/>
+          <a:lstStyle/>
+          <a:p>
+            <a:pPr marL="0" indent="0" algn="ctr">
+              <a:buNone/>
+            </a:pPr>
+            <a:r>
+              <a:rPr lang="en-US" dirty="0"/>
+              <a:t>Set a value on firebase</a:t>
+            </a:r>
+          </a:p>
+          <a:p>
+            <a:pPr marL="0" indent="0" algn="ctr">
+              <a:buNone/>
+            </a:pPr>
+            <a:r>
+              <a:rPr lang="en-US" dirty="0"/>
+              <a:t>Node-red waits for a change and controls hardware (LEDs) accordingly</a:t>
+            </a:r>
+          </a:p>
+        </p:txBody>
+      </p:sp>
+      <p:pic>
+        <p:nvPicPr>
+          <p:cNvPr id="6" name="Content Placeholder 5">
+            <a:extLst>
+              <a:ext uri="{FF2B5EF4-FFF2-40B4-BE49-F238E27FC236}">
+                <a16:creationId xmlns:a16="http://schemas.microsoft.com/office/drawing/2014/main" id="{46F455F0-414A-4CB7-A19B-08EB54E86A5F}"/>
+              </a:ext>
+            </a:extLst>
+          </p:cNvPr>
+          <p:cNvPicPr>
+            <a:picLocks noGrp="1" noChangeAspect="1"/>
+          </p:cNvPicPr>
+          <p:nvPr>
+            <p:ph sz="half" idx="2"/>
+          </p:nvPr>
+        </p:nvPicPr>
+        <p:blipFill>
+          <a:blip r:embed="rId2">
+            <a:extLst>
+              <a:ext uri="{28A0092B-C50C-407E-A947-70E740481C1C}">
+                <a14:useLocalDpi xmlns:a14="http://schemas.microsoft.com/office/drawing/2010/main" val="0"/>
+              </a:ext>
+            </a:extLst>
+          </a:blip>
+          <a:stretch>
+            <a:fillRect/>
+          </a:stretch>
+        </p:blipFill>
+        <p:spPr>
+          <a:xfrm>
+            <a:off x="1581737" y="1231900"/>
+            <a:ext cx="10352257" cy="4205604"/>
+          </a:xfrm>
+        </p:spPr>
+      </p:pic>
+    </p:spTree>
+    <p:extLst>
+      <p:ext uri="{BB962C8B-B14F-4D97-AF65-F5344CB8AC3E}">
+        <p14:creationId xmlns:p14="http://schemas.microsoft.com/office/powerpoint/2010/main" val="2059872730"/>
+      </p:ext>
+    </p:extLst>
+  </p:cSld>
+  <p:clrMapOvr>
+    <a:masterClrMapping/>
+  </p:clrMapOvr>
+</p:sld>
+</file>
+
+<file path=ppt/slides/slide11.xml><?xml version="1.0" encoding="utf-8"?>
 <p:sld xmlns:a="http://schemas.openxmlformats.org/drawingml/2006/main" xmlns:r="http://schemas.openxmlformats.org/officeDocument/2006/relationships" xmlns:p="http://schemas.openxmlformats.org/presentationml/2006/main">
   <p:cSld>
     <p:spTree>
@@ -13935,8 +13874,8 @@
         </p:nvSpPr>
         <p:spPr>
           <a:xfrm>
-            <a:off x="838200" y="365126"/>
-            <a:ext cx="10515600" cy="774562"/>
+            <a:off x="855617" y="190954"/>
+            <a:ext cx="10247812" cy="1258018"/>
           </a:xfrm>
         </p:spPr>
         <p:txBody>
@@ -13945,9 +13884,206 @@
           <a:p>
             <a:pPr algn="ctr"/>
             <a:r>
+              <a:rPr lang="en-IN" sz="3600" dirty="0"/>
+              <a:t>Fire Fighting Robot</a:t>
+            </a:r>
+          </a:p>
+        </p:txBody>
+      </p:sp>
+      <p:pic>
+        <p:nvPicPr>
+          <p:cNvPr id="3" name="Picture 2"/>
+          <p:cNvPicPr>
+            <a:picLocks noChangeAspect="1"/>
+          </p:cNvPicPr>
+          <p:nvPr/>
+        </p:nvPicPr>
+        <p:blipFill>
+          <a:blip r:embed="rId2">
+            <a:extLst>
+              <a:ext uri="{28A0092B-C50C-407E-A947-70E740481C1C}">
+                <a14:useLocalDpi xmlns:a14="http://schemas.microsoft.com/office/drawing/2010/main" val="0"/>
+              </a:ext>
+            </a:extLst>
+          </a:blip>
+          <a:stretch>
+            <a:fillRect/>
+          </a:stretch>
+        </p:blipFill>
+        <p:spPr>
+          <a:xfrm>
+            <a:off x="6860116" y="1371601"/>
+            <a:ext cx="3823678" cy="5098238"/>
+          </a:xfrm>
+          <a:prstGeom prst="rect">
+            <a:avLst/>
+          </a:prstGeom>
+        </p:spPr>
+      </p:pic>
+      <p:pic>
+        <p:nvPicPr>
+          <p:cNvPr id="8" name="Picture 7"/>
+          <p:cNvPicPr>
+            <a:picLocks noChangeAspect="1"/>
+          </p:cNvPicPr>
+          <p:nvPr/>
+        </p:nvPicPr>
+        <p:blipFill>
+          <a:blip r:embed="rId3" cstate="hqprint">
+            <a:extLst>
+              <a:ext uri="{28A0092B-C50C-407E-A947-70E740481C1C}">
+                <a14:useLocalDpi xmlns:a14="http://schemas.microsoft.com/office/drawing/2010/main" val="0"/>
+              </a:ext>
+            </a:extLst>
+          </a:blip>
+          <a:stretch>
+            <a:fillRect/>
+          </a:stretch>
+        </p:blipFill>
+        <p:spPr>
+          <a:xfrm>
+            <a:off x="10742808" y="531037"/>
+            <a:ext cx="1308755" cy="577851"/>
+          </a:xfrm>
+          <a:prstGeom prst="rect">
+            <a:avLst/>
+          </a:prstGeom>
+        </p:spPr>
+      </p:pic>
+      <p:sp>
+        <p:nvSpPr>
+          <p:cNvPr id="4" name="TextBox 3">
+            <a:extLst>
+              <a:ext uri="{FF2B5EF4-FFF2-40B4-BE49-F238E27FC236}">
+                <a16:creationId xmlns:a16="http://schemas.microsoft.com/office/drawing/2014/main" id="{860264EB-70FB-4E06-BB98-5E017015AAC3}"/>
+              </a:ext>
+            </a:extLst>
+          </p:cNvPr>
+          <p:cNvSpPr txBox="1"/>
+          <p:nvPr/>
+        </p:nvSpPr>
+        <p:spPr>
+          <a:xfrm>
+            <a:off x="1587289" y="2375619"/>
+            <a:ext cx="5157992" cy="2862322"/>
+          </a:xfrm>
+          <a:prstGeom prst="rect">
+            <a:avLst/>
+          </a:prstGeom>
+          <a:noFill/>
+        </p:spPr>
+        <p:txBody>
+          <a:bodyPr wrap="square" rtlCol="0">
+            <a:spAutoFit/>
+          </a:bodyPr>
+          <a:lstStyle/>
+          <a:p>
+            <a:r>
+              <a:rPr lang="en-US" sz="2400" dirty="0"/>
+              <a:t>Continually tries to detect a fire</a:t>
+            </a:r>
+          </a:p>
+          <a:p>
+            <a:endParaRPr lang="en-US" sz="2400" dirty="0"/>
+          </a:p>
+          <a:p>
+            <a:r>
+              <a:rPr lang="en-US" sz="2400" dirty="0"/>
+              <a:t>If it finds one, it uploads a warning </a:t>
+            </a:r>
+          </a:p>
+          <a:p>
+            <a:r>
+              <a:rPr lang="en-US" sz="2400" dirty="0"/>
+              <a:t>to the database</a:t>
+            </a:r>
+          </a:p>
+          <a:p>
+            <a:endParaRPr lang="en-US" sz="2400" dirty="0"/>
+          </a:p>
+          <a:p>
+            <a:r>
+              <a:rPr lang="en-US" sz="2400" dirty="0"/>
+              <a:t>Seeks out the fire and extinguishes it</a:t>
+            </a:r>
+          </a:p>
+          <a:p>
+            <a:endParaRPr lang="en-US" dirty="0"/>
+          </a:p>
+          <a:p>
+            <a:endParaRPr lang="en-US" dirty="0"/>
+          </a:p>
+        </p:txBody>
+      </p:sp>
+    </p:spTree>
+    <p:extLst>
+      <p:ext uri="{BB962C8B-B14F-4D97-AF65-F5344CB8AC3E}">
+        <p14:creationId xmlns:p14="http://schemas.microsoft.com/office/powerpoint/2010/main" val="284542122"/>
+      </p:ext>
+    </p:extLst>
+  </p:cSld>
+  <p:clrMapOvr>
+    <a:masterClrMapping/>
+  </p:clrMapOvr>
+</p:sld>
+</file>
+
+<file path=ppt/slides/slide12.xml><?xml version="1.0" encoding="utf-8"?>
+<p:sld xmlns:a="http://schemas.openxmlformats.org/drawingml/2006/main" xmlns:r="http://schemas.openxmlformats.org/officeDocument/2006/relationships" xmlns:p="http://schemas.openxmlformats.org/presentationml/2006/main">
+  <p:cSld>
+    <p:spTree>
+      <p:nvGrpSpPr>
+        <p:cNvPr id="1" name=""/>
+        <p:cNvGrpSpPr/>
+        <p:nvPr/>
+      </p:nvGrpSpPr>
+      <p:grpSpPr>
+        <a:xfrm>
+          <a:off x="0" y="0"/>
+          <a:ext cx="0" cy="0"/>
+          <a:chOff x="0" y="0"/>
+          <a:chExt cx="0" cy="0"/>
+        </a:xfrm>
+      </p:grpSpPr>
+      <p:sp>
+        <p:nvSpPr>
+          <p:cNvPr id="2" name="Title 1">
+            <a:extLst>
+              <a:ext uri="{FF2B5EF4-FFF2-40B4-BE49-F238E27FC236}">
+                <a16:creationId xmlns:a16="http://schemas.microsoft.com/office/drawing/2014/main" id="{71407300-A9B1-4E16-830B-DF74868582DA}"/>
+              </a:ext>
+            </a:extLst>
+          </p:cNvPr>
+          <p:cNvSpPr>
+            <a:spLocks noGrp="1"/>
+          </p:cNvSpPr>
+          <p:nvPr>
+            <p:ph type="title"/>
+          </p:nvPr>
+        </p:nvSpPr>
+        <p:spPr>
+          <a:xfrm>
+            <a:off x="1474151" y="116840"/>
+            <a:ext cx="10018713" cy="1752599"/>
+          </a:xfrm>
+        </p:spPr>
+        <p:txBody>
+          <a:bodyPr/>
+          <a:lstStyle/>
+          <a:p>
+            <a:r>
               <a:rPr lang="en-IN" dirty="0"/>
-              <a:t>Stand out Features</a:t>
+              <a:t>Fire Fighting Robot – </a:t>
             </a:r>
+            <a:r>
+              <a:rPr lang="en-IN" dirty="0" err="1"/>
+              <a:t>Notifcations</a:t>
+            </a:r>
+            <a:r>
+              <a:rPr lang="en-IN" dirty="0"/>
+              <a:t> </a:t>
+            </a:r>
+            <a:endParaRPr lang="en-US" dirty="0"/>
           </a:p>
         </p:txBody>
       </p:sp>
@@ -13956,7 +14092,7 @@
           <p:cNvPr id="3" name="Content Placeholder 2">
             <a:extLst>
               <a:ext uri="{FF2B5EF4-FFF2-40B4-BE49-F238E27FC236}">
-                <a16:creationId xmlns:a16="http://schemas.microsoft.com/office/drawing/2014/main" id="{32FD7BE5-5E9E-482D-8AD2-24EFE7E3A2D7}"/>
+                <a16:creationId xmlns:a16="http://schemas.microsoft.com/office/drawing/2014/main" id="{8C6B724F-DB94-4E97-B460-12376AE3C253}"/>
               </a:ext>
             </a:extLst>
           </p:cNvPr>
@@ -13969,121 +14105,533 @@
         </p:nvSpPr>
         <p:spPr>
           <a:xfrm>
-            <a:off x="1247775" y="1264754"/>
-            <a:ext cx="10515600" cy="4931259"/>
+            <a:off x="1778951" y="2280919"/>
+            <a:ext cx="3737930" cy="3124201"/>
           </a:xfrm>
         </p:spPr>
         <p:txBody>
-          <a:bodyPr>
-            <a:normAutofit fontScale="92500"/>
-          </a:bodyPr>
+          <a:bodyPr/>
           <a:lstStyle/>
           <a:p>
-            <a:pPr>
-              <a:buFont typeface="Wingdings" panose="05000000000000000000" pitchFamily="2" charset="2"/>
-              <a:buChar char="Ø"/>
-            </a:pPr>
-            <a:r>
-              <a:rPr lang="en-US" sz="2400" dirty="0"/>
-              <a:t>Visualization of the temperature, pressure and humidity of the home from a remote place.</a:t>
-            </a:r>
-          </a:p>
-          <a:p>
-            <a:pPr>
-              <a:buFont typeface="Wingdings" panose="05000000000000000000" pitchFamily="2" charset="2"/>
-              <a:buChar char="Ø"/>
-            </a:pPr>
-            <a:r>
-              <a:rPr lang="en-US" sz="2400" dirty="0"/>
-              <a:t> Sending off an email if the temperature, pressure or humidity goes above a certain set value.</a:t>
-            </a:r>
-          </a:p>
-          <a:p>
-            <a:pPr>
-              <a:buFont typeface="Wingdings" panose="05000000000000000000" pitchFamily="2" charset="2"/>
-              <a:buChar char="Ø"/>
-            </a:pPr>
-            <a:r>
-              <a:rPr lang="en-US" sz="2400" dirty="0"/>
-              <a:t>Sensing a fire if there is one and sending a text message via </a:t>
-            </a:r>
-            <a:r>
-              <a:rPr lang="en-US" sz="2400" dirty="0" err="1"/>
-              <a:t>twilio</a:t>
-            </a:r>
-            <a:r>
-              <a:rPr lang="en-US" sz="2400" dirty="0"/>
-              <a:t> to the home owner.</a:t>
-            </a:r>
-          </a:p>
-          <a:p>
-            <a:pPr>
-              <a:buFont typeface="Wingdings" panose="05000000000000000000" pitchFamily="2" charset="2"/>
-              <a:buChar char="Ø"/>
-            </a:pPr>
-            <a:r>
-              <a:rPr lang="en-US" sz="2400" dirty="0"/>
-              <a:t>Putting out the fire by splashing water.</a:t>
-            </a:r>
-          </a:p>
-          <a:p>
-            <a:pPr>
-              <a:buFont typeface="Wingdings" panose="05000000000000000000" pitchFamily="2" charset="2"/>
-              <a:buChar char="Ø"/>
-            </a:pPr>
-            <a:r>
-              <a:rPr lang="en-US" sz="2400" dirty="0"/>
-              <a:t>Making a high pitched sound in case of fire which can warn the nearby people.</a:t>
-            </a:r>
-          </a:p>
-          <a:p>
-            <a:pPr>
-              <a:buFont typeface="Wingdings" panose="05000000000000000000" pitchFamily="2" charset="2"/>
-              <a:buChar char="Ø"/>
-            </a:pPr>
-            <a:r>
-              <a:rPr lang="en-US" sz="2400" dirty="0"/>
-              <a:t>Controlling the AC, fans, lights in a MIT app inventor android application</a:t>
-            </a:r>
-            <a:r>
-              <a:rPr lang="en-US" sz="2400" dirty="0" smtClean="0"/>
-              <a:t>.</a:t>
-            </a:r>
-          </a:p>
-          <a:p>
-            <a:pPr>
-              <a:buFont typeface="Wingdings" panose="05000000000000000000" pitchFamily="2" charset="2"/>
-              <a:buChar char="Ø"/>
+            <a:pPr marL="0" indent="0">
+              <a:buNone/>
             </a:pPr>
             <a:r>
               <a:rPr lang="en-US" dirty="0"/>
-              <a:t>Using a NAO robot which can say the weather condition at home and also can describe the fire situation if there is any.</a:t>
+              <a:t>A notification is sent to the user’s phone if there is a fire</a:t>
             </a:r>
-            <a:endParaRPr lang="en-US" sz="2400" dirty="0"/>
-          </a:p>
-          <a:p>
-            <a:pPr>
-              <a:buFont typeface="Wingdings" panose="05000000000000000000" pitchFamily="2" charset="2"/>
-              <a:buChar char="Ø"/>
+          </a:p>
+          <a:p>
+            <a:pPr marL="0" indent="0">
+              <a:buNone/>
+            </a:pPr>
+            <a:endParaRPr lang="en-US" dirty="0"/>
+          </a:p>
+          <a:p>
+            <a:pPr marL="0" indent="0">
+              <a:buNone/>
             </a:pPr>
             <a:r>
-              <a:rPr lang="en-US" sz="2400" dirty="0"/>
-              <a:t>Economic and cost-effective design for a safe environment at home.</a:t>
+              <a:rPr lang="en-US" dirty="0"/>
+              <a:t>This can be text or email</a:t>
             </a:r>
-            <a:endParaRPr lang="en-IN" sz="2400" dirty="0"/>
-          </a:p>
-          <a:p>
-            <a:pPr>
-              <a:buFont typeface="Wingdings" panose="05000000000000000000" pitchFamily="2" charset="2"/>
-              <a:buChar char="Ø"/>
-            </a:pPr>
-            <a:endParaRPr lang="en-IN" sz="2400" dirty="0"/>
           </a:p>
         </p:txBody>
       </p:sp>
       <p:pic>
         <p:nvPicPr>
-          <p:cNvPr id="5" name="Picture 4"/>
+          <p:cNvPr id="4" name="Picture 3">
+            <a:extLst>
+              <a:ext uri="{FF2B5EF4-FFF2-40B4-BE49-F238E27FC236}">
+                <a16:creationId xmlns:a16="http://schemas.microsoft.com/office/drawing/2014/main" id="{99E68CA2-FD97-4E0F-B4EC-FCBAA8663F7A}"/>
+              </a:ext>
+            </a:extLst>
+          </p:cNvPr>
+          <p:cNvPicPr>
+            <a:picLocks noChangeAspect="1"/>
+          </p:cNvPicPr>
+          <p:nvPr/>
+        </p:nvPicPr>
+        <p:blipFill>
+          <a:blip r:embed="rId2">
+            <a:extLst>
+              <a:ext uri="{28A0092B-C50C-407E-A947-70E740481C1C}">
+                <a14:useLocalDpi xmlns:a14="http://schemas.microsoft.com/office/drawing/2010/main" val="0"/>
+              </a:ext>
+            </a:extLst>
+          </a:blip>
+          <a:stretch>
+            <a:fillRect/>
+          </a:stretch>
+        </p:blipFill>
+        <p:spPr>
+          <a:xfrm>
+            <a:off x="8443962" y="1953964"/>
+            <a:ext cx="2371572" cy="4218235"/>
+          </a:xfrm>
+          <a:prstGeom prst="rect">
+            <a:avLst/>
+          </a:prstGeom>
+        </p:spPr>
+      </p:pic>
+      <p:pic>
+        <p:nvPicPr>
+          <p:cNvPr id="5" name="Picture 4">
+            <a:extLst>
+              <a:ext uri="{FF2B5EF4-FFF2-40B4-BE49-F238E27FC236}">
+                <a16:creationId xmlns:a16="http://schemas.microsoft.com/office/drawing/2014/main" id="{38EB50CC-7C99-4895-98A3-F500C3FED299}"/>
+              </a:ext>
+            </a:extLst>
+          </p:cNvPr>
+          <p:cNvPicPr>
+            <a:picLocks noChangeAspect="1"/>
+          </p:cNvPicPr>
+          <p:nvPr/>
+        </p:nvPicPr>
+        <p:blipFill>
+          <a:blip r:embed="rId3">
+            <a:extLst>
+              <a:ext uri="{28A0092B-C50C-407E-A947-70E740481C1C}">
+                <a14:useLocalDpi xmlns:a14="http://schemas.microsoft.com/office/drawing/2010/main" val="0"/>
+              </a:ext>
+            </a:extLst>
+          </a:blip>
+          <a:stretch>
+            <a:fillRect/>
+          </a:stretch>
+        </p:blipFill>
+        <p:spPr>
+          <a:xfrm>
+            <a:off x="5974080" y="1953965"/>
+            <a:ext cx="2368363" cy="4218235"/>
+          </a:xfrm>
+          <a:prstGeom prst="rect">
+            <a:avLst/>
+          </a:prstGeom>
+        </p:spPr>
+      </p:pic>
+    </p:spTree>
+    <p:extLst>
+      <p:ext uri="{BB962C8B-B14F-4D97-AF65-F5344CB8AC3E}">
+        <p14:creationId xmlns:p14="http://schemas.microsoft.com/office/powerpoint/2010/main" val="2191270130"/>
+      </p:ext>
+    </p:extLst>
+  </p:cSld>
+  <p:clrMapOvr>
+    <a:masterClrMapping/>
+  </p:clrMapOvr>
+</p:sld>
+</file>
+
+<file path=ppt/slides/slide13.xml><?xml version="1.0" encoding="utf-8"?>
+<p:sld xmlns:a="http://schemas.openxmlformats.org/drawingml/2006/main" xmlns:r="http://schemas.openxmlformats.org/officeDocument/2006/relationships" xmlns:p="http://schemas.openxmlformats.org/presentationml/2006/main">
+  <p:cSld>
+    <p:spTree>
+      <p:nvGrpSpPr>
+        <p:cNvPr id="1" name=""/>
+        <p:cNvGrpSpPr/>
+        <p:nvPr/>
+      </p:nvGrpSpPr>
+      <p:grpSpPr>
+        <a:xfrm>
+          <a:off x="0" y="0"/>
+          <a:ext cx="0" cy="0"/>
+          <a:chOff x="0" y="0"/>
+          <a:chExt cx="0" cy="0"/>
+        </a:xfrm>
+      </p:grpSpPr>
+      <p:sp>
+        <p:nvSpPr>
+          <p:cNvPr id="2" name="Title 1">
+            <a:extLst>
+              <a:ext uri="{FF2B5EF4-FFF2-40B4-BE49-F238E27FC236}">
+                <a16:creationId xmlns:a16="http://schemas.microsoft.com/office/drawing/2014/main" id="{066F3A6E-0659-4A2D-8CB7-4602C1BE1247}"/>
+              </a:ext>
+            </a:extLst>
+          </p:cNvPr>
+          <p:cNvSpPr>
+            <a:spLocks noGrp="1"/>
+          </p:cNvSpPr>
+          <p:nvPr>
+            <p:ph type="title"/>
+          </p:nvPr>
+        </p:nvSpPr>
+        <p:spPr>
+          <a:xfrm>
+            <a:off x="1514791" y="177800"/>
+            <a:ext cx="10018713" cy="1752599"/>
+          </a:xfrm>
+        </p:spPr>
+        <p:txBody>
+          <a:bodyPr/>
+          <a:lstStyle/>
+          <a:p>
+            <a:r>
+              <a:rPr lang="en-IN" dirty="0"/>
+              <a:t>Fire Fighting Robot – Detect Fire Code (1/2)</a:t>
+            </a:r>
+            <a:endParaRPr lang="en-US" dirty="0"/>
+          </a:p>
+        </p:txBody>
+      </p:sp>
+      <p:pic>
+        <p:nvPicPr>
+          <p:cNvPr id="5" name="Picture 4">
+            <a:extLst>
+              <a:ext uri="{FF2B5EF4-FFF2-40B4-BE49-F238E27FC236}">
+                <a16:creationId xmlns:a16="http://schemas.microsoft.com/office/drawing/2014/main" id="{642A0AAF-5483-4DA3-8E76-ADCA27DC6A3F}"/>
+              </a:ext>
+            </a:extLst>
+          </p:cNvPr>
+          <p:cNvPicPr>
+            <a:picLocks noChangeAspect="1"/>
+          </p:cNvPicPr>
+          <p:nvPr/>
+        </p:nvPicPr>
+        <p:blipFill>
+          <a:blip r:embed="rId2">
+            <a:extLst>
+              <a:ext uri="{28A0092B-C50C-407E-A947-70E740481C1C}">
+                <a14:useLocalDpi xmlns:a14="http://schemas.microsoft.com/office/drawing/2010/main" val="0"/>
+              </a:ext>
+            </a:extLst>
+          </a:blip>
+          <a:stretch>
+            <a:fillRect/>
+          </a:stretch>
+        </p:blipFill>
+        <p:spPr>
+          <a:xfrm>
+            <a:off x="1565093" y="1971041"/>
+            <a:ext cx="9968411" cy="3128129"/>
+          </a:xfrm>
+          <a:prstGeom prst="rect">
+            <a:avLst/>
+          </a:prstGeom>
+        </p:spPr>
+      </p:pic>
+    </p:spTree>
+    <p:extLst>
+      <p:ext uri="{BB962C8B-B14F-4D97-AF65-F5344CB8AC3E}">
+        <p14:creationId xmlns:p14="http://schemas.microsoft.com/office/powerpoint/2010/main" val="1994619586"/>
+      </p:ext>
+    </p:extLst>
+  </p:cSld>
+  <p:clrMapOvr>
+    <a:masterClrMapping/>
+  </p:clrMapOvr>
+</p:sld>
+</file>
+
+<file path=ppt/slides/slide14.xml><?xml version="1.0" encoding="utf-8"?>
+<p:sld xmlns:a="http://schemas.openxmlformats.org/drawingml/2006/main" xmlns:r="http://schemas.openxmlformats.org/officeDocument/2006/relationships" xmlns:p="http://schemas.openxmlformats.org/presentationml/2006/main">
+  <p:cSld>
+    <p:spTree>
+      <p:nvGrpSpPr>
+        <p:cNvPr id="1" name=""/>
+        <p:cNvGrpSpPr/>
+        <p:nvPr/>
+      </p:nvGrpSpPr>
+      <p:grpSpPr>
+        <a:xfrm>
+          <a:off x="0" y="0"/>
+          <a:ext cx="0" cy="0"/>
+          <a:chOff x="0" y="0"/>
+          <a:chExt cx="0" cy="0"/>
+        </a:xfrm>
+      </p:grpSpPr>
+      <p:sp>
+        <p:nvSpPr>
+          <p:cNvPr id="2" name="Title 1">
+            <a:extLst>
+              <a:ext uri="{FF2B5EF4-FFF2-40B4-BE49-F238E27FC236}">
+                <a16:creationId xmlns:a16="http://schemas.microsoft.com/office/drawing/2014/main" id="{A5D408EF-7E71-47BC-B730-5F63A57D205F}"/>
+              </a:ext>
+            </a:extLst>
+          </p:cNvPr>
+          <p:cNvSpPr>
+            <a:spLocks noGrp="1"/>
+          </p:cNvSpPr>
+          <p:nvPr>
+            <p:ph type="title"/>
+          </p:nvPr>
+        </p:nvSpPr>
+        <p:spPr>
+          <a:xfrm>
+            <a:off x="1453831" y="-320040"/>
+            <a:ext cx="10018713" cy="1752599"/>
+          </a:xfrm>
+        </p:spPr>
+        <p:txBody>
+          <a:bodyPr/>
+          <a:lstStyle/>
+          <a:p>
+            <a:r>
+              <a:rPr lang="en-IN" dirty="0"/>
+              <a:t>Fire Fighting Robot – Detect Fire Code (2/2)</a:t>
+            </a:r>
+            <a:endParaRPr lang="en-US" dirty="0"/>
+          </a:p>
+        </p:txBody>
+      </p:sp>
+      <p:pic>
+        <p:nvPicPr>
+          <p:cNvPr id="4" name="Picture 3">
+            <a:extLst>
+              <a:ext uri="{FF2B5EF4-FFF2-40B4-BE49-F238E27FC236}">
+                <a16:creationId xmlns:a16="http://schemas.microsoft.com/office/drawing/2014/main" id="{B050E7B8-2796-4D22-8026-E96AC1C1C477}"/>
+              </a:ext>
+            </a:extLst>
+          </p:cNvPr>
+          <p:cNvPicPr>
+            <a:picLocks noChangeAspect="1"/>
+          </p:cNvPicPr>
+          <p:nvPr/>
+        </p:nvPicPr>
+        <p:blipFill>
+          <a:blip r:embed="rId2">
+            <a:extLst>
+              <a:ext uri="{28A0092B-C50C-407E-A947-70E740481C1C}">
+                <a14:useLocalDpi xmlns:a14="http://schemas.microsoft.com/office/drawing/2010/main" val="0"/>
+              </a:ext>
+            </a:extLst>
+          </a:blip>
+          <a:stretch>
+            <a:fillRect/>
+          </a:stretch>
+        </p:blipFill>
+        <p:spPr>
+          <a:xfrm>
+            <a:off x="4084319" y="1117512"/>
+            <a:ext cx="4937813" cy="5506807"/>
+          </a:xfrm>
+          <a:prstGeom prst="rect">
+            <a:avLst/>
+          </a:prstGeom>
+        </p:spPr>
+      </p:pic>
+    </p:spTree>
+    <p:extLst>
+      <p:ext uri="{BB962C8B-B14F-4D97-AF65-F5344CB8AC3E}">
+        <p14:creationId xmlns:p14="http://schemas.microsoft.com/office/powerpoint/2010/main" val="1054698008"/>
+      </p:ext>
+    </p:extLst>
+  </p:cSld>
+  <p:clrMapOvr>
+    <a:masterClrMapping/>
+  </p:clrMapOvr>
+</p:sld>
+</file>
+
+<file path=ppt/slides/slide15.xml><?xml version="1.0" encoding="utf-8"?>
+<p:sld xmlns:a="http://schemas.openxmlformats.org/drawingml/2006/main" xmlns:r="http://schemas.openxmlformats.org/officeDocument/2006/relationships" xmlns:p="http://schemas.openxmlformats.org/presentationml/2006/main">
+  <p:cSld>
+    <p:spTree>
+      <p:nvGrpSpPr>
+        <p:cNvPr id="1" name=""/>
+        <p:cNvGrpSpPr/>
+        <p:nvPr/>
+      </p:nvGrpSpPr>
+      <p:grpSpPr>
+        <a:xfrm>
+          <a:off x="0" y="0"/>
+          <a:ext cx="0" cy="0"/>
+          <a:chOff x="0" y="0"/>
+          <a:chExt cx="0" cy="0"/>
+        </a:xfrm>
+      </p:grpSpPr>
+      <p:sp>
+        <p:nvSpPr>
+          <p:cNvPr id="2" name="Title 1">
+            <a:extLst>
+              <a:ext uri="{FF2B5EF4-FFF2-40B4-BE49-F238E27FC236}">
+                <a16:creationId xmlns:a16="http://schemas.microsoft.com/office/drawing/2014/main" id="{45CD2697-8B16-46BA-A8A7-A044CB82E576}"/>
+              </a:ext>
+            </a:extLst>
+          </p:cNvPr>
+          <p:cNvSpPr>
+            <a:spLocks noGrp="1"/>
+          </p:cNvSpPr>
+          <p:nvPr>
+            <p:ph type="title"/>
+          </p:nvPr>
+        </p:nvSpPr>
+        <p:spPr>
+          <a:xfrm>
+            <a:off x="1484310" y="0"/>
+            <a:ext cx="10018713" cy="1325879"/>
+          </a:xfrm>
+        </p:spPr>
+        <p:txBody>
+          <a:bodyPr/>
+          <a:lstStyle/>
+          <a:p>
+            <a:r>
+              <a:rPr lang="en-IN" dirty="0"/>
+              <a:t>Fire Fighting Robot – Main Loop</a:t>
+            </a:r>
+            <a:endParaRPr lang="en-US" dirty="0"/>
+          </a:p>
+        </p:txBody>
+      </p:sp>
+      <p:pic>
+        <p:nvPicPr>
+          <p:cNvPr id="6" name="Content Placeholder 5">
+            <a:extLst>
+              <a:ext uri="{FF2B5EF4-FFF2-40B4-BE49-F238E27FC236}">
+                <a16:creationId xmlns:a16="http://schemas.microsoft.com/office/drawing/2014/main" id="{EEB08BB9-98D3-4FE5-BD9C-1C99CC5E26F0}"/>
+              </a:ext>
+            </a:extLst>
+          </p:cNvPr>
+          <p:cNvPicPr>
+            <a:picLocks noGrp="1" noChangeAspect="1"/>
+          </p:cNvPicPr>
+          <p:nvPr>
+            <p:ph idx="1"/>
+          </p:nvPr>
+        </p:nvPicPr>
+        <p:blipFill>
+          <a:blip r:embed="rId2">
+            <a:extLst>
+              <a:ext uri="{28A0092B-C50C-407E-A947-70E740481C1C}">
+                <a14:useLocalDpi xmlns:a14="http://schemas.microsoft.com/office/drawing/2010/main" val="0"/>
+              </a:ext>
+            </a:extLst>
+          </a:blip>
+          <a:stretch>
+            <a:fillRect/>
+          </a:stretch>
+        </p:blipFill>
+        <p:spPr>
+          <a:xfrm>
+            <a:off x="3649838" y="1112519"/>
+            <a:ext cx="5687655" cy="5571721"/>
+          </a:xfrm>
+        </p:spPr>
+      </p:pic>
+    </p:spTree>
+    <p:extLst>
+      <p:ext uri="{BB962C8B-B14F-4D97-AF65-F5344CB8AC3E}">
+        <p14:creationId xmlns:p14="http://schemas.microsoft.com/office/powerpoint/2010/main" val="1651615911"/>
+      </p:ext>
+    </p:extLst>
+  </p:cSld>
+  <p:clrMapOvr>
+    <a:masterClrMapping/>
+  </p:clrMapOvr>
+</p:sld>
+</file>
+
+<file path=ppt/slides/slide16.xml><?xml version="1.0" encoding="utf-8"?>
+<p:sld xmlns:a="http://schemas.openxmlformats.org/drawingml/2006/main" xmlns:r="http://schemas.openxmlformats.org/officeDocument/2006/relationships" xmlns:p="http://schemas.openxmlformats.org/presentationml/2006/main">
+  <p:cSld>
+    <p:spTree>
+      <p:nvGrpSpPr>
+        <p:cNvPr id="1" name=""/>
+        <p:cNvGrpSpPr/>
+        <p:nvPr/>
+      </p:nvGrpSpPr>
+      <p:grpSpPr>
+        <a:xfrm>
+          <a:off x="0" y="0"/>
+          <a:ext cx="0" cy="0"/>
+          <a:chOff x="0" y="0"/>
+          <a:chExt cx="0" cy="0"/>
+        </a:xfrm>
+      </p:grpSpPr>
+      <p:sp>
+        <p:nvSpPr>
+          <p:cNvPr id="2" name="Title 1">
+            <a:extLst>
+              <a:ext uri="{FF2B5EF4-FFF2-40B4-BE49-F238E27FC236}">
+                <a16:creationId xmlns:a16="http://schemas.microsoft.com/office/drawing/2014/main" id="{3051F7EF-B902-4EEE-82C7-661703C7170E}"/>
+              </a:ext>
+            </a:extLst>
+          </p:cNvPr>
+          <p:cNvSpPr>
+            <a:spLocks noGrp="1"/>
+          </p:cNvSpPr>
+          <p:nvPr>
+            <p:ph type="title"/>
+          </p:nvPr>
+        </p:nvSpPr>
+        <p:spPr>
+          <a:xfrm>
+            <a:off x="1484310" y="0"/>
+            <a:ext cx="10018713" cy="1752599"/>
+          </a:xfrm>
+        </p:spPr>
+        <p:txBody>
+          <a:bodyPr/>
+          <a:lstStyle/>
+          <a:p>
+            <a:r>
+              <a:rPr lang="en-US" dirty="0"/>
+              <a:t>Nao Robot</a:t>
+            </a:r>
+          </a:p>
+        </p:txBody>
+      </p:sp>
+      <p:sp>
+        <p:nvSpPr>
+          <p:cNvPr id="3" name="Content Placeholder 2">
+            <a:extLst>
+              <a:ext uri="{FF2B5EF4-FFF2-40B4-BE49-F238E27FC236}">
+                <a16:creationId xmlns:a16="http://schemas.microsoft.com/office/drawing/2014/main" id="{F5A9D630-A124-406D-BBC9-4BBE198079DF}"/>
+              </a:ext>
+            </a:extLst>
+          </p:cNvPr>
+          <p:cNvSpPr>
+            <a:spLocks noGrp="1"/>
+          </p:cNvSpPr>
+          <p:nvPr>
+            <p:ph idx="1"/>
+          </p:nvPr>
+        </p:nvSpPr>
+        <p:spPr>
+          <a:xfrm>
+            <a:off x="1484311" y="1562099"/>
+            <a:ext cx="10018713" cy="3124201"/>
+          </a:xfrm>
+        </p:spPr>
+        <p:txBody>
+          <a:bodyPr/>
+          <a:lstStyle/>
+          <a:p>
+            <a:pPr marL="0" indent="0">
+              <a:buNone/>
+            </a:pPr>
+            <a:r>
+              <a:rPr lang="en-US" dirty="0"/>
+              <a:t>Tells the user about the weather when prompted</a:t>
+            </a:r>
+          </a:p>
+          <a:p>
+            <a:pPr marL="0" indent="0">
+              <a:buNone/>
+            </a:pPr>
+            <a:endParaRPr lang="en-US" dirty="0"/>
+          </a:p>
+          <a:p>
+            <a:pPr marL="0" indent="0">
+              <a:buNone/>
+            </a:pPr>
+            <a:r>
+              <a:rPr lang="en-US" dirty="0"/>
+              <a:t>Will alert the user if there is a fire if there is one</a:t>
+            </a:r>
+          </a:p>
+        </p:txBody>
+      </p:sp>
+      <p:pic>
+        <p:nvPicPr>
+          <p:cNvPr id="4" name="Picture 3">
+            <a:extLst>
+              <a:ext uri="{FF2B5EF4-FFF2-40B4-BE49-F238E27FC236}">
+                <a16:creationId xmlns:a16="http://schemas.microsoft.com/office/drawing/2014/main" id="{2DE61177-022B-4BD0-A7D3-B6F1937E9A33}"/>
+              </a:ext>
+            </a:extLst>
+          </p:cNvPr>
           <p:cNvPicPr>
             <a:picLocks noChangeAspect="1"/>
           </p:cNvPicPr>
@@ -14103,8 +14651,8 @@
         </p:blipFill>
         <p:spPr>
           <a:xfrm>
-            <a:off x="10848975" y="365126"/>
-            <a:ext cx="1249281" cy="551591"/>
+            <a:off x="8402320" y="1188432"/>
+            <a:ext cx="2691449" cy="4602768"/>
           </a:xfrm>
           <a:prstGeom prst="rect">
             <a:avLst/>
@@ -14114,7 +14662,484 @@
     </p:spTree>
     <p:extLst>
       <p:ext uri="{BB962C8B-B14F-4D97-AF65-F5344CB8AC3E}">
-        <p14:creationId xmlns:p14="http://schemas.microsoft.com/office/powerpoint/2010/main" val="2402781417"/>
+        <p14:creationId xmlns:p14="http://schemas.microsoft.com/office/powerpoint/2010/main" val="3014064011"/>
+      </p:ext>
+    </p:extLst>
+  </p:cSld>
+  <p:clrMapOvr>
+    <a:masterClrMapping/>
+  </p:clrMapOvr>
+</p:sld>
+</file>
+
+<file path=ppt/slides/slide17.xml><?xml version="1.0" encoding="utf-8"?>
+<p:sld xmlns:a="http://schemas.openxmlformats.org/drawingml/2006/main" xmlns:r="http://schemas.openxmlformats.org/officeDocument/2006/relationships" xmlns:p="http://schemas.openxmlformats.org/presentationml/2006/main">
+  <p:cSld>
+    <p:spTree>
+      <p:nvGrpSpPr>
+        <p:cNvPr id="1" name=""/>
+        <p:cNvGrpSpPr/>
+        <p:nvPr/>
+      </p:nvGrpSpPr>
+      <p:grpSpPr>
+        <a:xfrm>
+          <a:off x="0" y="0"/>
+          <a:ext cx="0" cy="0"/>
+          <a:chOff x="0" y="0"/>
+          <a:chExt cx="0" cy="0"/>
+        </a:xfrm>
+      </p:grpSpPr>
+      <p:sp>
+        <p:nvSpPr>
+          <p:cNvPr id="2" name="Title 1">
+            <a:extLst>
+              <a:ext uri="{FF2B5EF4-FFF2-40B4-BE49-F238E27FC236}">
+                <a16:creationId xmlns:a16="http://schemas.microsoft.com/office/drawing/2014/main" id="{CACF8770-F4E1-4C26-B09D-1F9B01753AEE}"/>
+              </a:ext>
+            </a:extLst>
+          </p:cNvPr>
+          <p:cNvSpPr>
+            <a:spLocks noGrp="1"/>
+          </p:cNvSpPr>
+          <p:nvPr>
+            <p:ph type="title"/>
+          </p:nvPr>
+        </p:nvSpPr>
+        <p:spPr>
+          <a:xfrm>
+            <a:off x="1528031" y="256343"/>
+            <a:ext cx="10018713" cy="1752599"/>
+          </a:xfrm>
+        </p:spPr>
+        <p:txBody>
+          <a:bodyPr/>
+          <a:lstStyle/>
+          <a:p>
+            <a:r>
+              <a:rPr lang="en-US" dirty="0"/>
+              <a:t>Nao Robot - Flow</a:t>
+            </a:r>
+          </a:p>
+        </p:txBody>
+      </p:sp>
+      <p:pic>
+        <p:nvPicPr>
+          <p:cNvPr id="5" name="Content Placeholder 4">
+            <a:extLst>
+              <a:ext uri="{FF2B5EF4-FFF2-40B4-BE49-F238E27FC236}">
+                <a16:creationId xmlns:a16="http://schemas.microsoft.com/office/drawing/2014/main" id="{AFBBB7CB-2F37-437A-8609-FEA9C7B36B66}"/>
+              </a:ext>
+            </a:extLst>
+          </p:cNvPr>
+          <p:cNvPicPr>
+            <a:picLocks noGrp="1" noChangeAspect="1"/>
+          </p:cNvPicPr>
+          <p:nvPr>
+            <p:ph idx="1"/>
+          </p:nvPr>
+        </p:nvPicPr>
+        <p:blipFill>
+          <a:blip r:embed="rId2">
+            <a:extLst>
+              <a:ext uri="{28A0092B-C50C-407E-A947-70E740481C1C}">
+                <a14:useLocalDpi xmlns:a14="http://schemas.microsoft.com/office/drawing/2010/main" val="0"/>
+              </a:ext>
+            </a:extLst>
+          </a:blip>
+          <a:stretch>
+            <a:fillRect/>
+          </a:stretch>
+        </p:blipFill>
+        <p:spPr>
+          <a:xfrm>
+            <a:off x="6870175" y="2133600"/>
+            <a:ext cx="5485772" cy="3754119"/>
+          </a:xfrm>
+        </p:spPr>
+      </p:pic>
+      <p:sp>
+        <p:nvSpPr>
+          <p:cNvPr id="6" name="TextBox 5">
+            <a:extLst>
+              <a:ext uri="{FF2B5EF4-FFF2-40B4-BE49-F238E27FC236}">
+                <a16:creationId xmlns:a16="http://schemas.microsoft.com/office/drawing/2014/main" id="{1EF8E5F6-3495-4FDA-A8FC-0E2C99F16520}"/>
+              </a:ext>
+            </a:extLst>
+          </p:cNvPr>
+          <p:cNvSpPr txBox="1"/>
+          <p:nvPr/>
+        </p:nvSpPr>
+        <p:spPr>
+          <a:xfrm>
+            <a:off x="1637776" y="2487165"/>
+            <a:ext cx="5303519" cy="3046988"/>
+          </a:xfrm>
+          <a:prstGeom prst="rect">
+            <a:avLst/>
+          </a:prstGeom>
+          <a:noFill/>
+        </p:spPr>
+        <p:txBody>
+          <a:bodyPr wrap="square" rtlCol="0">
+            <a:spAutoFit/>
+          </a:bodyPr>
+          <a:lstStyle/>
+          <a:p>
+            <a:r>
+              <a:rPr lang="en-US" sz="2400" dirty="0"/>
+              <a:t>User is prompted “Do you want to hear the weather?”</a:t>
+            </a:r>
+          </a:p>
+          <a:p>
+            <a:endParaRPr lang="en-US" sz="2400" dirty="0"/>
+          </a:p>
+          <a:p>
+            <a:r>
+              <a:rPr lang="en-US" sz="2400" dirty="0"/>
+              <a:t>If yes, run a python script:</a:t>
+            </a:r>
+          </a:p>
+          <a:p>
+            <a:pPr marL="285750" indent="-285750">
+              <a:buFontTx/>
+              <a:buChar char="-"/>
+            </a:pPr>
+            <a:r>
+              <a:rPr lang="en-US" sz="2400" dirty="0"/>
+              <a:t>Fetches data from firebase </a:t>
+            </a:r>
+          </a:p>
+          <a:p>
+            <a:pPr marL="285750" indent="-285750">
+              <a:buFontTx/>
+              <a:buChar char="-"/>
+            </a:pPr>
+            <a:r>
+              <a:rPr lang="en-US" sz="2400" dirty="0"/>
+              <a:t>Outputs the data in a human like manner</a:t>
+            </a:r>
+          </a:p>
+          <a:p>
+            <a:endParaRPr lang="en-US" sz="2400" dirty="0"/>
+          </a:p>
+        </p:txBody>
+      </p:sp>
+    </p:spTree>
+    <p:extLst>
+      <p:ext uri="{BB962C8B-B14F-4D97-AF65-F5344CB8AC3E}">
+        <p14:creationId xmlns:p14="http://schemas.microsoft.com/office/powerpoint/2010/main" val="3103320956"/>
+      </p:ext>
+    </p:extLst>
+  </p:cSld>
+  <p:clrMapOvr>
+    <a:masterClrMapping/>
+  </p:clrMapOvr>
+</p:sld>
+</file>
+
+<file path=ppt/slides/slide18.xml><?xml version="1.0" encoding="utf-8"?>
+<p:sld xmlns:a="http://schemas.openxmlformats.org/drawingml/2006/main" xmlns:r="http://schemas.openxmlformats.org/officeDocument/2006/relationships" xmlns:p="http://schemas.openxmlformats.org/presentationml/2006/main">
+  <p:cSld>
+    <p:spTree>
+      <p:nvGrpSpPr>
+        <p:cNvPr id="1" name=""/>
+        <p:cNvGrpSpPr/>
+        <p:nvPr/>
+      </p:nvGrpSpPr>
+      <p:grpSpPr>
+        <a:xfrm>
+          <a:off x="0" y="0"/>
+          <a:ext cx="0" cy="0"/>
+          <a:chOff x="0" y="0"/>
+          <a:chExt cx="0" cy="0"/>
+        </a:xfrm>
+      </p:grpSpPr>
+      <p:sp>
+        <p:nvSpPr>
+          <p:cNvPr id="2" name="Title 1">
+            <a:extLst>
+              <a:ext uri="{FF2B5EF4-FFF2-40B4-BE49-F238E27FC236}">
+                <a16:creationId xmlns:a16="http://schemas.microsoft.com/office/drawing/2014/main" id="{20CA6155-0992-42C9-A231-4426F1F66D8A}"/>
+              </a:ext>
+            </a:extLst>
+          </p:cNvPr>
+          <p:cNvSpPr>
+            <a:spLocks noGrp="1"/>
+          </p:cNvSpPr>
+          <p:nvPr>
+            <p:ph type="title"/>
+          </p:nvPr>
+        </p:nvSpPr>
+        <p:spPr>
+          <a:xfrm>
+            <a:off x="1484311" y="-421640"/>
+            <a:ext cx="10018713" cy="1752599"/>
+          </a:xfrm>
+        </p:spPr>
+        <p:txBody>
+          <a:bodyPr/>
+          <a:lstStyle/>
+          <a:p>
+            <a:r>
+              <a:rPr lang="en-US" dirty="0"/>
+              <a:t>Nao Robot - Code</a:t>
+            </a:r>
+          </a:p>
+        </p:txBody>
+      </p:sp>
+      <p:pic>
+        <p:nvPicPr>
+          <p:cNvPr id="5" name="Content Placeholder 4">
+            <a:extLst>
+              <a:ext uri="{FF2B5EF4-FFF2-40B4-BE49-F238E27FC236}">
+                <a16:creationId xmlns:a16="http://schemas.microsoft.com/office/drawing/2014/main" id="{DDFCDD4F-4801-4683-83F1-9FF5EDD16438}"/>
+              </a:ext>
+            </a:extLst>
+          </p:cNvPr>
+          <p:cNvPicPr>
+            <a:picLocks noGrp="1" noChangeAspect="1"/>
+          </p:cNvPicPr>
+          <p:nvPr>
+            <p:ph idx="1"/>
+          </p:nvPr>
+        </p:nvPicPr>
+        <p:blipFill>
+          <a:blip r:embed="rId2">
+            <a:extLst>
+              <a:ext uri="{28A0092B-C50C-407E-A947-70E740481C1C}">
+                <a14:useLocalDpi xmlns:a14="http://schemas.microsoft.com/office/drawing/2010/main" val="0"/>
+              </a:ext>
+            </a:extLst>
+          </a:blip>
+          <a:stretch>
+            <a:fillRect/>
+          </a:stretch>
+        </p:blipFill>
+        <p:spPr>
+          <a:xfrm>
+            <a:off x="3667760" y="806243"/>
+            <a:ext cx="5730240" cy="5760242"/>
+          </a:xfrm>
+        </p:spPr>
+      </p:pic>
+    </p:spTree>
+    <p:extLst>
+      <p:ext uri="{BB962C8B-B14F-4D97-AF65-F5344CB8AC3E}">
+        <p14:creationId xmlns:p14="http://schemas.microsoft.com/office/powerpoint/2010/main" val="67737418"/>
+      </p:ext>
+    </p:extLst>
+  </p:cSld>
+  <p:clrMapOvr>
+    <a:masterClrMapping/>
+  </p:clrMapOvr>
+</p:sld>
+</file>
+
+<file path=ppt/slides/slide19.xml><?xml version="1.0" encoding="utf-8"?>
+<p:sld xmlns:a="http://schemas.openxmlformats.org/drawingml/2006/main" xmlns:r="http://schemas.openxmlformats.org/officeDocument/2006/relationships" xmlns:p="http://schemas.openxmlformats.org/presentationml/2006/main">
+  <p:cSld>
+    <p:spTree>
+      <p:nvGrpSpPr>
+        <p:cNvPr id="1" name=""/>
+        <p:cNvGrpSpPr/>
+        <p:nvPr/>
+      </p:nvGrpSpPr>
+      <p:grpSpPr>
+        <a:xfrm>
+          <a:off x="0" y="0"/>
+          <a:ext cx="0" cy="0"/>
+          <a:chOff x="0" y="0"/>
+          <a:chExt cx="0" cy="0"/>
+        </a:xfrm>
+      </p:grpSpPr>
+      <p:sp>
+        <p:nvSpPr>
+          <p:cNvPr id="2" name="Title 1">
+            <a:extLst>
+              <a:ext uri="{FF2B5EF4-FFF2-40B4-BE49-F238E27FC236}">
+                <a16:creationId xmlns:a16="http://schemas.microsoft.com/office/drawing/2014/main" id="{A92F6A8B-C26A-4D3E-9F8D-E0B83F3F1BC2}"/>
+              </a:ext>
+            </a:extLst>
+          </p:cNvPr>
+          <p:cNvSpPr>
+            <a:spLocks noGrp="1"/>
+          </p:cNvSpPr>
+          <p:nvPr>
+            <p:ph type="title"/>
+          </p:nvPr>
+        </p:nvSpPr>
+        <p:spPr>
+          <a:xfrm>
+            <a:off x="1575751" y="2552700"/>
+            <a:ext cx="10018713" cy="1752599"/>
+          </a:xfrm>
+        </p:spPr>
+        <p:txBody>
+          <a:bodyPr>
+            <a:normAutofit/>
+          </a:bodyPr>
+          <a:lstStyle/>
+          <a:p>
+            <a:r>
+              <a:rPr lang="en-US" sz="7000" dirty="0"/>
+              <a:t>DEMO</a:t>
+            </a:r>
+          </a:p>
+        </p:txBody>
+      </p:sp>
+    </p:spTree>
+    <p:extLst>
+      <p:ext uri="{BB962C8B-B14F-4D97-AF65-F5344CB8AC3E}">
+        <p14:creationId xmlns:p14="http://schemas.microsoft.com/office/powerpoint/2010/main" val="1625898804"/>
+      </p:ext>
+    </p:extLst>
+  </p:cSld>
+  <p:clrMapOvr>
+    <a:masterClrMapping/>
+  </p:clrMapOvr>
+</p:sld>
+</file>
+
+<file path=ppt/slides/slide2.xml><?xml version="1.0" encoding="utf-8"?>
+<p:sld xmlns:a="http://schemas.openxmlformats.org/drawingml/2006/main" xmlns:r="http://schemas.openxmlformats.org/officeDocument/2006/relationships" xmlns:p="http://schemas.openxmlformats.org/presentationml/2006/main">
+  <p:cSld>
+    <p:spTree>
+      <p:nvGrpSpPr>
+        <p:cNvPr id="1" name=""/>
+        <p:cNvGrpSpPr/>
+        <p:nvPr/>
+      </p:nvGrpSpPr>
+      <p:grpSpPr>
+        <a:xfrm>
+          <a:off x="0" y="0"/>
+          <a:ext cx="0" cy="0"/>
+          <a:chOff x="0" y="0"/>
+          <a:chExt cx="0" cy="0"/>
+        </a:xfrm>
+      </p:grpSpPr>
+      <p:sp>
+        <p:nvSpPr>
+          <p:cNvPr id="2" name="Title 1">
+            <a:extLst>
+              <a:ext uri="{FF2B5EF4-FFF2-40B4-BE49-F238E27FC236}">
+                <a16:creationId xmlns:a16="http://schemas.microsoft.com/office/drawing/2014/main" id="{0FFB2CDB-1A84-4C44-BB18-FDF1DB6733E3}"/>
+              </a:ext>
+            </a:extLst>
+          </p:cNvPr>
+          <p:cNvSpPr>
+            <a:spLocks noGrp="1"/>
+          </p:cNvSpPr>
+          <p:nvPr>
+            <p:ph type="title"/>
+          </p:nvPr>
+        </p:nvSpPr>
+        <p:spPr>
+          <a:xfrm>
+            <a:off x="1446211" y="430175"/>
+            <a:ext cx="10018713" cy="1197049"/>
+          </a:xfrm>
+        </p:spPr>
+        <p:txBody>
+          <a:bodyPr>
+            <a:normAutofit/>
+          </a:bodyPr>
+          <a:lstStyle/>
+          <a:p>
+            <a:r>
+              <a:rPr lang="en-US" sz="7200" dirty="0"/>
+              <a:t>Contents</a:t>
+            </a:r>
+          </a:p>
+        </p:txBody>
+      </p:sp>
+      <p:sp>
+        <p:nvSpPr>
+          <p:cNvPr id="3" name="Content Placeholder 2">
+            <a:extLst>
+              <a:ext uri="{FF2B5EF4-FFF2-40B4-BE49-F238E27FC236}">
+                <a16:creationId xmlns:a16="http://schemas.microsoft.com/office/drawing/2014/main" id="{3F7F3661-88EF-437A-8BB2-30F37054AFDD}"/>
+              </a:ext>
+            </a:extLst>
+          </p:cNvPr>
+          <p:cNvSpPr>
+            <a:spLocks noGrp="1"/>
+          </p:cNvSpPr>
+          <p:nvPr>
+            <p:ph idx="1"/>
+          </p:nvPr>
+        </p:nvSpPr>
+        <p:spPr>
+          <a:xfrm>
+            <a:off x="4858066" y="2336799"/>
+            <a:ext cx="3354390" cy="3124201"/>
+          </a:xfrm>
+        </p:spPr>
+        <p:txBody>
+          <a:bodyPr>
+            <a:noAutofit/>
+          </a:bodyPr>
+          <a:lstStyle/>
+          <a:p>
+            <a:pPr marL="0" indent="0" algn="ctr">
+              <a:buNone/>
+            </a:pPr>
+            <a:r>
+              <a:rPr lang="en-US" sz="3200" dirty="0"/>
+              <a:t>Data flow</a:t>
+            </a:r>
+          </a:p>
+          <a:p>
+            <a:pPr marL="0" indent="0" algn="ctr">
+              <a:buNone/>
+            </a:pPr>
+            <a:r>
+              <a:rPr lang="en-US" sz="3200" dirty="0"/>
+              <a:t>Node-red</a:t>
+            </a:r>
+          </a:p>
+          <a:p>
+            <a:pPr marL="0" indent="0" algn="ctr">
+              <a:buNone/>
+            </a:pPr>
+            <a:r>
+              <a:rPr lang="en-US" sz="3200" dirty="0"/>
+              <a:t>App</a:t>
+            </a:r>
+          </a:p>
+          <a:p>
+            <a:pPr marL="0" indent="0" algn="ctr">
+              <a:buNone/>
+            </a:pPr>
+            <a:r>
+              <a:rPr lang="en-US" sz="3200" dirty="0" err="1"/>
+              <a:t>Firebot</a:t>
+            </a:r>
+            <a:endParaRPr lang="en-US" sz="3200" dirty="0"/>
+          </a:p>
+          <a:p>
+            <a:pPr marL="0" indent="0" algn="ctr">
+              <a:buNone/>
+            </a:pPr>
+            <a:r>
+              <a:rPr lang="en-US" sz="3200" dirty="0"/>
+              <a:t>Nao Robot</a:t>
+            </a:r>
+          </a:p>
+          <a:p>
+            <a:pPr marL="0" indent="0" algn="ctr">
+              <a:buNone/>
+            </a:pPr>
+            <a:r>
+              <a:rPr lang="en-US" sz="3200" dirty="0"/>
+              <a:t>Demo</a:t>
+            </a:r>
+          </a:p>
+        </p:txBody>
+      </p:sp>
+    </p:spTree>
+    <p:extLst>
+      <p:ext uri="{BB962C8B-B14F-4D97-AF65-F5344CB8AC3E}">
+        <p14:creationId xmlns:p14="http://schemas.microsoft.com/office/powerpoint/2010/main" val="497017829"/>
       </p:ext>
     </p:extLst>
   </p:cSld>
@@ -14125,6 +15150,168 @@
 </file>
 
 <file path=ppt/slides/slide3.xml><?xml version="1.0" encoding="utf-8"?>
+<p:sld xmlns:a="http://schemas.openxmlformats.org/drawingml/2006/main" xmlns:r="http://schemas.openxmlformats.org/officeDocument/2006/relationships" xmlns:p="http://schemas.openxmlformats.org/presentationml/2006/main">
+  <p:cSld>
+    <p:spTree>
+      <p:nvGrpSpPr>
+        <p:cNvPr id="1" name=""/>
+        <p:cNvGrpSpPr/>
+        <p:nvPr/>
+      </p:nvGrpSpPr>
+      <p:grpSpPr>
+        <a:xfrm>
+          <a:off x="0" y="0"/>
+          <a:ext cx="0" cy="0"/>
+          <a:chOff x="0" y="0"/>
+          <a:chExt cx="0" cy="0"/>
+        </a:xfrm>
+      </p:grpSpPr>
+      <p:sp>
+        <p:nvSpPr>
+          <p:cNvPr id="2" name="Title 1">
+            <a:extLst>
+              <a:ext uri="{FF2B5EF4-FFF2-40B4-BE49-F238E27FC236}">
+                <a16:creationId xmlns:a16="http://schemas.microsoft.com/office/drawing/2014/main" id="{AAF04A90-3ABB-442F-9324-6F3ECBC2A6CE}"/>
+              </a:ext>
+            </a:extLst>
+          </p:cNvPr>
+          <p:cNvSpPr>
+            <a:spLocks noGrp="1"/>
+          </p:cNvSpPr>
+          <p:nvPr>
+            <p:ph type="title"/>
+          </p:nvPr>
+        </p:nvSpPr>
+        <p:spPr>
+          <a:xfrm>
+            <a:off x="1494471" y="370840"/>
+            <a:ext cx="10018713" cy="1752599"/>
+          </a:xfrm>
+        </p:spPr>
+        <p:txBody>
+          <a:bodyPr>
+            <a:normAutofit/>
+          </a:bodyPr>
+          <a:lstStyle/>
+          <a:p>
+            <a:r>
+              <a:rPr lang="en-US" sz="6000" dirty="0"/>
+              <a:t>Work Breakdown</a:t>
+            </a:r>
+          </a:p>
+        </p:txBody>
+      </p:sp>
+      <p:sp>
+        <p:nvSpPr>
+          <p:cNvPr id="3" name="Content Placeholder 2">
+            <a:extLst>
+              <a:ext uri="{FF2B5EF4-FFF2-40B4-BE49-F238E27FC236}">
+                <a16:creationId xmlns:a16="http://schemas.microsoft.com/office/drawing/2014/main" id="{9175CE5C-8368-4E17-A617-06FF62829B52}"/>
+              </a:ext>
+            </a:extLst>
+          </p:cNvPr>
+          <p:cNvSpPr>
+            <a:spLocks noGrp="1"/>
+          </p:cNvSpPr>
+          <p:nvPr>
+            <p:ph idx="1"/>
+          </p:nvPr>
+        </p:nvSpPr>
+        <p:spPr>
+          <a:xfrm>
+            <a:off x="3581400" y="2313303"/>
+            <a:ext cx="5705475" cy="3378201"/>
+          </a:xfrm>
+        </p:spPr>
+        <p:txBody>
+          <a:bodyPr>
+            <a:noAutofit/>
+          </a:bodyPr>
+          <a:lstStyle/>
+          <a:p>
+            <a:pPr marL="0" indent="0" algn="ctr">
+              <a:buNone/>
+            </a:pPr>
+            <a:r>
+              <a:rPr lang="en-US" sz="3000" dirty="0" err="1"/>
+              <a:t>Firebot</a:t>
+            </a:r>
+            <a:r>
+              <a:rPr lang="en-US" sz="3000" dirty="0"/>
+              <a:t> – Farid, </a:t>
+            </a:r>
+            <a:r>
+              <a:rPr lang="en-US" sz="3000" dirty="0" err="1"/>
+              <a:t>Zarin</a:t>
+            </a:r>
+            <a:endParaRPr lang="en-US" sz="3000" dirty="0"/>
+          </a:p>
+          <a:p>
+            <a:pPr marL="0" indent="0" algn="ctr">
+              <a:buNone/>
+            </a:pPr>
+            <a:r>
+              <a:rPr lang="en-US" sz="3000" dirty="0"/>
+              <a:t>Node-red – Kenton, Farid</a:t>
+            </a:r>
+          </a:p>
+          <a:p>
+            <a:pPr marL="0" indent="0" algn="ctr">
+              <a:buNone/>
+            </a:pPr>
+            <a:r>
+              <a:rPr lang="en-US" sz="3000" dirty="0"/>
+              <a:t>Nao Robot – Farid, Kenton, Mihir</a:t>
+            </a:r>
+          </a:p>
+          <a:p>
+            <a:pPr marL="0" indent="0" algn="ctr">
+              <a:buNone/>
+            </a:pPr>
+            <a:r>
+              <a:rPr lang="en-US" sz="3000" dirty="0"/>
+              <a:t>App – Kenton, Mihir</a:t>
+            </a:r>
+          </a:p>
+          <a:p>
+            <a:pPr marL="0" indent="0" algn="ctr">
+              <a:buNone/>
+            </a:pPr>
+            <a:r>
+              <a:rPr lang="en-US" sz="3000" dirty="0"/>
+              <a:t>Documentation – </a:t>
+            </a:r>
+            <a:r>
+              <a:rPr lang="en-US" sz="3000" dirty="0" err="1"/>
+              <a:t>Zarin</a:t>
+            </a:r>
+            <a:r>
+              <a:rPr lang="en-US" sz="3000" dirty="0"/>
+              <a:t> </a:t>
+            </a:r>
+          </a:p>
+          <a:p>
+            <a:pPr marL="0" indent="0" algn="ctr">
+              <a:buNone/>
+            </a:pPr>
+            <a:endParaRPr lang="en-US" sz="3000" dirty="0"/>
+          </a:p>
+        </p:txBody>
+      </p:sp>
+    </p:spTree>
+    <p:extLst>
+      <p:ext uri="{BB962C8B-B14F-4D97-AF65-F5344CB8AC3E}">
+        <p14:creationId xmlns:p14="http://schemas.microsoft.com/office/powerpoint/2010/main" val="2808553063"/>
+      </p:ext>
+    </p:extLst>
+  </p:cSld>
+  <p:clrMapOvr>
+    <a:masterClrMapping/>
+  </p:clrMapOvr>
+</p:sld>
+</file>
+
+<file path=ppt/slides/slide4.xml><?xml version="1.0" encoding="utf-8"?>
 <p:sld xmlns:a="http://schemas.openxmlformats.org/drawingml/2006/main" xmlns:r="http://schemas.openxmlformats.org/officeDocument/2006/relationships" xmlns:p="http://schemas.openxmlformats.org/presentationml/2006/main">
   <p:cSld>
     <p:spTree>
@@ -14159,7 +15346,7 @@
         </p:nvSpPr>
         <p:spPr>
           <a:xfrm>
-            <a:off x="954616" y="437622"/>
+            <a:off x="1086696" y="437622"/>
             <a:ext cx="11237383" cy="1701361"/>
           </a:xfrm>
         </p:spPr>
@@ -14176,30 +15363,14 @@
             </a:pPr>
             <a:r>
               <a:rPr lang="en-IN" dirty="0"/>
-              <a:t> Flow </a:t>
-            </a:r>
-            <a:r>
-              <a:rPr lang="en-IN" dirty="0" smtClean="0"/>
-              <a:t>Diagram</a:t>
+              <a:t> Flow Diagram</a:t>
             </a:r>
             <a:br>
-              <a:rPr lang="en-IN" dirty="0" smtClean="0"/>
+              <a:rPr lang="en-IN" dirty="0"/>
             </a:br>
             <a:r>
-              <a:rPr lang="en-IN" dirty="0" smtClean="0"/>
-              <a:t>Hardware </a:t>
-            </a:r>
-            <a:r>
               <a:rPr lang="en-IN" dirty="0"/>
-              <a:t>Flow     </a:t>
-            </a:r>
-            <a:r>
-              <a:rPr lang="en-IN" dirty="0" smtClean="0"/>
-              <a:t>                             </a:t>
-            </a:r>
-            <a:r>
-              <a:rPr lang="en-IN" dirty="0"/>
-              <a:t>Software Flow</a:t>
+              <a:t>Hardware Flow                                  Software Flow</a:t>
             </a:r>
             <a:br>
               <a:rPr lang="en-IN" dirty="0"/>
@@ -14224,13 +15395,13 @@
             <p:ph sz="half" idx="1"/>
             <p:extLst>
               <p:ext uri="{D42A27DB-BD31-4B8C-83A1-F6EECF244321}">
-                <p14:modId xmlns:p14="http://schemas.microsoft.com/office/powerpoint/2010/main" val="3124305105"/>
+                <p14:modId xmlns:p14="http://schemas.microsoft.com/office/powerpoint/2010/main" val="3204246148"/>
               </p:ext>
             </p:extLst>
           </p:nvPr>
         </p:nvGraphicFramePr>
         <p:xfrm>
-          <a:off x="1103313" y="2024089"/>
+          <a:off x="1306513" y="2024089"/>
           <a:ext cx="5915796" cy="4232250"/>
         </p:xfrm>
         <a:graphic>
@@ -14255,13 +15426,13 @@
             <p:ph sz="half" idx="2"/>
             <p:extLst>
               <p:ext uri="{D42A27DB-BD31-4B8C-83A1-F6EECF244321}">
-                <p14:modId xmlns:p14="http://schemas.microsoft.com/office/powerpoint/2010/main" val="1414824769"/>
+                <p14:modId xmlns:p14="http://schemas.microsoft.com/office/powerpoint/2010/main" val="1747796464"/>
               </p:ext>
             </p:extLst>
           </p:nvPr>
         </p:nvGraphicFramePr>
         <p:xfrm>
-          <a:off x="7230926" y="2138983"/>
+          <a:off x="7434126" y="2138983"/>
           <a:ext cx="4395788" cy="4106448"/>
         </p:xfrm>
         <a:graphic>
@@ -14286,7 +15457,7 @@
         </p:nvCxnSpPr>
         <p:spPr>
           <a:xfrm>
-            <a:off x="7301774" y="1952949"/>
+            <a:off x="7433854" y="1952949"/>
             <a:ext cx="0" cy="4374529"/>
           </a:xfrm>
           <a:prstGeom prst="line">
@@ -14358,7 +15529,7 @@
 </p:sld>
 </file>
 
-<file path=ppt/slides/slide4.xml><?xml version="1.0" encoding="utf-8"?>
+<file path=ppt/slides/slide5.xml><?xml version="1.0" encoding="utf-8"?>
 <p:sld xmlns:a="http://schemas.openxmlformats.org/drawingml/2006/main" xmlns:r="http://schemas.openxmlformats.org/officeDocument/2006/relationships" xmlns:p="http://schemas.openxmlformats.org/presentationml/2006/main">
   <p:cSld>
     <p:spTree>
@@ -14380,7 +15551,7 @@
           <p:cNvPr id="2" name="Title 1">
             <a:extLst>
               <a:ext uri="{FF2B5EF4-FFF2-40B4-BE49-F238E27FC236}">
-                <a16:creationId xmlns:a16="http://schemas.microsoft.com/office/drawing/2014/main" id="{ADEDD030-AD42-434A-BC2F-37CD65CDCE6B}"/>
+                <a16:creationId xmlns:a16="http://schemas.microsoft.com/office/drawing/2014/main" id="{E7107BF4-F906-4E2A-B9B7-690F2D0F4180}"/>
               </a:ext>
             </a:extLst>
           </p:cNvPr>
@@ -14393,28 +15564,754 @@
         </p:nvSpPr>
         <p:spPr>
           <a:xfrm>
-            <a:off x="855617" y="190954"/>
-            <a:ext cx="10247812" cy="1258018"/>
+            <a:off x="1484310" y="317501"/>
+            <a:ext cx="10018713" cy="1752599"/>
           </a:xfrm>
         </p:spPr>
         <p:txBody>
           <a:bodyPr/>
           <a:lstStyle/>
           <a:p>
-            <a:pPr algn="ctr"/>
             <a:r>
-              <a:rPr lang="en-IN" sz="3600" dirty="0"/>
-              <a:t>Fire Fighting Robot &amp; User Interface on MIT App Inventor</a:t>
+              <a:rPr lang="en-US" dirty="0"/>
+              <a:t>Node-red</a:t>
             </a:r>
           </a:p>
         </p:txBody>
       </p:sp>
       <p:pic>
         <p:nvPicPr>
-          <p:cNvPr id="7" name="Picture 6" descr="A screenshot of a cell phone&#10;&#10;Description automatically generated">
+          <p:cNvPr id="6" name="Content Placeholder 5">
             <a:extLst>
               <a:ext uri="{FF2B5EF4-FFF2-40B4-BE49-F238E27FC236}">
-                <a16:creationId xmlns:a16="http://schemas.microsoft.com/office/drawing/2014/main" id="{E6B6334B-DB44-426B-8723-E24E37C5D3BA}"/>
+                <a16:creationId xmlns:a16="http://schemas.microsoft.com/office/drawing/2014/main" id="{98511DC8-6F9D-4C77-ABAA-514246A9ADCB}"/>
+              </a:ext>
+            </a:extLst>
+          </p:cNvPr>
+          <p:cNvPicPr>
+            <a:picLocks noGrp="1" noChangeAspect="1"/>
+          </p:cNvPicPr>
+          <p:nvPr>
+            <p:ph sz="half" idx="1"/>
+          </p:nvPr>
+        </p:nvPicPr>
+        <p:blipFill>
+          <a:blip r:embed="rId2">
+            <a:extLst>
+              <a:ext uri="{28A0092B-C50C-407E-A947-70E740481C1C}">
+                <a14:useLocalDpi xmlns:a14="http://schemas.microsoft.com/office/drawing/2010/main" val="0"/>
+              </a:ext>
+            </a:extLst>
+          </a:blip>
+          <a:stretch>
+            <a:fillRect/>
+          </a:stretch>
+        </p:blipFill>
+        <p:spPr>
+          <a:xfrm>
+            <a:off x="5811446" y="1920240"/>
+            <a:ext cx="6199577" cy="4490720"/>
+          </a:xfrm>
+        </p:spPr>
+      </p:pic>
+      <p:sp>
+        <p:nvSpPr>
+          <p:cNvPr id="4" name="Content Placeholder 3">
+            <a:extLst>
+              <a:ext uri="{FF2B5EF4-FFF2-40B4-BE49-F238E27FC236}">
+                <a16:creationId xmlns:a16="http://schemas.microsoft.com/office/drawing/2014/main" id="{DC61D24B-7B30-4217-A61E-9BC7390D0252}"/>
+              </a:ext>
+            </a:extLst>
+          </p:cNvPr>
+          <p:cNvSpPr>
+            <a:spLocks noGrp="1"/>
+          </p:cNvSpPr>
+          <p:nvPr>
+            <p:ph sz="half" idx="2"/>
+          </p:nvPr>
+        </p:nvSpPr>
+        <p:spPr>
+          <a:xfrm>
+            <a:off x="1122045" y="2193290"/>
+            <a:ext cx="4562475" cy="3416301"/>
+          </a:xfrm>
+        </p:spPr>
+        <p:txBody>
+          <a:bodyPr>
+            <a:normAutofit/>
+          </a:bodyPr>
+          <a:lstStyle/>
+          <a:p>
+            <a:pPr marL="0" indent="0" algn="ctr">
+              <a:buNone/>
+            </a:pPr>
+            <a:r>
+              <a:rPr lang="en-US" dirty="0"/>
+              <a:t>Ties together all parts of the system </a:t>
+            </a:r>
+          </a:p>
+          <a:p>
+            <a:pPr marL="0" indent="0" algn="ctr">
+              <a:buNone/>
+            </a:pPr>
+            <a:r>
+              <a:rPr lang="en-US" dirty="0"/>
+              <a:t>(Everything goes through it at some point)</a:t>
+            </a:r>
+          </a:p>
+          <a:p>
+            <a:pPr marL="0" indent="0" algn="ctr">
+              <a:buNone/>
+            </a:pPr>
+            <a:endParaRPr lang="en-US" dirty="0"/>
+          </a:p>
+          <a:p>
+            <a:pPr marL="0" indent="0" algn="ctr">
+              <a:buNone/>
+            </a:pPr>
+            <a:r>
+              <a:rPr lang="en-US" dirty="0"/>
+              <a:t>Most interaction is passing data along the flow</a:t>
+            </a:r>
+          </a:p>
+          <a:p>
+            <a:pPr marL="0" indent="0" algn="ctr">
+              <a:buNone/>
+            </a:pPr>
+            <a:endParaRPr lang="en-US" dirty="0"/>
+          </a:p>
+          <a:p>
+            <a:pPr marL="0" indent="0" algn="ctr">
+              <a:buNone/>
+            </a:pPr>
+            <a:r>
+              <a:rPr lang="en-US" dirty="0"/>
+              <a:t>hardware </a:t>
+            </a:r>
+            <a:r>
+              <a:rPr lang="en-US" dirty="0">
+                <a:sym typeface="Wingdings" panose="05000000000000000000" pitchFamily="2" charset="2"/>
+              </a:rPr>
+              <a:t> node-red  firebase/</a:t>
+            </a:r>
+            <a:r>
+              <a:rPr lang="en-US" dirty="0" err="1">
+                <a:sym typeface="Wingdings" panose="05000000000000000000" pitchFamily="2" charset="2"/>
+              </a:rPr>
+              <a:t>thingspeak</a:t>
+            </a:r>
+            <a:endParaRPr lang="en-US" dirty="0">
+              <a:sym typeface="Wingdings" panose="05000000000000000000" pitchFamily="2" charset="2"/>
+            </a:endParaRPr>
+          </a:p>
+          <a:p>
+            <a:pPr marL="0" indent="0" algn="ctr">
+              <a:buNone/>
+            </a:pPr>
+            <a:r>
+              <a:rPr lang="en-US" dirty="0">
+                <a:sym typeface="Wingdings" panose="05000000000000000000" pitchFamily="2" charset="2"/>
+              </a:rPr>
+              <a:t>Or</a:t>
+            </a:r>
+          </a:p>
+          <a:p>
+            <a:pPr marL="0" indent="0" algn="ctr">
+              <a:buNone/>
+            </a:pPr>
+            <a:r>
+              <a:rPr lang="en-US" dirty="0">
+                <a:sym typeface="Wingdings" panose="05000000000000000000" pitchFamily="2" charset="2"/>
+              </a:rPr>
+              <a:t>firebase  node-red  app/hardware</a:t>
+            </a:r>
+            <a:endParaRPr lang="en-US" dirty="0"/>
+          </a:p>
+          <a:p>
+            <a:pPr marL="0" indent="0" algn="ctr">
+              <a:buNone/>
+            </a:pPr>
+            <a:endParaRPr lang="en-US" dirty="0"/>
+          </a:p>
+        </p:txBody>
+      </p:sp>
+    </p:spTree>
+    <p:extLst>
+      <p:ext uri="{BB962C8B-B14F-4D97-AF65-F5344CB8AC3E}">
+        <p14:creationId xmlns:p14="http://schemas.microsoft.com/office/powerpoint/2010/main" val="3900362945"/>
+      </p:ext>
+    </p:extLst>
+  </p:cSld>
+  <p:clrMapOvr>
+    <a:masterClrMapping/>
+  </p:clrMapOvr>
+</p:sld>
+</file>
+
+<file path=ppt/slides/slide6.xml><?xml version="1.0" encoding="utf-8"?>
+<p:sld xmlns:a="http://schemas.openxmlformats.org/drawingml/2006/main" xmlns:r="http://schemas.openxmlformats.org/officeDocument/2006/relationships" xmlns:p="http://schemas.openxmlformats.org/presentationml/2006/main">
+  <p:cSld>
+    <p:spTree>
+      <p:nvGrpSpPr>
+        <p:cNvPr id="1" name=""/>
+        <p:cNvGrpSpPr/>
+        <p:nvPr/>
+      </p:nvGrpSpPr>
+      <p:grpSpPr>
+        <a:xfrm>
+          <a:off x="0" y="0"/>
+          <a:ext cx="0" cy="0"/>
+          <a:chOff x="0" y="0"/>
+          <a:chExt cx="0" cy="0"/>
+        </a:xfrm>
+      </p:grpSpPr>
+      <p:sp>
+        <p:nvSpPr>
+          <p:cNvPr id="2" name="Title 1">
+            <a:extLst>
+              <a:ext uri="{FF2B5EF4-FFF2-40B4-BE49-F238E27FC236}">
+                <a16:creationId xmlns:a16="http://schemas.microsoft.com/office/drawing/2014/main" id="{3D203BFB-862E-4979-AF8F-B321095182C2}"/>
+              </a:ext>
+            </a:extLst>
+          </p:cNvPr>
+          <p:cNvSpPr>
+            <a:spLocks noGrp="1"/>
+          </p:cNvSpPr>
+          <p:nvPr>
+            <p:ph type="title"/>
+          </p:nvPr>
+        </p:nvSpPr>
+        <p:spPr>
+          <a:xfrm>
+            <a:off x="1550986" y="0"/>
+            <a:ext cx="10018713" cy="1752599"/>
+          </a:xfrm>
+        </p:spPr>
+        <p:txBody>
+          <a:bodyPr/>
+          <a:lstStyle/>
+          <a:p>
+            <a:r>
+              <a:rPr lang="en-US" dirty="0"/>
+              <a:t>App – Displaying Data</a:t>
+            </a:r>
+          </a:p>
+        </p:txBody>
+      </p:sp>
+      <p:pic>
+        <p:nvPicPr>
+          <p:cNvPr id="4" name="Content Placeholder 3" descr="A screenshot of a cell phone&#10;&#10;Description automatically generated">
+            <a:extLst>
+              <a:ext uri="{FF2B5EF4-FFF2-40B4-BE49-F238E27FC236}">
+                <a16:creationId xmlns:a16="http://schemas.microsoft.com/office/drawing/2014/main" id="{C87A7636-CC45-49B0-8EB9-C0F7D18984A3}"/>
+              </a:ext>
+            </a:extLst>
+          </p:cNvPr>
+          <p:cNvPicPr>
+            <a:picLocks noGrp="1" noChangeAspect="1"/>
+          </p:cNvPicPr>
+          <p:nvPr>
+            <p:ph idx="1"/>
+          </p:nvPr>
+        </p:nvPicPr>
+        <p:blipFill>
+          <a:blip r:embed="rId2">
+            <a:extLst>
+              <a:ext uri="{28A0092B-C50C-407E-A947-70E740481C1C}">
+                <a14:useLocalDpi xmlns:a14="http://schemas.microsoft.com/office/drawing/2010/main" val="0"/>
+              </a:ext>
+            </a:extLst>
+          </a:blip>
+          <a:stretch>
+            <a:fillRect/>
+          </a:stretch>
+        </p:blipFill>
+        <p:spPr>
+          <a:xfrm>
+            <a:off x="7820182" y="1376362"/>
+            <a:ext cx="2438400" cy="4876800"/>
+          </a:xfrm>
+          <a:prstGeom prst="rect">
+            <a:avLst/>
+          </a:prstGeom>
+        </p:spPr>
+      </p:pic>
+      <p:sp>
+        <p:nvSpPr>
+          <p:cNvPr id="5" name="TextBox 4">
+            <a:extLst>
+              <a:ext uri="{FF2B5EF4-FFF2-40B4-BE49-F238E27FC236}">
+                <a16:creationId xmlns:a16="http://schemas.microsoft.com/office/drawing/2014/main" id="{2FB77518-3172-4466-BD0C-BA8DC75E7171}"/>
+              </a:ext>
+            </a:extLst>
+          </p:cNvPr>
+          <p:cNvSpPr txBox="1"/>
+          <p:nvPr/>
+        </p:nvSpPr>
+        <p:spPr>
+          <a:xfrm>
+            <a:off x="2267504" y="2723346"/>
+            <a:ext cx="4836160" cy="1938992"/>
+          </a:xfrm>
+          <a:prstGeom prst="rect">
+            <a:avLst/>
+          </a:prstGeom>
+          <a:noFill/>
+        </p:spPr>
+        <p:txBody>
+          <a:bodyPr wrap="square" rtlCol="0">
+            <a:spAutoFit/>
+          </a:bodyPr>
+          <a:lstStyle/>
+          <a:p>
+            <a:r>
+              <a:rPr lang="en-US" sz="2400" dirty="0"/>
+              <a:t>Easy to read display</a:t>
+            </a:r>
+          </a:p>
+          <a:p>
+            <a:endParaRPr lang="en-US" sz="2400" dirty="0"/>
+          </a:p>
+          <a:p>
+            <a:r>
+              <a:rPr lang="en-US" sz="2400" dirty="0"/>
+              <a:t>Temperature, humidity, and pressure </a:t>
+            </a:r>
+          </a:p>
+          <a:p>
+            <a:endParaRPr lang="en-US" sz="2400" dirty="0"/>
+          </a:p>
+          <a:p>
+            <a:r>
+              <a:rPr lang="en-US" sz="2400" dirty="0"/>
+              <a:t>Values and gauges</a:t>
+            </a:r>
+          </a:p>
+        </p:txBody>
+      </p:sp>
+    </p:spTree>
+    <p:extLst>
+      <p:ext uri="{BB962C8B-B14F-4D97-AF65-F5344CB8AC3E}">
+        <p14:creationId xmlns:p14="http://schemas.microsoft.com/office/powerpoint/2010/main" val="1200586948"/>
+      </p:ext>
+    </p:extLst>
+  </p:cSld>
+  <p:clrMapOvr>
+    <a:masterClrMapping/>
+  </p:clrMapOvr>
+</p:sld>
+</file>
+
+<file path=ppt/slides/slide7.xml><?xml version="1.0" encoding="utf-8"?>
+<p:sld xmlns:a="http://schemas.openxmlformats.org/drawingml/2006/main" xmlns:r="http://schemas.openxmlformats.org/officeDocument/2006/relationships" xmlns:p="http://schemas.openxmlformats.org/presentationml/2006/main">
+  <p:cSld>
+    <p:spTree>
+      <p:nvGrpSpPr>
+        <p:cNvPr id="1" name=""/>
+        <p:cNvGrpSpPr/>
+        <p:nvPr/>
+      </p:nvGrpSpPr>
+      <p:grpSpPr>
+        <a:xfrm>
+          <a:off x="0" y="0"/>
+          <a:ext cx="0" cy="0"/>
+          <a:chOff x="0" y="0"/>
+          <a:chExt cx="0" cy="0"/>
+        </a:xfrm>
+      </p:grpSpPr>
+      <p:sp>
+        <p:nvSpPr>
+          <p:cNvPr id="2" name="Title 1">
+            <a:extLst>
+              <a:ext uri="{FF2B5EF4-FFF2-40B4-BE49-F238E27FC236}">
+                <a16:creationId xmlns:a16="http://schemas.microsoft.com/office/drawing/2014/main" id="{C0DF7097-BDB1-4D5F-A651-68067F0DA8E7}"/>
+              </a:ext>
+            </a:extLst>
+          </p:cNvPr>
+          <p:cNvSpPr>
+            <a:spLocks noGrp="1"/>
+          </p:cNvSpPr>
+          <p:nvPr>
+            <p:ph type="title"/>
+          </p:nvPr>
+        </p:nvSpPr>
+        <p:spPr>
+          <a:xfrm>
+            <a:off x="1541276" y="190499"/>
+            <a:ext cx="10018713" cy="1752599"/>
+          </a:xfrm>
+        </p:spPr>
+        <p:txBody>
+          <a:bodyPr/>
+          <a:lstStyle/>
+          <a:p>
+            <a:r>
+              <a:rPr lang="en-US" dirty="0"/>
+              <a:t>App – Displaying Data</a:t>
+            </a:r>
+          </a:p>
+        </p:txBody>
+      </p:sp>
+      <p:sp>
+        <p:nvSpPr>
+          <p:cNvPr id="3" name="Content Placeholder 2">
+            <a:extLst>
+              <a:ext uri="{FF2B5EF4-FFF2-40B4-BE49-F238E27FC236}">
+                <a16:creationId xmlns:a16="http://schemas.microsoft.com/office/drawing/2014/main" id="{883A122C-779E-4992-93E9-73E9EDEE9E19}"/>
+              </a:ext>
+            </a:extLst>
+          </p:cNvPr>
+          <p:cNvSpPr>
+            <a:spLocks noGrp="1"/>
+          </p:cNvSpPr>
+          <p:nvPr>
+            <p:ph sz="half" idx="1"/>
+          </p:nvPr>
+        </p:nvSpPr>
+        <p:spPr>
+          <a:xfrm>
+            <a:off x="1276350" y="1885951"/>
+            <a:ext cx="4819650" cy="3905250"/>
+          </a:xfrm>
+        </p:spPr>
+        <p:txBody>
+          <a:bodyPr>
+            <a:normAutofit/>
+          </a:bodyPr>
+          <a:lstStyle/>
+          <a:p>
+            <a:pPr marL="0" indent="0">
+              <a:buNone/>
+            </a:pPr>
+            <a:r>
+              <a:rPr lang="en-US" sz="2400" dirty="0"/>
+              <a:t>Wait for changes on Firebase</a:t>
+            </a:r>
+          </a:p>
+          <a:p>
+            <a:pPr marL="0" indent="0">
+              <a:buNone/>
+            </a:pPr>
+            <a:endParaRPr lang="en-US" sz="2400" dirty="0"/>
+          </a:p>
+          <a:p>
+            <a:pPr marL="0" indent="0">
+              <a:buNone/>
+            </a:pPr>
+            <a:r>
+              <a:rPr lang="en-US" sz="2400" dirty="0"/>
+              <a:t>Take that value multiplied by some number to set the gauge</a:t>
+            </a:r>
+          </a:p>
+          <a:p>
+            <a:pPr marL="0" indent="0">
+              <a:buNone/>
+            </a:pPr>
+            <a:endParaRPr lang="en-US" sz="2400" dirty="0"/>
+          </a:p>
+          <a:p>
+            <a:pPr marL="0" indent="0">
+              <a:buNone/>
+            </a:pPr>
+            <a:r>
+              <a:rPr lang="en-US" sz="2400" dirty="0"/>
+              <a:t>If over a warning threshold, send a notification</a:t>
+            </a:r>
+          </a:p>
+        </p:txBody>
+      </p:sp>
+      <p:pic>
+        <p:nvPicPr>
+          <p:cNvPr id="6" name="Content Placeholder 5">
+            <a:extLst>
+              <a:ext uri="{FF2B5EF4-FFF2-40B4-BE49-F238E27FC236}">
+                <a16:creationId xmlns:a16="http://schemas.microsoft.com/office/drawing/2014/main" id="{68344A62-B98D-47FC-A435-392DDD4BDF25}"/>
+              </a:ext>
+            </a:extLst>
+          </p:cNvPr>
+          <p:cNvPicPr>
+            <a:picLocks noGrp="1" noChangeAspect="1"/>
+          </p:cNvPicPr>
+          <p:nvPr>
+            <p:ph sz="half" idx="2"/>
+          </p:nvPr>
+        </p:nvPicPr>
+        <p:blipFill>
+          <a:blip r:embed="rId2">
+            <a:extLst>
+              <a:ext uri="{28A0092B-C50C-407E-A947-70E740481C1C}">
+                <a14:useLocalDpi xmlns:a14="http://schemas.microsoft.com/office/drawing/2010/main" val="0"/>
+              </a:ext>
+            </a:extLst>
+          </a:blip>
+          <a:stretch>
+            <a:fillRect/>
+          </a:stretch>
+        </p:blipFill>
+        <p:spPr>
+          <a:xfrm>
+            <a:off x="5891347" y="1696721"/>
+            <a:ext cx="5933568" cy="4241800"/>
+          </a:xfrm>
+        </p:spPr>
+      </p:pic>
+    </p:spTree>
+    <p:extLst>
+      <p:ext uri="{BB962C8B-B14F-4D97-AF65-F5344CB8AC3E}">
+        <p14:creationId xmlns:p14="http://schemas.microsoft.com/office/powerpoint/2010/main" val="1703753291"/>
+      </p:ext>
+    </p:extLst>
+  </p:cSld>
+  <p:clrMapOvr>
+    <a:masterClrMapping/>
+  </p:clrMapOvr>
+</p:sld>
+</file>
+
+<file path=ppt/slides/slide8.xml><?xml version="1.0" encoding="utf-8"?>
+<p:sld xmlns:a="http://schemas.openxmlformats.org/drawingml/2006/main" xmlns:r="http://schemas.openxmlformats.org/officeDocument/2006/relationships" xmlns:p="http://schemas.openxmlformats.org/presentationml/2006/main">
+  <p:cSld>
+    <p:spTree>
+      <p:nvGrpSpPr>
+        <p:cNvPr id="1" name=""/>
+        <p:cNvGrpSpPr/>
+        <p:nvPr/>
+      </p:nvGrpSpPr>
+      <p:grpSpPr>
+        <a:xfrm>
+          <a:off x="0" y="0"/>
+          <a:ext cx="0" cy="0"/>
+          <a:chOff x="0" y="0"/>
+          <a:chExt cx="0" cy="0"/>
+        </a:xfrm>
+      </p:grpSpPr>
+      <p:sp>
+        <p:nvSpPr>
+          <p:cNvPr id="2" name="Title 1">
+            <a:extLst>
+              <a:ext uri="{FF2B5EF4-FFF2-40B4-BE49-F238E27FC236}">
+                <a16:creationId xmlns:a16="http://schemas.microsoft.com/office/drawing/2014/main" id="{81E38D25-120A-4069-93D5-37A3CEEA6841}"/>
+              </a:ext>
+            </a:extLst>
+          </p:cNvPr>
+          <p:cNvSpPr>
+            <a:spLocks noGrp="1"/>
+          </p:cNvSpPr>
+          <p:nvPr>
+            <p:ph type="title"/>
+          </p:nvPr>
+        </p:nvSpPr>
+        <p:spPr>
+          <a:xfrm>
+            <a:off x="1545271" y="0"/>
+            <a:ext cx="10018713" cy="1752599"/>
+          </a:xfrm>
+        </p:spPr>
+        <p:txBody>
+          <a:bodyPr/>
+          <a:lstStyle/>
+          <a:p>
+            <a:r>
+              <a:rPr lang="en-US" dirty="0"/>
+              <a:t>App – Weather Notifications</a:t>
+            </a:r>
+          </a:p>
+        </p:txBody>
+      </p:sp>
+      <p:pic>
+        <p:nvPicPr>
+          <p:cNvPr id="5" name="Picture 4">
+            <a:extLst>
+              <a:ext uri="{FF2B5EF4-FFF2-40B4-BE49-F238E27FC236}">
+                <a16:creationId xmlns:a16="http://schemas.microsoft.com/office/drawing/2014/main" id="{A3318DBB-ADC2-4178-A3F2-8ACCDEF80F0C}"/>
+              </a:ext>
+            </a:extLst>
+          </p:cNvPr>
+          <p:cNvPicPr>
+            <a:picLocks noChangeAspect="1"/>
+          </p:cNvPicPr>
+          <p:nvPr/>
+        </p:nvPicPr>
+        <p:blipFill>
+          <a:blip r:embed="rId2" cstate="hqprint">
+            <a:extLst>
+              <a:ext uri="{28A0092B-C50C-407E-A947-70E740481C1C}">
+                <a14:useLocalDpi xmlns:a14="http://schemas.microsoft.com/office/drawing/2010/main" val="0"/>
+              </a:ext>
+            </a:extLst>
+          </a:blip>
+          <a:stretch>
+            <a:fillRect/>
+          </a:stretch>
+        </p:blipFill>
+        <p:spPr>
+          <a:xfrm>
+            <a:off x="3519791" y="1454311"/>
+            <a:ext cx="2576209" cy="5152418"/>
+          </a:xfrm>
+          <a:prstGeom prst="rect">
+            <a:avLst/>
+          </a:prstGeom>
+        </p:spPr>
+      </p:pic>
+      <p:pic>
+        <p:nvPicPr>
+          <p:cNvPr id="6" name="Picture 5">
+            <a:extLst>
+              <a:ext uri="{FF2B5EF4-FFF2-40B4-BE49-F238E27FC236}">
+                <a16:creationId xmlns:a16="http://schemas.microsoft.com/office/drawing/2014/main" id="{140D2A2C-C4C0-4B74-BD2B-553A3A932E0D}"/>
+              </a:ext>
+            </a:extLst>
+          </p:cNvPr>
+          <p:cNvPicPr>
+            <a:picLocks noChangeAspect="1"/>
+          </p:cNvPicPr>
+          <p:nvPr/>
+        </p:nvPicPr>
+        <p:blipFill>
+          <a:blip r:embed="rId3">
+            <a:extLst>
+              <a:ext uri="{28A0092B-C50C-407E-A947-70E740481C1C}">
+                <a14:useLocalDpi xmlns:a14="http://schemas.microsoft.com/office/drawing/2010/main" val="0"/>
+              </a:ext>
+            </a:extLst>
+          </a:blip>
+          <a:stretch>
+            <a:fillRect/>
+          </a:stretch>
+        </p:blipFill>
+        <p:spPr>
+          <a:xfrm>
+            <a:off x="6908800" y="1454311"/>
+            <a:ext cx="2824480" cy="5023809"/>
+          </a:xfrm>
+          <a:prstGeom prst="rect">
+            <a:avLst/>
+          </a:prstGeom>
+        </p:spPr>
+      </p:pic>
+    </p:spTree>
+    <p:extLst>
+      <p:ext uri="{BB962C8B-B14F-4D97-AF65-F5344CB8AC3E}">
+        <p14:creationId xmlns:p14="http://schemas.microsoft.com/office/powerpoint/2010/main" val="3497635781"/>
+      </p:ext>
+    </p:extLst>
+  </p:cSld>
+  <p:clrMapOvr>
+    <a:masterClrMapping/>
+  </p:clrMapOvr>
+</p:sld>
+</file>
+
+<file path=ppt/slides/slide9.xml><?xml version="1.0" encoding="utf-8"?>
+<p:sld xmlns:a="http://schemas.openxmlformats.org/drawingml/2006/main" xmlns:r="http://schemas.openxmlformats.org/officeDocument/2006/relationships" xmlns:p="http://schemas.openxmlformats.org/presentationml/2006/main">
+  <p:cSld>
+    <p:spTree>
+      <p:nvGrpSpPr>
+        <p:cNvPr id="1" name=""/>
+        <p:cNvGrpSpPr/>
+        <p:nvPr/>
+      </p:nvGrpSpPr>
+      <p:grpSpPr>
+        <a:xfrm>
+          <a:off x="0" y="0"/>
+          <a:ext cx="0" cy="0"/>
+          <a:chOff x="0" y="0"/>
+          <a:chExt cx="0" cy="0"/>
+        </a:xfrm>
+      </p:grpSpPr>
+      <p:sp>
+        <p:nvSpPr>
+          <p:cNvPr id="2" name="Title 1">
+            <a:extLst>
+              <a:ext uri="{FF2B5EF4-FFF2-40B4-BE49-F238E27FC236}">
+                <a16:creationId xmlns:a16="http://schemas.microsoft.com/office/drawing/2014/main" id="{7ED62130-03BA-4F70-9921-391EFB5C620F}"/>
+              </a:ext>
+            </a:extLst>
+          </p:cNvPr>
+          <p:cNvSpPr>
+            <a:spLocks noGrp="1"/>
+          </p:cNvSpPr>
+          <p:nvPr>
+            <p:ph type="title"/>
+          </p:nvPr>
+        </p:nvSpPr>
+        <p:spPr>
+          <a:xfrm>
+            <a:off x="1484312" y="-216633"/>
+            <a:ext cx="10018713" cy="1752599"/>
+          </a:xfrm>
+        </p:spPr>
+        <p:txBody>
+          <a:bodyPr/>
+          <a:lstStyle/>
+          <a:p>
+            <a:r>
+              <a:rPr lang="en-US" dirty="0"/>
+              <a:t>App Controlling Hardware</a:t>
+            </a:r>
+          </a:p>
+        </p:txBody>
+      </p:sp>
+      <p:sp>
+        <p:nvSpPr>
+          <p:cNvPr id="3" name="Content Placeholder 2">
+            <a:extLst>
+              <a:ext uri="{FF2B5EF4-FFF2-40B4-BE49-F238E27FC236}">
+                <a16:creationId xmlns:a16="http://schemas.microsoft.com/office/drawing/2014/main" id="{7F61A070-CE9F-4117-A35B-31F28A990883}"/>
+              </a:ext>
+            </a:extLst>
+          </p:cNvPr>
+          <p:cNvSpPr>
+            <a:spLocks noGrp="1"/>
+          </p:cNvSpPr>
+          <p:nvPr>
+            <p:ph sz="half" idx="1"/>
+          </p:nvPr>
+        </p:nvSpPr>
+        <p:spPr>
+          <a:xfrm>
+            <a:off x="1484312" y="2603043"/>
+            <a:ext cx="5407292" cy="1916074"/>
+          </a:xfrm>
+        </p:spPr>
+        <p:txBody>
+          <a:bodyPr>
+            <a:normAutofit/>
+          </a:bodyPr>
+          <a:lstStyle/>
+          <a:p>
+            <a:pPr marL="0" indent="0">
+              <a:buNone/>
+            </a:pPr>
+            <a:r>
+              <a:rPr lang="en-US" sz="2400" dirty="0"/>
+              <a:t>Simple buttons to control hardware</a:t>
+            </a:r>
+          </a:p>
+          <a:p>
+            <a:pPr marL="0" indent="0">
+              <a:buNone/>
+            </a:pPr>
+            <a:endParaRPr lang="en-US" sz="2400" dirty="0"/>
+          </a:p>
+          <a:p>
+            <a:pPr marL="0" indent="0">
+              <a:buNone/>
+            </a:pPr>
+            <a:r>
+              <a:rPr lang="en-US" sz="2400" dirty="0"/>
+              <a:t>“Single button” controls for each piece of hardware</a:t>
+            </a:r>
+          </a:p>
+        </p:txBody>
+      </p:sp>
+      <p:pic>
+        <p:nvPicPr>
+          <p:cNvPr id="5" name="Picture 4" descr="A screenshot of a cell phone&#10;&#10;Description automatically generated">
+            <a:extLst>
+              <a:ext uri="{FF2B5EF4-FFF2-40B4-BE49-F238E27FC236}">
+                <a16:creationId xmlns:a16="http://schemas.microsoft.com/office/drawing/2014/main" id="{BFA62193-993D-499E-AF2E-4F5D3B85AAEC}"/>
               </a:ext>
             </a:extLst>
           </p:cNvPr>
@@ -14437,104 +16334,8 @@
         </p:blipFill>
         <p:spPr>
           <a:xfrm>
-            <a:off x="4438692" y="1648378"/>
-            <a:ext cx="3429000" cy="4799427"/>
-          </a:xfrm>
-          <a:prstGeom prst="rect">
-            <a:avLst/>
-          </a:prstGeom>
-        </p:spPr>
-      </p:pic>
-      <p:pic>
-        <p:nvPicPr>
-          <p:cNvPr id="9" name="Picture 8" descr="A screenshot of a cell phone&#10;&#10;Description automatically generated">
-            <a:extLst>
-              <a:ext uri="{FF2B5EF4-FFF2-40B4-BE49-F238E27FC236}">
-                <a16:creationId xmlns:a16="http://schemas.microsoft.com/office/drawing/2014/main" id="{2747D834-D760-4E2C-9066-56BB8570F6B6}"/>
-              </a:ext>
-            </a:extLst>
-          </p:cNvPr>
-          <p:cNvPicPr>
-            <a:picLocks noChangeAspect="1"/>
-          </p:cNvPicPr>
-          <p:nvPr/>
-        </p:nvPicPr>
-        <p:blipFill>
-          <a:blip r:embed="rId3">
-            <a:extLst>
-              <a:ext uri="{28A0092B-C50C-407E-A947-70E740481C1C}">
-                <a14:useLocalDpi xmlns:a14="http://schemas.microsoft.com/office/drawing/2010/main" val="0"/>
-              </a:ext>
-            </a:extLst>
-          </a:blip>
-          <a:stretch>
-            <a:fillRect/>
-          </a:stretch>
-        </p:blipFill>
-        <p:spPr>
-          <a:xfrm>
-            <a:off x="8157001" y="1579602"/>
-            <a:ext cx="3429000" cy="4799428"/>
-          </a:xfrm>
-          <a:prstGeom prst="rect">
-            <a:avLst/>
-          </a:prstGeom>
-        </p:spPr>
-      </p:pic>
-      <p:pic>
-        <p:nvPicPr>
-          <p:cNvPr id="3" name="Picture 2"/>
-          <p:cNvPicPr>
-            <a:picLocks noChangeAspect="1"/>
-          </p:cNvPicPr>
-          <p:nvPr/>
-        </p:nvPicPr>
-        <p:blipFill>
-          <a:blip r:embed="rId4">
-            <a:extLst>
-              <a:ext uri="{28A0092B-C50C-407E-A947-70E740481C1C}">
-                <a14:useLocalDpi xmlns:a14="http://schemas.microsoft.com/office/drawing/2010/main" val="0"/>
-              </a:ext>
-            </a:extLst>
-          </a:blip>
-          <a:stretch>
-            <a:fillRect/>
-          </a:stretch>
-        </p:blipFill>
-        <p:spPr>
-          <a:xfrm>
-            <a:off x="480438" y="1648379"/>
-            <a:ext cx="3547988" cy="4730651"/>
-          </a:xfrm>
-          <a:prstGeom prst="rect">
-            <a:avLst/>
-          </a:prstGeom>
-        </p:spPr>
-      </p:pic>
-      <p:pic>
-        <p:nvPicPr>
-          <p:cNvPr id="8" name="Picture 7"/>
-          <p:cNvPicPr>
-            <a:picLocks noChangeAspect="1"/>
-          </p:cNvPicPr>
-          <p:nvPr/>
-        </p:nvPicPr>
-        <p:blipFill>
-          <a:blip r:embed="rId5" cstate="hqprint">
-            <a:extLst>
-              <a:ext uri="{28A0092B-C50C-407E-A947-70E740481C1C}">
-                <a14:useLocalDpi xmlns:a14="http://schemas.microsoft.com/office/drawing/2010/main" val="0"/>
-              </a:ext>
-            </a:extLst>
-          </a:blip>
-          <a:stretch>
-            <a:fillRect/>
-          </a:stretch>
-        </p:blipFill>
-        <p:spPr>
-          <a:xfrm>
-            <a:off x="10742808" y="531037"/>
-            <a:ext cx="1308755" cy="577851"/>
+            <a:off x="6920339" y="1112877"/>
+            <a:ext cx="3787349" cy="5300994"/>
           </a:xfrm>
           <a:prstGeom prst="rect">
             <a:avLst/>
@@ -14544,347 +16345,7 @@
     </p:spTree>
     <p:extLst>
       <p:ext uri="{BB962C8B-B14F-4D97-AF65-F5344CB8AC3E}">
-        <p14:creationId xmlns:p14="http://schemas.microsoft.com/office/powerpoint/2010/main" val="284542122"/>
-      </p:ext>
-    </p:extLst>
-  </p:cSld>
-  <p:clrMapOvr>
-    <a:masterClrMapping/>
-  </p:clrMapOvr>
-</p:sld>
-</file>
-
-<file path=ppt/slides/slide5.xml><?xml version="1.0" encoding="utf-8"?>
-<p:sld xmlns:a="http://schemas.openxmlformats.org/drawingml/2006/main" xmlns:r="http://schemas.openxmlformats.org/officeDocument/2006/relationships" xmlns:p="http://schemas.openxmlformats.org/presentationml/2006/main">
-  <p:cSld>
-    <p:spTree>
-      <p:nvGrpSpPr>
-        <p:cNvPr id="1" name=""/>
-        <p:cNvGrpSpPr/>
-        <p:nvPr/>
-      </p:nvGrpSpPr>
-      <p:grpSpPr>
-        <a:xfrm>
-          <a:off x="0" y="0"/>
-          <a:ext cx="0" cy="0"/>
-          <a:chOff x="0" y="0"/>
-          <a:chExt cx="0" cy="0"/>
-        </a:xfrm>
-      </p:grpSpPr>
-      <p:sp>
-        <p:nvSpPr>
-          <p:cNvPr id="2" name="Title 1">
-            <a:extLst>
-              <a:ext uri="{FF2B5EF4-FFF2-40B4-BE49-F238E27FC236}">
-                <a16:creationId xmlns:a16="http://schemas.microsoft.com/office/drawing/2014/main" id="{ADEDD030-AD42-434A-BC2F-37CD65CDCE6B}"/>
-              </a:ext>
-            </a:extLst>
-          </p:cNvPr>
-          <p:cNvSpPr>
-            <a:spLocks noGrp="1"/>
-          </p:cNvSpPr>
-          <p:nvPr>
-            <p:ph type="title"/>
-          </p:nvPr>
-        </p:nvSpPr>
-        <p:spPr>
-          <a:xfrm>
-            <a:off x="838200" y="365126"/>
-            <a:ext cx="10515600" cy="774562"/>
-          </a:xfrm>
-        </p:spPr>
-        <p:txBody>
-          <a:bodyPr/>
-          <a:lstStyle/>
-          <a:p>
-            <a:pPr algn="ctr"/>
-            <a:r>
-              <a:rPr lang="en-IN" dirty="0"/>
-              <a:t>Advantages</a:t>
-            </a:r>
-          </a:p>
-        </p:txBody>
-      </p:sp>
-      <p:sp>
-        <p:nvSpPr>
-          <p:cNvPr id="3" name="Content Placeholder 2">
-            <a:extLst>
-              <a:ext uri="{FF2B5EF4-FFF2-40B4-BE49-F238E27FC236}">
-                <a16:creationId xmlns:a16="http://schemas.microsoft.com/office/drawing/2014/main" id="{32FD7BE5-5E9E-482D-8AD2-24EFE7E3A2D7}"/>
-              </a:ext>
-            </a:extLst>
-          </p:cNvPr>
-          <p:cNvSpPr>
-            <a:spLocks noGrp="1"/>
-          </p:cNvSpPr>
-          <p:nvPr>
-            <p:ph idx="1"/>
-          </p:nvPr>
-        </p:nvSpPr>
-        <p:spPr>
-          <a:xfrm>
-            <a:off x="996867" y="1167770"/>
-            <a:ext cx="11311870" cy="1444043"/>
-          </a:xfrm>
-        </p:spPr>
-        <p:txBody>
-          <a:bodyPr>
-            <a:normAutofit/>
-          </a:bodyPr>
-          <a:lstStyle/>
-          <a:p>
-            <a:pPr>
-              <a:buFont typeface="Wingdings" panose="05000000000000000000" pitchFamily="2" charset="2"/>
-              <a:buChar char="Ø"/>
-            </a:pPr>
-            <a:r>
-              <a:rPr lang="en-IN" sz="2400" dirty="0"/>
-              <a:t>Easy to deploy and cost-effective product (around $80) for smart home.</a:t>
-            </a:r>
-          </a:p>
-          <a:p>
-            <a:pPr>
-              <a:buFont typeface="Wingdings" panose="05000000000000000000" pitchFamily="2" charset="2"/>
-              <a:buChar char="Ø"/>
-            </a:pPr>
-            <a:r>
-              <a:rPr lang="en-IN" sz="2400" dirty="0"/>
-              <a:t>The firefighting robot needs no human interaction to put out a potential house fire.</a:t>
-            </a:r>
-          </a:p>
-        </p:txBody>
-      </p:sp>
-      <p:pic>
-        <p:nvPicPr>
-          <p:cNvPr id="5" name="Picture 4"/>
-          <p:cNvPicPr>
-            <a:picLocks noChangeAspect="1"/>
-          </p:cNvPicPr>
-          <p:nvPr/>
-        </p:nvPicPr>
-        <p:blipFill>
-          <a:blip r:embed="rId2">
-            <a:extLst>
-              <a:ext uri="{28A0092B-C50C-407E-A947-70E740481C1C}">
-                <a14:useLocalDpi xmlns:a14="http://schemas.microsoft.com/office/drawing/2010/main" val="0"/>
-              </a:ext>
-            </a:extLst>
-          </a:blip>
-          <a:stretch>
-            <a:fillRect/>
-          </a:stretch>
-        </p:blipFill>
-        <p:spPr>
-          <a:xfrm>
-            <a:off x="5769672" y="2812866"/>
-            <a:ext cx="2119782" cy="3770385"/>
-          </a:xfrm>
-          <a:prstGeom prst="rect">
-            <a:avLst/>
-          </a:prstGeom>
-        </p:spPr>
-      </p:pic>
-      <p:pic>
-        <p:nvPicPr>
-          <p:cNvPr id="6" name="Picture 5"/>
-          <p:cNvPicPr>
-            <a:picLocks noChangeAspect="1"/>
-          </p:cNvPicPr>
-          <p:nvPr/>
-        </p:nvPicPr>
-        <p:blipFill>
-          <a:blip r:embed="rId3" cstate="hqprint">
-            <a:extLst>
-              <a:ext uri="{28A0092B-C50C-407E-A947-70E740481C1C}">
-                <a14:useLocalDpi xmlns:a14="http://schemas.microsoft.com/office/drawing/2010/main" val="0"/>
-              </a:ext>
-            </a:extLst>
-          </a:blip>
-          <a:stretch>
-            <a:fillRect/>
-          </a:stretch>
-        </p:blipFill>
-        <p:spPr>
-          <a:xfrm>
-            <a:off x="7978603" y="2824398"/>
-            <a:ext cx="1873660" cy="3747320"/>
-          </a:xfrm>
-          <a:prstGeom prst="rect">
-            <a:avLst/>
-          </a:prstGeom>
-        </p:spPr>
-      </p:pic>
-      <p:pic>
-        <p:nvPicPr>
-          <p:cNvPr id="7" name="Picture 6"/>
-          <p:cNvPicPr>
-            <a:picLocks noChangeAspect="1"/>
-          </p:cNvPicPr>
-          <p:nvPr/>
-        </p:nvPicPr>
-        <p:blipFill>
-          <a:blip r:embed="rId4">
-            <a:extLst>
-              <a:ext uri="{28A0092B-C50C-407E-A947-70E740481C1C}">
-                <a14:useLocalDpi xmlns:a14="http://schemas.microsoft.com/office/drawing/2010/main" val="0"/>
-              </a:ext>
-            </a:extLst>
-          </a:blip>
-          <a:stretch>
-            <a:fillRect/>
-          </a:stretch>
-        </p:blipFill>
-        <p:spPr>
-          <a:xfrm>
-            <a:off x="9925752" y="2812866"/>
-            <a:ext cx="2106814" cy="3747320"/>
-          </a:xfrm>
-          <a:prstGeom prst="rect">
-            <a:avLst/>
-          </a:prstGeom>
-        </p:spPr>
-      </p:pic>
-      <p:pic>
-        <p:nvPicPr>
-          <p:cNvPr id="8" name="Picture 7"/>
-          <p:cNvPicPr>
-            <a:picLocks noChangeAspect="1"/>
-          </p:cNvPicPr>
-          <p:nvPr/>
-        </p:nvPicPr>
-        <p:blipFill>
-          <a:blip r:embed="rId5">
-            <a:extLst>
-              <a:ext uri="{28A0092B-C50C-407E-A947-70E740481C1C}">
-                <a14:useLocalDpi xmlns:a14="http://schemas.microsoft.com/office/drawing/2010/main" val="0"/>
-              </a:ext>
-            </a:extLst>
-          </a:blip>
-          <a:stretch>
-            <a:fillRect/>
-          </a:stretch>
-        </p:blipFill>
-        <p:spPr>
-          <a:xfrm>
-            <a:off x="3563609" y="2812867"/>
-            <a:ext cx="2116914" cy="3770385"/>
-          </a:xfrm>
-          <a:prstGeom prst="rect">
-            <a:avLst/>
-          </a:prstGeom>
-        </p:spPr>
-      </p:pic>
-      <p:sp>
-        <p:nvSpPr>
-          <p:cNvPr id="11" name="Rectangle 10"/>
-          <p:cNvSpPr/>
-          <p:nvPr/>
-        </p:nvSpPr>
-        <p:spPr>
-          <a:xfrm>
-            <a:off x="996867" y="2408128"/>
-            <a:ext cx="2640713" cy="3936462"/>
-          </a:xfrm>
-          <a:prstGeom prst="rect">
-            <a:avLst/>
-          </a:prstGeom>
-        </p:spPr>
-        <p:txBody>
-          <a:bodyPr wrap="square">
-            <a:spAutoFit/>
-          </a:bodyPr>
-          <a:lstStyle/>
-          <a:p>
-            <a:pPr marL="285750" lvl="0" indent="-285750">
-              <a:spcBef>
-                <a:spcPct val="20000"/>
-              </a:spcBef>
-              <a:spcAft>
-                <a:spcPts val="600"/>
-              </a:spcAft>
-              <a:buClr>
-                <a:srgbClr val="30ACEC">
-                  <a:lumMod val="75000"/>
-                </a:srgbClr>
-              </a:buClr>
-              <a:buSzPct val="145000"/>
-              <a:buFont typeface="Wingdings" panose="05000000000000000000" pitchFamily="2" charset="2"/>
-              <a:buChar char="Ø"/>
-            </a:pPr>
-            <a:r>
-              <a:rPr lang="en-IN" sz="2400" dirty="0"/>
-              <a:t>Possibility of sending text message/ making a call to 911 via node-red.</a:t>
-            </a:r>
-          </a:p>
-          <a:p>
-            <a:pPr marL="285750" lvl="0" indent="-285750">
-              <a:spcBef>
-                <a:spcPct val="20000"/>
-              </a:spcBef>
-              <a:spcAft>
-                <a:spcPts val="600"/>
-              </a:spcAft>
-              <a:buClr>
-                <a:srgbClr val="30ACEC">
-                  <a:lumMod val="75000"/>
-                </a:srgbClr>
-              </a:buClr>
-              <a:buSzPct val="145000"/>
-              <a:buFont typeface="Wingdings" panose="05000000000000000000" pitchFamily="2" charset="2"/>
-              <a:buChar char="Ø"/>
-            </a:pPr>
-            <a:r>
-              <a:rPr lang="en-IN" sz="2400" dirty="0"/>
-              <a:t> </a:t>
-            </a:r>
-            <a:r>
-              <a:rPr lang="en-US" sz="2400" dirty="0"/>
-              <a:t>Interaction  with an user using all kinds of communication techniques.</a:t>
-            </a:r>
-            <a:endParaRPr lang="en-IN" sz="2400" dirty="0">
-              <a:solidFill>
-                <a:prstClr val="white"/>
-              </a:solidFill>
-              <a:ea typeface="+mj-ea"/>
-              <a:cs typeface="+mj-cs"/>
-            </a:endParaRPr>
-          </a:p>
-        </p:txBody>
-      </p:sp>
-      <p:pic>
-        <p:nvPicPr>
-          <p:cNvPr id="9" name="Picture 8"/>
-          <p:cNvPicPr>
-            <a:picLocks noChangeAspect="1"/>
-          </p:cNvPicPr>
-          <p:nvPr/>
-        </p:nvPicPr>
-        <p:blipFill>
-          <a:blip r:embed="rId6" cstate="hqprint">
-            <a:extLst>
-              <a:ext uri="{28A0092B-C50C-407E-A947-70E740481C1C}">
-                <a14:useLocalDpi xmlns:a14="http://schemas.microsoft.com/office/drawing/2010/main" val="0"/>
-              </a:ext>
-            </a:extLst>
-          </a:blip>
-          <a:stretch>
-            <a:fillRect/>
-          </a:stretch>
-        </p:blipFill>
-        <p:spPr>
-          <a:xfrm>
-            <a:off x="10807462" y="354433"/>
-            <a:ext cx="1225104" cy="540917"/>
-          </a:xfrm>
-          <a:prstGeom prst="rect">
-            <a:avLst/>
-          </a:prstGeom>
-        </p:spPr>
-      </p:pic>
-    </p:spTree>
-    <p:extLst>
-      <p:ext uri="{BB962C8B-B14F-4D97-AF65-F5344CB8AC3E}">
-        <p14:creationId xmlns:p14="http://schemas.microsoft.com/office/powerpoint/2010/main" val="2433459293"/>
+        <p14:creationId xmlns:p14="http://schemas.microsoft.com/office/powerpoint/2010/main" val="175538305"/>
       </p:ext>
     </p:extLst>
   </p:cSld>
